--- a/review_of_netflix_movies_and_tv_shows.pptx
+++ b/review_of_netflix_movies_and_tv_shows.pptx
@@ -7,22 +7,18 @@
   <p:sldIdLst>
     <p:sldId id="257" r:id="rId5"/>
     <p:sldId id="259" r:id="rId6"/>
-    <p:sldId id="267" r:id="rId7"/>
-    <p:sldId id="261" r:id="rId8"/>
-    <p:sldId id="262" r:id="rId9"/>
-    <p:sldId id="263" r:id="rId10"/>
-    <p:sldId id="264" r:id="rId11"/>
-    <p:sldId id="275" r:id="rId12"/>
-    <p:sldId id="265" r:id="rId13"/>
-    <p:sldId id="268" r:id="rId14"/>
-    <p:sldId id="269" r:id="rId15"/>
-    <p:sldId id="272" r:id="rId16"/>
-    <p:sldId id="273" r:id="rId17"/>
-    <p:sldId id="274" r:id="rId18"/>
-    <p:sldId id="270" r:id="rId19"/>
-    <p:sldId id="276" r:id="rId20"/>
-    <p:sldId id="277" r:id="rId21"/>
-    <p:sldId id="271" r:id="rId22"/>
+    <p:sldId id="261" r:id="rId7"/>
+    <p:sldId id="262" r:id="rId8"/>
+    <p:sldId id="264" r:id="rId9"/>
+    <p:sldId id="265" r:id="rId10"/>
+    <p:sldId id="268" r:id="rId11"/>
+    <p:sldId id="272" r:id="rId12"/>
+    <p:sldId id="273" r:id="rId13"/>
+    <p:sldId id="274" r:id="rId14"/>
+    <p:sldId id="276" r:id="rId15"/>
+    <p:sldId id="277" r:id="rId16"/>
+    <p:sldId id="278" r:id="rId17"/>
+    <p:sldId id="279" r:id="rId18"/>
   </p:sldIdLst>
   <p:sldSz cx="12192000" cy="6858000"/>
   <p:notesSz cx="6858000" cy="9144000"/>
@@ -1088,8 +1084,8 @@
         <a:lstStyle/>
         <a:p>
           <a:r>
-            <a:rPr lang="en-US"/>
-            <a:t>Has active discussions happening on the Kaggle</a:t>
+            <a:rPr lang="en-US" dirty="0"/>
+            <a:t>Has active discussions happening on Kaggle</a:t>
           </a:r>
         </a:p>
       </dgm:t>
@@ -1196,7 +1192,7 @@
         <a:lstStyle/>
         <a:p>
           <a:r>
-            <a:rPr lang="en-US"/>
+            <a:rPr lang="en-US" dirty="0"/>
             <a:t>Limited number of null values</a:t>
           </a:r>
         </a:p>
@@ -1268,7 +1264,7 @@
         <a:lstStyle/>
         <a:p>
           <a:r>
-            <a:rPr lang="en-US"/>
+            <a:rPr lang="en-US" dirty="0"/>
             <a:t>Break down of movies and Tv shows</a:t>
           </a:r>
         </a:p>
@@ -1304,7 +1300,7 @@
         <a:lstStyle/>
         <a:p>
           <a:r>
-            <a:rPr lang="en-US"/>
+            <a:rPr lang="en-US" dirty="0"/>
             <a:t>Most popular countries, directors, actors and growth</a:t>
           </a:r>
         </a:p>
@@ -1821,8 +1817,8 @@
             <a:buChar char="•"/>
           </a:pPr>
           <a:r>
-            <a:rPr lang="en-US" sz="1600" kern="1200"/>
-            <a:t>Has active discussions happening on the Kaggle</a:t>
+            <a:rPr lang="en-US" sz="1600" kern="1200" dirty="0"/>
+            <a:t>Has active discussions happening on Kaggle</a:t>
           </a:r>
         </a:p>
         <a:p>
@@ -1875,7 +1871,7 @@
             <a:buChar char="•"/>
           </a:pPr>
           <a:r>
-            <a:rPr lang="en-US" sz="1600" kern="1200"/>
+            <a:rPr lang="en-US" sz="1600" kern="1200" dirty="0"/>
             <a:t>Limited number of null values</a:t>
           </a:r>
         </a:p>
@@ -2043,7 +2039,7 @@
             <a:buChar char="•"/>
           </a:pPr>
           <a:r>
-            <a:rPr lang="en-US" sz="1600" kern="1200"/>
+            <a:rPr lang="en-US" sz="1600" kern="1200" dirty="0"/>
             <a:t>Break down of movies and Tv shows</a:t>
           </a:r>
         </a:p>
@@ -2061,7 +2057,7 @@
             <a:buChar char="•"/>
           </a:pPr>
           <a:r>
-            <a:rPr lang="en-US" sz="1600" kern="1200"/>
+            <a:rPr lang="en-US" sz="1600" kern="1200" dirty="0"/>
             <a:t>Most popular countries, directors, actors and growth</a:t>
           </a:r>
         </a:p>
@@ -3682,7 +3678,7 @@
           <a:p>
             <a:fld id="{ED291B17-9318-49DB-B28B-6E5994AE9581}" type="datetime1">
               <a:rPr lang="en-US" smtClean="0"/>
-              <a:t>4/9/2022</a:t>
+              <a:t>4/11/2022</a:t>
             </a:fld>
             <a:endParaRPr lang="en-US" dirty="0"/>
           </a:p>
@@ -3885,7 +3881,7 @@
           <a:p>
             <a:fld id="{2CED4963-E985-44C4-B8C4-FDD613B7C2F8}" type="datetime1">
               <a:rPr lang="en-US" smtClean="0"/>
-              <a:t>4/9/2022</a:t>
+              <a:t>4/11/2022</a:t>
             </a:fld>
             <a:endParaRPr lang="en-US" dirty="0"/>
           </a:p>
@@ -4247,7 +4243,7 @@
           <a:p>
             <a:fld id="{ED291B17-9318-49DB-B28B-6E5994AE9581}" type="datetime1">
               <a:rPr lang="en-US" smtClean="0"/>
-              <a:t>4/9/2022</a:t>
+              <a:t>4/11/2022</a:t>
             </a:fld>
             <a:endParaRPr lang="en-US" dirty="0"/>
           </a:p>
@@ -4445,7 +4441,7 @@
           <a:p>
             <a:fld id="{78DD82B9-B8EE-4375-B6FF-88FA6ABB15D9}" type="datetime1">
               <a:rPr lang="en-US" smtClean="0"/>
-              <a:t>4/9/2022</a:t>
+              <a:t>4/11/2022</a:t>
             </a:fld>
             <a:endParaRPr lang="en-US" dirty="0"/>
           </a:p>
@@ -4757,7 +4753,7 @@
           <a:p>
             <a:fld id="{B2497495-0637-405E-AE64-5CC7506D51F5}" type="datetime1">
               <a:rPr lang="en-US" smtClean="0"/>
-              <a:t>4/9/2022</a:t>
+              <a:t>4/11/2022</a:t>
             </a:fld>
             <a:endParaRPr lang="en-US" dirty="0"/>
           </a:p>
@@ -5010,7 +5006,7 @@
           <a:p>
             <a:fld id="{7BFFD690-9426-415D-8B65-26881E07B2D4}" type="datetime1">
               <a:rPr lang="en-US" smtClean="0"/>
-              <a:t>4/9/2022</a:t>
+              <a:t>4/11/2022</a:t>
             </a:fld>
             <a:endParaRPr lang="en-US" dirty="0"/>
           </a:p>
@@ -5432,7 +5428,7 @@
           <a:p>
             <a:fld id="{04C4989A-474C-40DE-95B9-011C28B71673}" type="datetime1">
               <a:rPr lang="en-US" smtClean="0"/>
-              <a:t>4/9/2022</a:t>
+              <a:t>4/11/2022</a:t>
             </a:fld>
             <a:endParaRPr lang="en-US" dirty="0"/>
           </a:p>
@@ -5555,7 +5551,7 @@
           <a:p>
             <a:fld id="{5DB4ED54-5B5E-4A04-93D3-5772E3CE3818}" type="datetime1">
               <a:rPr lang="en-US" smtClean="0"/>
-              <a:t>4/9/2022</a:t>
+              <a:t>4/11/2022</a:t>
             </a:fld>
             <a:endParaRPr lang="en-US" dirty="0"/>
           </a:p>
@@ -5650,7 +5646,7 @@
           <a:p>
             <a:fld id="{4EDE50D6-574B-40AF-946F-D52A04ADE379}" type="datetime1">
               <a:rPr lang="en-US" smtClean="0"/>
-              <a:t>4/9/2022</a:t>
+              <a:t>4/11/2022</a:t>
             </a:fld>
             <a:endParaRPr lang="en-US" dirty="0"/>
           </a:p>
@@ -6027,7 +6023,7 @@
           <a:p>
             <a:fld id="{D82884F1-FFEA-405F-9602-3DCA865EDA4E}" type="datetime1">
               <a:rPr lang="en-US" smtClean="0"/>
-              <a:t>4/9/2022</a:t>
+              <a:t>4/11/2022</a:t>
             </a:fld>
             <a:endParaRPr lang="en-US" dirty="0"/>
           </a:p>
@@ -6320,7 +6316,7 @@
           <a:p>
             <a:fld id="{7E18DB4A-8810-4A10-AD5C-D5E2C667F5B3}" type="datetime1">
               <a:rPr lang="en-US" smtClean="0"/>
-              <a:t>4/9/2022</a:t>
+              <a:t>4/11/2022</a:t>
             </a:fld>
             <a:endParaRPr lang="en-US" dirty="0"/>
           </a:p>
@@ -6535,7 +6531,7 @@
           <a:p>
             <a:fld id="{ED291B17-9318-49DB-B28B-6E5994AE9581}" type="datetime1">
               <a:rPr lang="en-US" smtClean="0"/>
-              <a:t>4/9/2022</a:t>
+              <a:t>4/11/2022</a:t>
             </a:fld>
             <a:endParaRPr lang="en-US" dirty="0"/>
           </a:p>
@@ -7606,254 +7602,6 @@
 <file path=ppt/slides/slide10.xml><?xml version="1.0" encoding="utf-8"?>
 <p:sld xmlns:a="http://schemas.openxmlformats.org/drawingml/2006/main" xmlns:r="http://schemas.openxmlformats.org/officeDocument/2006/relationships" xmlns:p="http://schemas.openxmlformats.org/presentationml/2006/main">
   <p:cSld>
-    <p:spTree>
-      <p:nvGrpSpPr>
-        <p:cNvPr id="1" name=""/>
-        <p:cNvGrpSpPr/>
-        <p:nvPr/>
-      </p:nvGrpSpPr>
-      <p:grpSpPr>
-        <a:xfrm>
-          <a:off x="0" y="0"/>
-          <a:ext cx="0" cy="0"/>
-          <a:chOff x="0" y="0"/>
-          <a:chExt cx="0" cy="0"/>
-        </a:xfrm>
-      </p:grpSpPr>
-      <p:sp>
-        <p:nvSpPr>
-          <p:cNvPr id="2" name="Title 1">
-            <a:extLst>
-              <a:ext uri="{FF2B5EF4-FFF2-40B4-BE49-F238E27FC236}">
-                <a16:creationId xmlns:a16="http://schemas.microsoft.com/office/drawing/2014/main" id="{7CAFC022-3362-477D-88A2-23155C23ED8F}"/>
-              </a:ext>
-            </a:extLst>
-          </p:cNvPr>
-          <p:cNvSpPr>
-            <a:spLocks noGrp="1"/>
-          </p:cNvSpPr>
-          <p:nvPr>
-            <p:ph type="title"/>
-          </p:nvPr>
-        </p:nvSpPr>
-        <p:spPr/>
-        <p:txBody>
-          <a:bodyPr/>
-          <a:lstStyle/>
-          <a:p>
-            <a:r>
-              <a:rPr lang="en-US" dirty="0"/>
-              <a:t>United states and India</a:t>
-            </a:r>
-          </a:p>
-        </p:txBody>
-      </p:sp>
-      <p:pic>
-        <p:nvPicPr>
-          <p:cNvPr id="4" name="Picture 3" descr="Chart, funnel chart&#10;&#10;Description automatically generated">
-            <a:extLst>
-              <a:ext uri="{FF2B5EF4-FFF2-40B4-BE49-F238E27FC236}">
-                <a16:creationId xmlns:a16="http://schemas.microsoft.com/office/drawing/2014/main" id="{AEA69980-90B1-46C7-AC3A-79E10EF3ABEA}"/>
-              </a:ext>
-            </a:extLst>
-          </p:cNvPr>
-          <p:cNvPicPr>
-            <a:picLocks noChangeAspect="1"/>
-          </p:cNvPicPr>
-          <p:nvPr/>
-        </p:nvPicPr>
-        <p:blipFill>
-          <a:blip r:embed="rId2"/>
-          <a:stretch>
-            <a:fillRect/>
-          </a:stretch>
-        </p:blipFill>
-        <p:spPr>
-          <a:xfrm>
-            <a:off x="575894" y="2390143"/>
-            <a:ext cx="5760720" cy="4114800"/>
-          </a:xfrm>
-          <a:prstGeom prst="rect">
-            <a:avLst/>
-          </a:prstGeom>
-        </p:spPr>
-      </p:pic>
-      <p:pic>
-        <p:nvPicPr>
-          <p:cNvPr id="6" name="Picture 5" descr="Chart, bar chart&#10;&#10;Description automatically generated">
-            <a:extLst>
-              <a:ext uri="{FF2B5EF4-FFF2-40B4-BE49-F238E27FC236}">
-                <a16:creationId xmlns:a16="http://schemas.microsoft.com/office/drawing/2014/main" id="{FE9EAF93-6A1B-4720-A0CF-5789C7F25A22}"/>
-              </a:ext>
-            </a:extLst>
-          </p:cNvPr>
-          <p:cNvPicPr>
-            <a:picLocks noChangeAspect="1"/>
-          </p:cNvPicPr>
-          <p:nvPr/>
-        </p:nvPicPr>
-        <p:blipFill>
-          <a:blip r:embed="rId3"/>
-          <a:stretch>
-            <a:fillRect/>
-          </a:stretch>
-        </p:blipFill>
-        <p:spPr>
-          <a:xfrm>
-            <a:off x="6678346" y="2390143"/>
-            <a:ext cx="4937760" cy="4114800"/>
-          </a:xfrm>
-          <a:prstGeom prst="rect">
-            <a:avLst/>
-          </a:prstGeom>
-        </p:spPr>
-      </p:pic>
-      <p:sp>
-        <p:nvSpPr>
-          <p:cNvPr id="7" name="TextBox 6">
-            <a:extLst>
-              <a:ext uri="{FF2B5EF4-FFF2-40B4-BE49-F238E27FC236}">
-                <a16:creationId xmlns:a16="http://schemas.microsoft.com/office/drawing/2014/main" id="{34BF8B11-C31E-42A5-A590-9AD142C081F7}"/>
-              </a:ext>
-            </a:extLst>
-          </p:cNvPr>
-          <p:cNvSpPr txBox="1"/>
-          <p:nvPr/>
-        </p:nvSpPr>
-        <p:spPr>
-          <a:xfrm>
-            <a:off x="6090702" y="957129"/>
-            <a:ext cx="5335025" cy="1477328"/>
-          </a:xfrm>
-          <a:prstGeom prst="rect">
-            <a:avLst/>
-          </a:prstGeom>
-          <a:noFill/>
-        </p:spPr>
-        <p:txBody>
-          <a:bodyPr wrap="square" rtlCol="0">
-            <a:spAutoFit/>
-          </a:bodyPr>
-          <a:lstStyle/>
-          <a:p>
-            <a:r>
-              <a:rPr lang="en-US" dirty="0"/>
-              <a:t>Here we discover that both the United State and India have the highest ranking and the most programs added to the Netflix system. </a:t>
-            </a:r>
-          </a:p>
-          <a:p>
-            <a:endParaRPr lang="en-US" dirty="0"/>
-          </a:p>
-          <a:p>
-            <a:r>
-              <a:rPr lang="en-US" dirty="0"/>
-              <a:t>The United States dominates by a wide margin.</a:t>
-            </a:r>
-          </a:p>
-        </p:txBody>
-      </p:sp>
-    </p:spTree>
-    <p:extLst>
-      <p:ext uri="{BB962C8B-B14F-4D97-AF65-F5344CB8AC3E}">
-        <p14:creationId xmlns:p14="http://schemas.microsoft.com/office/powerpoint/2010/main" val="482640315"/>
-      </p:ext>
-    </p:extLst>
-  </p:cSld>
-  <p:clrMapOvr>
-    <a:masterClrMapping/>
-  </p:clrMapOvr>
-</p:sld>
-</file>
-
-<file path=ppt/slides/slide11.xml><?xml version="1.0" encoding="utf-8"?>
-<p:sld xmlns:a="http://schemas.openxmlformats.org/drawingml/2006/main" xmlns:r="http://schemas.openxmlformats.org/officeDocument/2006/relationships" xmlns:p="http://schemas.openxmlformats.org/presentationml/2006/main">
-  <p:cSld>
-    <p:spTree>
-      <p:nvGrpSpPr>
-        <p:cNvPr id="1" name=""/>
-        <p:cNvGrpSpPr/>
-        <p:nvPr/>
-      </p:nvGrpSpPr>
-      <p:grpSpPr>
-        <a:xfrm>
-          <a:off x="0" y="0"/>
-          <a:ext cx="0" cy="0"/>
-          <a:chOff x="0" y="0"/>
-          <a:chExt cx="0" cy="0"/>
-        </a:xfrm>
-      </p:grpSpPr>
-      <p:sp>
-        <p:nvSpPr>
-          <p:cNvPr id="2" name="Title 1">
-            <a:extLst>
-              <a:ext uri="{FF2B5EF4-FFF2-40B4-BE49-F238E27FC236}">
-                <a16:creationId xmlns:a16="http://schemas.microsoft.com/office/drawing/2014/main" id="{556686C2-3B59-40D7-88D3-D1C62203B15B}"/>
-              </a:ext>
-            </a:extLst>
-          </p:cNvPr>
-          <p:cNvSpPr>
-            <a:spLocks noGrp="1"/>
-          </p:cNvSpPr>
-          <p:nvPr>
-            <p:ph type="title"/>
-          </p:nvPr>
-        </p:nvSpPr>
-        <p:spPr/>
-        <p:txBody>
-          <a:bodyPr/>
-          <a:lstStyle/>
-          <a:p>
-            <a:r>
-              <a:rPr lang="en-US" dirty="0"/>
-              <a:t>Yearly Information</a:t>
-            </a:r>
-          </a:p>
-        </p:txBody>
-      </p:sp>
-      <p:sp>
-        <p:nvSpPr>
-          <p:cNvPr id="3" name="Text Placeholder 2">
-            <a:extLst>
-              <a:ext uri="{FF2B5EF4-FFF2-40B4-BE49-F238E27FC236}">
-                <a16:creationId xmlns:a16="http://schemas.microsoft.com/office/drawing/2014/main" id="{7634D95A-20FF-4CCA-8528-CCAC9E9F4BBB}"/>
-              </a:ext>
-            </a:extLst>
-          </p:cNvPr>
-          <p:cNvSpPr>
-            <a:spLocks noGrp="1"/>
-          </p:cNvSpPr>
-          <p:nvPr>
-            <p:ph type="body" idx="1"/>
-          </p:nvPr>
-        </p:nvSpPr>
-        <p:spPr/>
-        <p:txBody>
-          <a:bodyPr/>
-          <a:lstStyle/>
-          <a:p>
-            <a:r>
-              <a:rPr lang="en-US" dirty="0"/>
-              <a:t>What changed over the years</a:t>
-            </a:r>
-          </a:p>
-        </p:txBody>
-      </p:sp>
-    </p:spTree>
-    <p:extLst>
-      <p:ext uri="{BB962C8B-B14F-4D97-AF65-F5344CB8AC3E}">
-        <p14:creationId xmlns:p14="http://schemas.microsoft.com/office/powerpoint/2010/main" val="2242094862"/>
-      </p:ext>
-    </p:extLst>
-  </p:cSld>
-  <p:clrMapOvr>
-    <a:masterClrMapping/>
-  </p:clrMapOvr>
-</p:sld>
-</file>
-
-<file path=ppt/slides/slide12.xml><?xml version="1.0" encoding="utf-8"?>
-<p:sld xmlns:a="http://schemas.openxmlformats.org/drawingml/2006/main" xmlns:r="http://schemas.openxmlformats.org/officeDocument/2006/relationships" xmlns:p="http://schemas.openxmlformats.org/presentationml/2006/main">
-  <p:cSld>
     <p:bg>
       <p:bgPr>
         <a:solidFill>
@@ -8309,7 +8057,7 @@
         <p:spPr>
           <a:xfrm>
             <a:off x="584200" y="1524001"/>
-            <a:ext cx="3412067" cy="1904999"/>
+            <a:ext cx="3412067" cy="3478384"/>
           </a:xfrm>
         </p:spPr>
         <p:txBody>
@@ -8324,17 +8072,17 @@
                   <a:srgbClr val="FFFFFF"/>
                 </a:solidFill>
               </a:rPr>
-              <a:t>Years with the most releases</a:t>
+              <a:t>Yearly growth of movies and tv shows</a:t>
             </a:r>
           </a:p>
         </p:txBody>
       </p:sp>
       <p:pic>
         <p:nvPicPr>
-          <p:cNvPr id="17" name="Content Placeholder 16" descr="Chart, bar chart&#10;&#10;Description automatically generated">
+          <p:cNvPr id="7" name="Content Placeholder 6" descr="Chart, line chart&#10;&#10;Description automatically generated">
             <a:extLst>
               <a:ext uri="{FF2B5EF4-FFF2-40B4-BE49-F238E27FC236}">
-                <a16:creationId xmlns:a16="http://schemas.microsoft.com/office/drawing/2014/main" id="{5A32259C-0C7A-4752-8CB3-F155426546F1}"/>
+                <a16:creationId xmlns:a16="http://schemas.microsoft.com/office/drawing/2014/main" id="{814AEAC0-0022-470C-87D9-2F38BB6D0BC3}"/>
               </a:ext>
             </a:extLst>
           </p:cNvPr>
@@ -8353,15 +8101,1140 @@
         </p:blipFill>
         <p:spPr>
           <a:xfrm>
-            <a:off x="4336032" y="258267"/>
-            <a:ext cx="7772400" cy="6477000"/>
+            <a:off x="4765053" y="677376"/>
+            <a:ext cx="6764864" cy="5479539"/>
           </a:xfrm>
+          <a:prstGeom prst="rect">
+            <a:avLst/>
+          </a:prstGeom>
         </p:spPr>
       </p:pic>
     </p:spTree>
     <p:extLst>
       <p:ext uri="{BB962C8B-B14F-4D97-AF65-F5344CB8AC3E}">
-        <p14:creationId xmlns:p14="http://schemas.microsoft.com/office/powerpoint/2010/main" val="610927191"/>
+        <p14:creationId xmlns:p14="http://schemas.microsoft.com/office/powerpoint/2010/main" val="1251538238"/>
+      </p:ext>
+    </p:extLst>
+  </p:cSld>
+  <p:clrMapOvr>
+    <a:masterClrMapping/>
+  </p:clrMapOvr>
+</p:sld>
+</file>
+
+<file path=ppt/slides/slide11.xml><?xml version="1.0" encoding="utf-8"?>
+<p:sld xmlns:a="http://schemas.openxmlformats.org/drawingml/2006/main" xmlns:r="http://schemas.openxmlformats.org/officeDocument/2006/relationships" xmlns:p="http://schemas.openxmlformats.org/presentationml/2006/main">
+  <p:cSld>
+    <p:bg>
+      <p:bgPr>
+        <a:solidFill>
+          <a:schemeClr val="bg1"/>
+        </a:solidFill>
+        <a:effectLst/>
+      </p:bgPr>
+    </p:bg>
+    <p:spTree>
+      <p:nvGrpSpPr>
+        <p:cNvPr id="1" name=""/>
+        <p:cNvGrpSpPr/>
+        <p:nvPr/>
+      </p:nvGrpSpPr>
+      <p:grpSpPr>
+        <a:xfrm>
+          <a:off x="0" y="0"/>
+          <a:ext cx="0" cy="0"/>
+          <a:chOff x="0" y="0"/>
+          <a:chExt cx="0" cy="0"/>
+        </a:xfrm>
+      </p:grpSpPr>
+      <p:sp>
+        <p:nvSpPr>
+          <p:cNvPr id="31" name="Rectangle 12">
+            <a:extLst>
+              <a:ext uri="{FF2B5EF4-FFF2-40B4-BE49-F238E27FC236}">
+                <a16:creationId xmlns:a16="http://schemas.microsoft.com/office/drawing/2014/main" id="{910015B9-6046-41B8-83BD-71778D2F9798}"/>
+              </a:ext>
+              <a:ext uri="{C183D7F6-B498-43B3-948B-1728B52AA6E4}">
+                <adec:decorative xmlns:adec="http://schemas.microsoft.com/office/drawing/2017/decorative" val="1"/>
+              </a:ext>
+            </a:extLst>
+          </p:cNvPr>
+          <p:cNvSpPr>
+            <a:spLocks noGrp="1" noRot="1" noChangeAspect="1" noMove="1" noResize="1" noEditPoints="1" noAdjustHandles="1" noChangeArrowheads="1" noChangeShapeType="1" noTextEdit="1"/>
+          </p:cNvSpPr>
+          <p:nvPr>
+            <p:extLst>
+              <p:ext uri="{386F3935-93C4-4BCD-93E2-E3B085C9AB24}">
+                <p16:designElem xmlns:p16="http://schemas.microsoft.com/office/powerpoint/2015/main" val="1"/>
+              </p:ext>
+            </p:extLst>
+          </p:nvPr>
+        </p:nvSpPr>
+        <p:spPr>
+          <a:xfrm>
+            <a:off x="446534" y="457200"/>
+            <a:ext cx="3703320" cy="94997"/>
+          </a:xfrm>
+          <a:prstGeom prst="rect">
+            <a:avLst/>
+          </a:prstGeom>
+          <a:solidFill>
+            <a:srgbClr val="465359"/>
+          </a:solidFill>
+          <a:ln>
+            <a:noFill/>
+          </a:ln>
+          <a:effectLst/>
+        </p:spPr>
+        <p:style>
+          <a:lnRef idx="1">
+            <a:schemeClr val="accent1"/>
+          </a:lnRef>
+          <a:fillRef idx="3">
+            <a:schemeClr val="accent1"/>
+          </a:fillRef>
+          <a:effectRef idx="2">
+            <a:schemeClr val="accent1"/>
+          </a:effectRef>
+          <a:fontRef idx="minor">
+            <a:schemeClr val="lt1"/>
+          </a:fontRef>
+        </p:style>
+      </p:sp>
+      <p:sp>
+        <p:nvSpPr>
+          <p:cNvPr id="32" name="Rectangle 14">
+            <a:extLst>
+              <a:ext uri="{FF2B5EF4-FFF2-40B4-BE49-F238E27FC236}">
+                <a16:creationId xmlns:a16="http://schemas.microsoft.com/office/drawing/2014/main" id="{53908232-52E2-4794-A6C1-54300FB98919}"/>
+              </a:ext>
+              <a:ext uri="{C183D7F6-B498-43B3-948B-1728B52AA6E4}">
+                <adec:decorative xmlns:adec="http://schemas.microsoft.com/office/drawing/2017/decorative" val="1"/>
+              </a:ext>
+            </a:extLst>
+          </p:cNvPr>
+          <p:cNvSpPr>
+            <a:spLocks noGrp="1" noRot="1" noChangeAspect="1" noMove="1" noResize="1" noEditPoints="1" noAdjustHandles="1" noChangeArrowheads="1" noChangeShapeType="1" noTextEdit="1"/>
+          </p:cNvSpPr>
+          <p:nvPr>
+            <p:extLst>
+              <p:ext uri="{386F3935-93C4-4BCD-93E2-E3B085C9AB24}">
+                <p16:designElem xmlns:p16="http://schemas.microsoft.com/office/powerpoint/2015/main" val="1"/>
+              </p:ext>
+            </p:extLst>
+          </p:nvPr>
+        </p:nvSpPr>
+        <p:spPr>
+          <a:xfrm>
+            <a:off x="8042147" y="453643"/>
+            <a:ext cx="3703320" cy="98554"/>
+          </a:xfrm>
+          <a:prstGeom prst="rect">
+            <a:avLst/>
+          </a:prstGeom>
+          <a:solidFill>
+            <a:srgbClr val="969FA7"/>
+          </a:solidFill>
+          <a:ln>
+            <a:noFill/>
+          </a:ln>
+          <a:effectLst/>
+        </p:spPr>
+        <p:style>
+          <a:lnRef idx="1">
+            <a:schemeClr val="accent1"/>
+          </a:lnRef>
+          <a:fillRef idx="3">
+            <a:schemeClr val="accent1"/>
+          </a:fillRef>
+          <a:effectRef idx="2">
+            <a:schemeClr val="accent1"/>
+          </a:effectRef>
+          <a:fontRef idx="minor">
+            <a:schemeClr val="lt1"/>
+          </a:fontRef>
+        </p:style>
+      </p:sp>
+      <p:sp>
+        <p:nvSpPr>
+          <p:cNvPr id="33" name="Rectangle 16">
+            <a:extLst>
+              <a:ext uri="{FF2B5EF4-FFF2-40B4-BE49-F238E27FC236}">
+                <a16:creationId xmlns:a16="http://schemas.microsoft.com/office/drawing/2014/main" id="{D2B9299F-BED7-44C5-9CC5-E542F9193C2F}"/>
+              </a:ext>
+              <a:ext uri="{C183D7F6-B498-43B3-948B-1728B52AA6E4}">
+                <adec:decorative xmlns:adec="http://schemas.microsoft.com/office/drawing/2017/decorative" val="1"/>
+              </a:ext>
+            </a:extLst>
+          </p:cNvPr>
+          <p:cNvSpPr>
+            <a:spLocks noGrp="1" noRot="1" noChangeAspect="1" noMove="1" noResize="1" noEditPoints="1" noAdjustHandles="1" noChangeArrowheads="1" noChangeShapeType="1" noTextEdit="1"/>
+          </p:cNvSpPr>
+          <p:nvPr>
+            <p:extLst>
+              <p:ext uri="{386F3935-93C4-4BCD-93E2-E3B085C9AB24}">
+                <p16:designElem xmlns:p16="http://schemas.microsoft.com/office/powerpoint/2015/main" val="1"/>
+              </p:ext>
+            </p:extLst>
+          </p:nvPr>
+        </p:nvSpPr>
+        <p:spPr>
+          <a:xfrm>
+            <a:off x="4241830" y="457200"/>
+            <a:ext cx="3703320" cy="91440"/>
+          </a:xfrm>
+          <a:prstGeom prst="rect">
+            <a:avLst/>
+          </a:prstGeom>
+          <a:solidFill>
+            <a:schemeClr val="accent1"/>
+          </a:solidFill>
+          <a:ln>
+            <a:noFill/>
+          </a:ln>
+          <a:effectLst/>
+        </p:spPr>
+        <p:style>
+          <a:lnRef idx="1">
+            <a:schemeClr val="accent1"/>
+          </a:lnRef>
+          <a:fillRef idx="3">
+            <a:schemeClr val="accent1"/>
+          </a:fillRef>
+          <a:effectRef idx="2">
+            <a:schemeClr val="accent1"/>
+          </a:effectRef>
+          <a:fontRef idx="minor">
+            <a:schemeClr val="lt1"/>
+          </a:fontRef>
+        </p:style>
+      </p:sp>
+      <p:sp>
+        <p:nvSpPr>
+          <p:cNvPr id="34" name="Rectangle 18">
+            <a:extLst>
+              <a:ext uri="{FF2B5EF4-FFF2-40B4-BE49-F238E27FC236}">
+                <a16:creationId xmlns:a16="http://schemas.microsoft.com/office/drawing/2014/main" id="{E9DDF273-E040-4765-AD05-872458E1370A}"/>
+              </a:ext>
+              <a:ext uri="{C183D7F6-B498-43B3-948B-1728B52AA6E4}">
+                <adec:decorative xmlns:adec="http://schemas.microsoft.com/office/drawing/2017/decorative" val="1"/>
+              </a:ext>
+            </a:extLst>
+          </p:cNvPr>
+          <p:cNvSpPr>
+            <a:spLocks noGrp="1" noRot="1" noChangeAspect="1" noMove="1" noResize="1" noEditPoints="1" noAdjustHandles="1" noChangeArrowheads="1" noChangeShapeType="1" noTextEdit="1"/>
+          </p:cNvSpPr>
+          <p:nvPr>
+            <p:extLst>
+              <p:ext uri="{386F3935-93C4-4BCD-93E2-E3B085C9AB24}">
+                <p16:designElem xmlns:p16="http://schemas.microsoft.com/office/powerpoint/2015/main" val="1"/>
+              </p:ext>
+            </p:extLst>
+          </p:nvPr>
+        </p:nvSpPr>
+        <p:spPr>
+          <a:xfrm>
+            <a:off x="446534" y="3085764"/>
+            <a:ext cx="11298932" cy="3338149"/>
+          </a:xfrm>
+          <a:prstGeom prst="rect">
+            <a:avLst/>
+          </a:prstGeom>
+          <a:solidFill>
+            <a:srgbClr val="465359"/>
+          </a:solidFill>
+          <a:ln>
+            <a:noFill/>
+          </a:ln>
+          <a:effectLst/>
+        </p:spPr>
+        <p:style>
+          <a:lnRef idx="1">
+            <a:schemeClr val="accent1"/>
+          </a:lnRef>
+          <a:fillRef idx="3">
+            <a:schemeClr val="accent1"/>
+          </a:fillRef>
+          <a:effectRef idx="2">
+            <a:schemeClr val="accent1"/>
+          </a:effectRef>
+          <a:fontRef idx="minor">
+            <a:schemeClr val="lt1"/>
+          </a:fontRef>
+        </p:style>
+      </p:sp>
+      <p:sp useBgFill="1">
+        <p:nvSpPr>
+          <p:cNvPr id="35" name="Rectangle 20">
+            <a:extLst>
+              <a:ext uri="{FF2B5EF4-FFF2-40B4-BE49-F238E27FC236}">
+                <a16:creationId xmlns:a16="http://schemas.microsoft.com/office/drawing/2014/main" id="{C1FA8F66-3B85-411D-A2A6-A50DF3026D9A}"/>
+              </a:ext>
+              <a:ext uri="{C183D7F6-B498-43B3-948B-1728B52AA6E4}">
+                <adec:decorative xmlns:adec="http://schemas.microsoft.com/office/drawing/2017/decorative" val="1"/>
+              </a:ext>
+            </a:extLst>
+          </p:cNvPr>
+          <p:cNvSpPr>
+            <a:spLocks noGrp="1" noRot="1" noChangeAspect="1" noMove="1" noResize="1" noEditPoints="1" noAdjustHandles="1" noChangeArrowheads="1" noChangeShapeType="1" noTextEdit="1"/>
+          </p:cNvSpPr>
+          <p:nvPr>
+            <p:extLst>
+              <p:ext uri="{386F3935-93C4-4BCD-93E2-E3B085C9AB24}">
+                <p16:designElem xmlns:p16="http://schemas.microsoft.com/office/powerpoint/2015/main" val="1"/>
+              </p:ext>
+            </p:extLst>
+          </p:nvPr>
+        </p:nvSpPr>
+        <p:spPr>
+          <a:xfrm>
+            <a:off x="0" y="0"/>
+            <a:ext cx="12192000" cy="6858000"/>
+          </a:xfrm>
+          <a:prstGeom prst="rect">
+            <a:avLst/>
+          </a:prstGeom>
+          <a:ln>
+            <a:noFill/>
+          </a:ln>
+        </p:spPr>
+        <p:style>
+          <a:lnRef idx="2">
+            <a:schemeClr val="accent1">
+              <a:shade val="50000"/>
+            </a:schemeClr>
+          </a:lnRef>
+          <a:fillRef idx="1">
+            <a:schemeClr val="accent1"/>
+          </a:fillRef>
+          <a:effectRef idx="0">
+            <a:schemeClr val="accent1"/>
+          </a:effectRef>
+          <a:fontRef idx="minor">
+            <a:schemeClr val="lt1"/>
+          </a:fontRef>
+        </p:style>
+        <p:txBody>
+          <a:bodyPr rtlCol="0" anchor="ctr"/>
+          <a:lstStyle/>
+          <a:p>
+            <a:pPr algn="ctr"/>
+            <a:endParaRPr lang="en-US"/>
+          </a:p>
+        </p:txBody>
+      </p:sp>
+      <p:pic>
+        <p:nvPicPr>
+          <p:cNvPr id="8" name="Picture 7" descr="Chart, bar chart&#10;&#10;Description automatically generated">
+            <a:extLst>
+              <a:ext uri="{FF2B5EF4-FFF2-40B4-BE49-F238E27FC236}">
+                <a16:creationId xmlns:a16="http://schemas.microsoft.com/office/drawing/2014/main" id="{C7FFB74E-EC5C-425D-B254-00C2003B65BB}"/>
+              </a:ext>
+            </a:extLst>
+          </p:cNvPr>
+          <p:cNvPicPr>
+            <a:picLocks noChangeAspect="1"/>
+          </p:cNvPicPr>
+          <p:nvPr/>
+        </p:nvPicPr>
+        <p:blipFill>
+          <a:blip r:embed="rId2"/>
+          <a:stretch>
+            <a:fillRect/>
+          </a:stretch>
+        </p:blipFill>
+        <p:spPr>
+          <a:xfrm>
+            <a:off x="894205" y="35335"/>
+            <a:ext cx="4572000" cy="4572000"/>
+          </a:xfrm>
+          <a:prstGeom prst="rect">
+            <a:avLst/>
+          </a:prstGeom>
+        </p:spPr>
+      </p:pic>
+      <p:pic>
+        <p:nvPicPr>
+          <p:cNvPr id="6" name="Content Placeholder 5" descr="Chart, bar chart&#10;&#10;Description automatically generated">
+            <a:extLst>
+              <a:ext uri="{FF2B5EF4-FFF2-40B4-BE49-F238E27FC236}">
+                <a16:creationId xmlns:a16="http://schemas.microsoft.com/office/drawing/2014/main" id="{DD901355-ABA0-4E2D-AA1A-32E983CFF05E}"/>
+              </a:ext>
+            </a:extLst>
+          </p:cNvPr>
+          <p:cNvPicPr>
+            <a:picLocks noGrp="1" noChangeAspect="1"/>
+          </p:cNvPicPr>
+          <p:nvPr>
+            <p:ph idx="1"/>
+          </p:nvPr>
+        </p:nvPicPr>
+        <p:blipFill>
+          <a:blip r:embed="rId3"/>
+          <a:stretch>
+            <a:fillRect/>
+          </a:stretch>
+        </p:blipFill>
+        <p:spPr>
+          <a:xfrm>
+            <a:off x="6725795" y="17701"/>
+            <a:ext cx="4572000" cy="4572000"/>
+          </a:xfrm>
+          <a:prstGeom prst="rect">
+            <a:avLst/>
+          </a:prstGeom>
+        </p:spPr>
+      </p:pic>
+      <p:sp>
+        <p:nvSpPr>
+          <p:cNvPr id="36" name="Rectangle 22">
+            <a:extLst>
+              <a:ext uri="{FF2B5EF4-FFF2-40B4-BE49-F238E27FC236}">
+                <a16:creationId xmlns:a16="http://schemas.microsoft.com/office/drawing/2014/main" id="{D695E25C-06E7-4082-BE92-B571B616BC5A}"/>
+              </a:ext>
+              <a:ext uri="{C183D7F6-B498-43B3-948B-1728B52AA6E4}">
+                <adec:decorative xmlns:adec="http://schemas.microsoft.com/office/drawing/2017/decorative" val="1"/>
+              </a:ext>
+            </a:extLst>
+          </p:cNvPr>
+          <p:cNvSpPr>
+            <a:spLocks noGrp="1" noRot="1" noChangeAspect="1" noMove="1" noResize="1" noEditPoints="1" noAdjustHandles="1" noChangeArrowheads="1" noChangeShapeType="1" noTextEdit="1"/>
+          </p:cNvSpPr>
+          <p:nvPr>
+            <p:extLst>
+              <p:ext uri="{386F3935-93C4-4BCD-93E2-E3B085C9AB24}">
+                <p16:designElem xmlns:p16="http://schemas.microsoft.com/office/powerpoint/2015/main" val="1"/>
+              </p:ext>
+            </p:extLst>
+          </p:nvPr>
+        </p:nvSpPr>
+        <p:spPr>
+          <a:xfrm>
+            <a:off x="446534" y="4297735"/>
+            <a:ext cx="11265408" cy="94997"/>
+          </a:xfrm>
+          <a:prstGeom prst="rect">
+            <a:avLst/>
+          </a:prstGeom>
+          <a:solidFill>
+            <a:srgbClr val="465359"/>
+          </a:solidFill>
+          <a:ln>
+            <a:noFill/>
+          </a:ln>
+          <a:effectLst/>
+        </p:spPr>
+        <p:style>
+          <a:lnRef idx="1">
+            <a:schemeClr val="accent1"/>
+          </a:lnRef>
+          <a:fillRef idx="3">
+            <a:schemeClr val="accent1"/>
+          </a:fillRef>
+          <a:effectRef idx="2">
+            <a:schemeClr val="accent1"/>
+          </a:effectRef>
+          <a:fontRef idx="minor">
+            <a:schemeClr val="lt1"/>
+          </a:fontRef>
+        </p:style>
+      </p:sp>
+      <p:sp>
+        <p:nvSpPr>
+          <p:cNvPr id="37" name="Rectangle 24">
+            <a:extLst>
+              <a:ext uri="{FF2B5EF4-FFF2-40B4-BE49-F238E27FC236}">
+                <a16:creationId xmlns:a16="http://schemas.microsoft.com/office/drawing/2014/main" id="{E64BD7DF-F4BB-427F-B4F6-6DC83A59AA0F}"/>
+              </a:ext>
+              <a:ext uri="{C183D7F6-B498-43B3-948B-1728B52AA6E4}">
+                <adec:decorative xmlns:adec="http://schemas.microsoft.com/office/drawing/2017/decorative" val="1"/>
+              </a:ext>
+            </a:extLst>
+          </p:cNvPr>
+          <p:cNvSpPr>
+            <a:spLocks noGrp="1" noRot="1" noChangeAspect="1" noMove="1" noResize="1" noEditPoints="1" noAdjustHandles="1" noChangeArrowheads="1" noChangeShapeType="1" noTextEdit="1"/>
+          </p:cNvSpPr>
+          <p:nvPr>
+            <p:extLst>
+              <p:ext uri="{386F3935-93C4-4BCD-93E2-E3B085C9AB24}">
+                <p16:designElem xmlns:p16="http://schemas.microsoft.com/office/powerpoint/2015/main" val="1"/>
+              </p:ext>
+            </p:extLst>
+          </p:nvPr>
+        </p:nvSpPr>
+        <p:spPr>
+          <a:xfrm>
+            <a:off x="448732" y="4428067"/>
+            <a:ext cx="11260667" cy="1962497"/>
+          </a:xfrm>
+          <a:prstGeom prst="rect">
+            <a:avLst/>
+          </a:prstGeom>
+          <a:solidFill>
+            <a:srgbClr val="465359">
+              <a:alpha val="97000"/>
+            </a:srgbClr>
+          </a:solidFill>
+          <a:ln w="6350" cmpd="sng">
+            <a:noFill/>
+          </a:ln>
+          <a:effectLst/>
+        </p:spPr>
+        <p:style>
+          <a:lnRef idx="1">
+            <a:schemeClr val="accent1"/>
+          </a:lnRef>
+          <a:fillRef idx="3">
+            <a:schemeClr val="accent1"/>
+          </a:fillRef>
+          <a:effectRef idx="2">
+            <a:schemeClr val="accent1"/>
+          </a:effectRef>
+          <a:fontRef idx="minor">
+            <a:schemeClr val="lt1"/>
+          </a:fontRef>
+        </p:style>
+      </p:sp>
+      <p:sp>
+        <p:nvSpPr>
+          <p:cNvPr id="2" name="Title 1">
+            <a:extLst>
+              <a:ext uri="{FF2B5EF4-FFF2-40B4-BE49-F238E27FC236}">
+                <a16:creationId xmlns:a16="http://schemas.microsoft.com/office/drawing/2014/main" id="{5D929D65-B9B6-4818-93B3-D9168F9E5268}"/>
+              </a:ext>
+            </a:extLst>
+          </p:cNvPr>
+          <p:cNvSpPr>
+            <a:spLocks noGrp="1"/>
+          </p:cNvSpPr>
+          <p:nvPr>
+            <p:ph type="title"/>
+          </p:nvPr>
+        </p:nvSpPr>
+        <p:spPr>
+          <a:xfrm>
+            <a:off x="609599" y="4572000"/>
+            <a:ext cx="10965141" cy="895244"/>
+          </a:xfrm>
+        </p:spPr>
+        <p:txBody>
+          <a:bodyPr vert="horz" lIns="91440" tIns="45720" rIns="91440" bIns="45720" rtlCol="0" anchor="b">
+            <a:normAutofit/>
+          </a:bodyPr>
+          <a:lstStyle/>
+          <a:p>
+            <a:r>
+              <a:rPr lang="en-US" sz="4000"/>
+              <a:t>directors</a:t>
+            </a:r>
+          </a:p>
+        </p:txBody>
+      </p:sp>
+      <p:sp>
+        <p:nvSpPr>
+          <p:cNvPr id="4" name="Text Placeholder 3">
+            <a:extLst>
+              <a:ext uri="{FF2B5EF4-FFF2-40B4-BE49-F238E27FC236}">
+                <a16:creationId xmlns:a16="http://schemas.microsoft.com/office/drawing/2014/main" id="{5989833C-48EA-4D35-991A-30483A898A3D}"/>
+              </a:ext>
+            </a:extLst>
+          </p:cNvPr>
+          <p:cNvSpPr>
+            <a:spLocks noGrp="1"/>
+          </p:cNvSpPr>
+          <p:nvPr>
+            <p:ph type="body" sz="half" idx="2"/>
+          </p:nvPr>
+        </p:nvSpPr>
+        <p:spPr>
+          <a:xfrm>
+            <a:off x="609598" y="5537914"/>
+            <a:ext cx="10965142" cy="414153"/>
+          </a:xfrm>
+        </p:spPr>
+        <p:txBody>
+          <a:bodyPr vert="horz" lIns="91440" tIns="45720" rIns="91440" bIns="45720" rtlCol="0" anchor="t">
+            <a:normAutofit/>
+          </a:bodyPr>
+          <a:lstStyle/>
+          <a:p>
+            <a:r>
+              <a:rPr lang="en-US" cap="all">
+                <a:solidFill>
+                  <a:srgbClr val="FFFFFF">
+                    <a:alpha val="75000"/>
+                  </a:srgbClr>
+                </a:solidFill>
+              </a:rPr>
+              <a:t>What director has the most movies or tv shows added to Netflix?</a:t>
+            </a:r>
+          </a:p>
+        </p:txBody>
+      </p:sp>
+    </p:spTree>
+    <p:extLst>
+      <p:ext uri="{BB962C8B-B14F-4D97-AF65-F5344CB8AC3E}">
+        <p14:creationId xmlns:p14="http://schemas.microsoft.com/office/powerpoint/2010/main" val="1366133327"/>
+      </p:ext>
+    </p:extLst>
+  </p:cSld>
+  <p:clrMapOvr>
+    <a:masterClrMapping/>
+  </p:clrMapOvr>
+</p:sld>
+</file>
+
+<file path=ppt/slides/slide12.xml><?xml version="1.0" encoding="utf-8"?>
+<p:sld xmlns:a="http://schemas.openxmlformats.org/drawingml/2006/main" xmlns:r="http://schemas.openxmlformats.org/officeDocument/2006/relationships" xmlns:p="http://schemas.openxmlformats.org/presentationml/2006/main">
+  <p:cSld>
+    <p:bg>
+      <p:bgPr>
+        <a:solidFill>
+          <a:schemeClr val="bg1"/>
+        </a:solidFill>
+        <a:effectLst/>
+      </p:bgPr>
+    </p:bg>
+    <p:spTree>
+      <p:nvGrpSpPr>
+        <p:cNvPr id="1" name=""/>
+        <p:cNvGrpSpPr/>
+        <p:nvPr/>
+      </p:nvGrpSpPr>
+      <p:grpSpPr>
+        <a:xfrm>
+          <a:off x="0" y="0"/>
+          <a:ext cx="0" cy="0"/>
+          <a:chOff x="0" y="0"/>
+          <a:chExt cx="0" cy="0"/>
+        </a:xfrm>
+      </p:grpSpPr>
+      <p:sp>
+        <p:nvSpPr>
+          <p:cNvPr id="31" name="Rectangle 12">
+            <a:extLst>
+              <a:ext uri="{FF2B5EF4-FFF2-40B4-BE49-F238E27FC236}">
+                <a16:creationId xmlns:a16="http://schemas.microsoft.com/office/drawing/2014/main" id="{910015B9-6046-41B8-83BD-71778D2F9798}"/>
+              </a:ext>
+              <a:ext uri="{C183D7F6-B498-43B3-948B-1728B52AA6E4}">
+                <adec:decorative xmlns:adec="http://schemas.microsoft.com/office/drawing/2017/decorative" val="1"/>
+              </a:ext>
+            </a:extLst>
+          </p:cNvPr>
+          <p:cNvSpPr>
+            <a:spLocks noGrp="1" noRot="1" noChangeAspect="1" noMove="1" noResize="1" noEditPoints="1" noAdjustHandles="1" noChangeArrowheads="1" noChangeShapeType="1" noTextEdit="1"/>
+          </p:cNvSpPr>
+          <p:nvPr>
+            <p:extLst>
+              <p:ext uri="{386F3935-93C4-4BCD-93E2-E3B085C9AB24}">
+                <p16:designElem xmlns:p16="http://schemas.microsoft.com/office/powerpoint/2015/main" val="1"/>
+              </p:ext>
+            </p:extLst>
+          </p:nvPr>
+        </p:nvSpPr>
+        <p:spPr>
+          <a:xfrm>
+            <a:off x="446534" y="457200"/>
+            <a:ext cx="3703320" cy="94997"/>
+          </a:xfrm>
+          <a:prstGeom prst="rect">
+            <a:avLst/>
+          </a:prstGeom>
+          <a:solidFill>
+            <a:srgbClr val="465359"/>
+          </a:solidFill>
+          <a:ln>
+            <a:noFill/>
+          </a:ln>
+          <a:effectLst/>
+        </p:spPr>
+        <p:style>
+          <a:lnRef idx="1">
+            <a:schemeClr val="accent1"/>
+          </a:lnRef>
+          <a:fillRef idx="3">
+            <a:schemeClr val="accent1"/>
+          </a:fillRef>
+          <a:effectRef idx="2">
+            <a:schemeClr val="accent1"/>
+          </a:effectRef>
+          <a:fontRef idx="minor">
+            <a:schemeClr val="lt1"/>
+          </a:fontRef>
+        </p:style>
+      </p:sp>
+      <p:sp>
+        <p:nvSpPr>
+          <p:cNvPr id="32" name="Rectangle 14">
+            <a:extLst>
+              <a:ext uri="{FF2B5EF4-FFF2-40B4-BE49-F238E27FC236}">
+                <a16:creationId xmlns:a16="http://schemas.microsoft.com/office/drawing/2014/main" id="{53908232-52E2-4794-A6C1-54300FB98919}"/>
+              </a:ext>
+              <a:ext uri="{C183D7F6-B498-43B3-948B-1728B52AA6E4}">
+                <adec:decorative xmlns:adec="http://schemas.microsoft.com/office/drawing/2017/decorative" val="1"/>
+              </a:ext>
+            </a:extLst>
+          </p:cNvPr>
+          <p:cNvSpPr>
+            <a:spLocks noGrp="1" noRot="1" noChangeAspect="1" noMove="1" noResize="1" noEditPoints="1" noAdjustHandles="1" noChangeArrowheads="1" noChangeShapeType="1" noTextEdit="1"/>
+          </p:cNvSpPr>
+          <p:nvPr>
+            <p:extLst>
+              <p:ext uri="{386F3935-93C4-4BCD-93E2-E3B085C9AB24}">
+                <p16:designElem xmlns:p16="http://schemas.microsoft.com/office/powerpoint/2015/main" val="1"/>
+              </p:ext>
+            </p:extLst>
+          </p:nvPr>
+        </p:nvSpPr>
+        <p:spPr>
+          <a:xfrm>
+            <a:off x="8042147" y="453643"/>
+            <a:ext cx="3703320" cy="98554"/>
+          </a:xfrm>
+          <a:prstGeom prst="rect">
+            <a:avLst/>
+          </a:prstGeom>
+          <a:solidFill>
+            <a:srgbClr val="969FA7"/>
+          </a:solidFill>
+          <a:ln>
+            <a:noFill/>
+          </a:ln>
+          <a:effectLst/>
+        </p:spPr>
+        <p:style>
+          <a:lnRef idx="1">
+            <a:schemeClr val="accent1"/>
+          </a:lnRef>
+          <a:fillRef idx="3">
+            <a:schemeClr val="accent1"/>
+          </a:fillRef>
+          <a:effectRef idx="2">
+            <a:schemeClr val="accent1"/>
+          </a:effectRef>
+          <a:fontRef idx="minor">
+            <a:schemeClr val="lt1"/>
+          </a:fontRef>
+        </p:style>
+      </p:sp>
+      <p:sp>
+        <p:nvSpPr>
+          <p:cNvPr id="33" name="Rectangle 16">
+            <a:extLst>
+              <a:ext uri="{FF2B5EF4-FFF2-40B4-BE49-F238E27FC236}">
+                <a16:creationId xmlns:a16="http://schemas.microsoft.com/office/drawing/2014/main" id="{D2B9299F-BED7-44C5-9CC5-E542F9193C2F}"/>
+              </a:ext>
+              <a:ext uri="{C183D7F6-B498-43B3-948B-1728B52AA6E4}">
+                <adec:decorative xmlns:adec="http://schemas.microsoft.com/office/drawing/2017/decorative" val="1"/>
+              </a:ext>
+            </a:extLst>
+          </p:cNvPr>
+          <p:cNvSpPr>
+            <a:spLocks noGrp="1" noRot="1" noChangeAspect="1" noMove="1" noResize="1" noEditPoints="1" noAdjustHandles="1" noChangeArrowheads="1" noChangeShapeType="1" noTextEdit="1"/>
+          </p:cNvSpPr>
+          <p:nvPr>
+            <p:extLst>
+              <p:ext uri="{386F3935-93C4-4BCD-93E2-E3B085C9AB24}">
+                <p16:designElem xmlns:p16="http://schemas.microsoft.com/office/powerpoint/2015/main" val="1"/>
+              </p:ext>
+            </p:extLst>
+          </p:nvPr>
+        </p:nvSpPr>
+        <p:spPr>
+          <a:xfrm>
+            <a:off x="4241830" y="457200"/>
+            <a:ext cx="3703320" cy="91440"/>
+          </a:xfrm>
+          <a:prstGeom prst="rect">
+            <a:avLst/>
+          </a:prstGeom>
+          <a:solidFill>
+            <a:schemeClr val="accent1"/>
+          </a:solidFill>
+          <a:ln>
+            <a:noFill/>
+          </a:ln>
+          <a:effectLst/>
+        </p:spPr>
+        <p:style>
+          <a:lnRef idx="1">
+            <a:schemeClr val="accent1"/>
+          </a:lnRef>
+          <a:fillRef idx="3">
+            <a:schemeClr val="accent1"/>
+          </a:fillRef>
+          <a:effectRef idx="2">
+            <a:schemeClr val="accent1"/>
+          </a:effectRef>
+          <a:fontRef idx="minor">
+            <a:schemeClr val="lt1"/>
+          </a:fontRef>
+        </p:style>
+      </p:sp>
+      <p:sp>
+        <p:nvSpPr>
+          <p:cNvPr id="34" name="Rectangle 18">
+            <a:extLst>
+              <a:ext uri="{FF2B5EF4-FFF2-40B4-BE49-F238E27FC236}">
+                <a16:creationId xmlns:a16="http://schemas.microsoft.com/office/drawing/2014/main" id="{E9DDF273-E040-4765-AD05-872458E1370A}"/>
+              </a:ext>
+              <a:ext uri="{C183D7F6-B498-43B3-948B-1728B52AA6E4}">
+                <adec:decorative xmlns:adec="http://schemas.microsoft.com/office/drawing/2017/decorative" val="1"/>
+              </a:ext>
+            </a:extLst>
+          </p:cNvPr>
+          <p:cNvSpPr>
+            <a:spLocks noGrp="1" noRot="1" noChangeAspect="1" noMove="1" noResize="1" noEditPoints="1" noAdjustHandles="1" noChangeArrowheads="1" noChangeShapeType="1" noTextEdit="1"/>
+          </p:cNvSpPr>
+          <p:nvPr>
+            <p:extLst>
+              <p:ext uri="{386F3935-93C4-4BCD-93E2-E3B085C9AB24}">
+                <p16:designElem xmlns:p16="http://schemas.microsoft.com/office/powerpoint/2015/main" val="1"/>
+              </p:ext>
+            </p:extLst>
+          </p:nvPr>
+        </p:nvSpPr>
+        <p:spPr>
+          <a:xfrm>
+            <a:off x="446534" y="3085764"/>
+            <a:ext cx="11298932" cy="3338149"/>
+          </a:xfrm>
+          <a:prstGeom prst="rect">
+            <a:avLst/>
+          </a:prstGeom>
+          <a:solidFill>
+            <a:srgbClr val="465359"/>
+          </a:solidFill>
+          <a:ln>
+            <a:noFill/>
+          </a:ln>
+          <a:effectLst/>
+        </p:spPr>
+        <p:style>
+          <a:lnRef idx="1">
+            <a:schemeClr val="accent1"/>
+          </a:lnRef>
+          <a:fillRef idx="3">
+            <a:schemeClr val="accent1"/>
+          </a:fillRef>
+          <a:effectRef idx="2">
+            <a:schemeClr val="accent1"/>
+          </a:effectRef>
+          <a:fontRef idx="minor">
+            <a:schemeClr val="lt1"/>
+          </a:fontRef>
+        </p:style>
+      </p:sp>
+      <p:sp useBgFill="1">
+        <p:nvSpPr>
+          <p:cNvPr id="35" name="Rectangle 20">
+            <a:extLst>
+              <a:ext uri="{FF2B5EF4-FFF2-40B4-BE49-F238E27FC236}">
+                <a16:creationId xmlns:a16="http://schemas.microsoft.com/office/drawing/2014/main" id="{C1FA8F66-3B85-411D-A2A6-A50DF3026D9A}"/>
+              </a:ext>
+              <a:ext uri="{C183D7F6-B498-43B3-948B-1728B52AA6E4}">
+                <adec:decorative xmlns:adec="http://schemas.microsoft.com/office/drawing/2017/decorative" val="1"/>
+              </a:ext>
+            </a:extLst>
+          </p:cNvPr>
+          <p:cNvSpPr>
+            <a:spLocks noGrp="1" noRot="1" noChangeAspect="1" noMove="1" noResize="1" noEditPoints="1" noAdjustHandles="1" noChangeArrowheads="1" noChangeShapeType="1" noTextEdit="1"/>
+          </p:cNvSpPr>
+          <p:nvPr>
+            <p:extLst>
+              <p:ext uri="{386F3935-93C4-4BCD-93E2-E3B085C9AB24}">
+                <p16:designElem xmlns:p16="http://schemas.microsoft.com/office/powerpoint/2015/main" val="1"/>
+              </p:ext>
+            </p:extLst>
+          </p:nvPr>
+        </p:nvSpPr>
+        <p:spPr>
+          <a:xfrm>
+            <a:off x="0" y="0"/>
+            <a:ext cx="12192000" cy="6858000"/>
+          </a:xfrm>
+          <a:prstGeom prst="rect">
+            <a:avLst/>
+          </a:prstGeom>
+          <a:ln>
+            <a:noFill/>
+          </a:ln>
+        </p:spPr>
+        <p:style>
+          <a:lnRef idx="2">
+            <a:schemeClr val="accent1">
+              <a:shade val="50000"/>
+            </a:schemeClr>
+          </a:lnRef>
+          <a:fillRef idx="1">
+            <a:schemeClr val="accent1"/>
+          </a:fillRef>
+          <a:effectRef idx="0">
+            <a:schemeClr val="accent1"/>
+          </a:effectRef>
+          <a:fontRef idx="minor">
+            <a:schemeClr val="lt1"/>
+          </a:fontRef>
+        </p:style>
+        <p:txBody>
+          <a:bodyPr rtlCol="0" anchor="ctr"/>
+          <a:lstStyle/>
+          <a:p>
+            <a:pPr algn="ctr"/>
+            <a:endParaRPr lang="en-US"/>
+          </a:p>
+        </p:txBody>
+      </p:sp>
+      <p:pic>
+        <p:nvPicPr>
+          <p:cNvPr id="8" name="Picture 7">
+            <a:extLst>
+              <a:ext uri="{FF2B5EF4-FFF2-40B4-BE49-F238E27FC236}">
+                <a16:creationId xmlns:a16="http://schemas.microsoft.com/office/drawing/2014/main" id="{C7FFB74E-EC5C-425D-B254-00C2003B65BB}"/>
+              </a:ext>
+            </a:extLst>
+          </p:cNvPr>
+          <p:cNvPicPr>
+            <a:picLocks noChangeAspect="1"/>
+          </p:cNvPicPr>
+          <p:nvPr/>
+        </p:nvPicPr>
+        <p:blipFill>
+          <a:blip r:embed="rId2"/>
+          <a:srcRect/>
+          <a:stretch/>
+        </p:blipFill>
+        <p:spPr>
+          <a:xfrm>
+            <a:off x="894205" y="35335"/>
+            <a:ext cx="4572000" cy="4572000"/>
+          </a:xfrm>
+          <a:prstGeom prst="rect">
+            <a:avLst/>
+          </a:prstGeom>
+        </p:spPr>
+      </p:pic>
+      <p:pic>
+        <p:nvPicPr>
+          <p:cNvPr id="6" name="Content Placeholder 5">
+            <a:extLst>
+              <a:ext uri="{FF2B5EF4-FFF2-40B4-BE49-F238E27FC236}">
+                <a16:creationId xmlns:a16="http://schemas.microsoft.com/office/drawing/2014/main" id="{DD901355-ABA0-4E2D-AA1A-32E983CFF05E}"/>
+              </a:ext>
+            </a:extLst>
+          </p:cNvPr>
+          <p:cNvPicPr>
+            <a:picLocks noGrp="1" noChangeAspect="1"/>
+          </p:cNvPicPr>
+          <p:nvPr>
+            <p:ph idx="1"/>
+          </p:nvPr>
+        </p:nvPicPr>
+        <p:blipFill>
+          <a:blip r:embed="rId3"/>
+          <a:srcRect/>
+          <a:stretch/>
+        </p:blipFill>
+        <p:spPr>
+          <a:xfrm>
+            <a:off x="6725795" y="17701"/>
+            <a:ext cx="4572000" cy="4572000"/>
+          </a:xfrm>
+          <a:prstGeom prst="rect">
+            <a:avLst/>
+          </a:prstGeom>
+        </p:spPr>
+      </p:pic>
+      <p:sp>
+        <p:nvSpPr>
+          <p:cNvPr id="36" name="Rectangle 22">
+            <a:extLst>
+              <a:ext uri="{FF2B5EF4-FFF2-40B4-BE49-F238E27FC236}">
+                <a16:creationId xmlns:a16="http://schemas.microsoft.com/office/drawing/2014/main" id="{D695E25C-06E7-4082-BE92-B571B616BC5A}"/>
+              </a:ext>
+              <a:ext uri="{C183D7F6-B498-43B3-948B-1728B52AA6E4}">
+                <adec:decorative xmlns:adec="http://schemas.microsoft.com/office/drawing/2017/decorative" val="1"/>
+              </a:ext>
+            </a:extLst>
+          </p:cNvPr>
+          <p:cNvSpPr>
+            <a:spLocks noGrp="1" noRot="1" noChangeAspect="1" noMove="1" noResize="1" noEditPoints="1" noAdjustHandles="1" noChangeArrowheads="1" noChangeShapeType="1" noTextEdit="1"/>
+          </p:cNvSpPr>
+          <p:nvPr>
+            <p:extLst>
+              <p:ext uri="{386F3935-93C4-4BCD-93E2-E3B085C9AB24}">
+                <p16:designElem xmlns:p16="http://schemas.microsoft.com/office/powerpoint/2015/main" val="1"/>
+              </p:ext>
+            </p:extLst>
+          </p:nvPr>
+        </p:nvSpPr>
+        <p:spPr>
+          <a:xfrm>
+            <a:off x="446534" y="4297735"/>
+            <a:ext cx="11265408" cy="94997"/>
+          </a:xfrm>
+          <a:prstGeom prst="rect">
+            <a:avLst/>
+          </a:prstGeom>
+          <a:solidFill>
+            <a:srgbClr val="465359"/>
+          </a:solidFill>
+          <a:ln>
+            <a:noFill/>
+          </a:ln>
+          <a:effectLst/>
+        </p:spPr>
+        <p:style>
+          <a:lnRef idx="1">
+            <a:schemeClr val="accent1"/>
+          </a:lnRef>
+          <a:fillRef idx="3">
+            <a:schemeClr val="accent1"/>
+          </a:fillRef>
+          <a:effectRef idx="2">
+            <a:schemeClr val="accent1"/>
+          </a:effectRef>
+          <a:fontRef idx="minor">
+            <a:schemeClr val="lt1"/>
+          </a:fontRef>
+        </p:style>
+      </p:sp>
+      <p:sp>
+        <p:nvSpPr>
+          <p:cNvPr id="37" name="Rectangle 24">
+            <a:extLst>
+              <a:ext uri="{FF2B5EF4-FFF2-40B4-BE49-F238E27FC236}">
+                <a16:creationId xmlns:a16="http://schemas.microsoft.com/office/drawing/2014/main" id="{E64BD7DF-F4BB-427F-B4F6-6DC83A59AA0F}"/>
+              </a:ext>
+              <a:ext uri="{C183D7F6-B498-43B3-948B-1728B52AA6E4}">
+                <adec:decorative xmlns:adec="http://schemas.microsoft.com/office/drawing/2017/decorative" val="1"/>
+              </a:ext>
+            </a:extLst>
+          </p:cNvPr>
+          <p:cNvSpPr>
+            <a:spLocks noGrp="1" noRot="1" noChangeAspect="1" noMove="1" noResize="1" noEditPoints="1" noAdjustHandles="1" noChangeArrowheads="1" noChangeShapeType="1" noTextEdit="1"/>
+          </p:cNvSpPr>
+          <p:nvPr>
+            <p:extLst>
+              <p:ext uri="{386F3935-93C4-4BCD-93E2-E3B085C9AB24}">
+                <p16:designElem xmlns:p16="http://schemas.microsoft.com/office/powerpoint/2015/main" val="1"/>
+              </p:ext>
+            </p:extLst>
+          </p:nvPr>
+        </p:nvSpPr>
+        <p:spPr>
+          <a:xfrm>
+            <a:off x="448732" y="4428067"/>
+            <a:ext cx="11260667" cy="1962497"/>
+          </a:xfrm>
+          <a:prstGeom prst="rect">
+            <a:avLst/>
+          </a:prstGeom>
+          <a:solidFill>
+            <a:srgbClr val="465359">
+              <a:alpha val="97000"/>
+            </a:srgbClr>
+          </a:solidFill>
+          <a:ln w="6350" cmpd="sng">
+            <a:noFill/>
+          </a:ln>
+          <a:effectLst/>
+        </p:spPr>
+        <p:style>
+          <a:lnRef idx="1">
+            <a:schemeClr val="accent1"/>
+          </a:lnRef>
+          <a:fillRef idx="3">
+            <a:schemeClr val="accent1"/>
+          </a:fillRef>
+          <a:effectRef idx="2">
+            <a:schemeClr val="accent1"/>
+          </a:effectRef>
+          <a:fontRef idx="minor">
+            <a:schemeClr val="lt1"/>
+          </a:fontRef>
+        </p:style>
+      </p:sp>
+      <p:sp>
+        <p:nvSpPr>
+          <p:cNvPr id="2" name="Title 1">
+            <a:extLst>
+              <a:ext uri="{FF2B5EF4-FFF2-40B4-BE49-F238E27FC236}">
+                <a16:creationId xmlns:a16="http://schemas.microsoft.com/office/drawing/2014/main" id="{5D929D65-B9B6-4818-93B3-D9168F9E5268}"/>
+              </a:ext>
+            </a:extLst>
+          </p:cNvPr>
+          <p:cNvSpPr>
+            <a:spLocks noGrp="1"/>
+          </p:cNvSpPr>
+          <p:nvPr>
+            <p:ph type="title"/>
+          </p:nvPr>
+        </p:nvSpPr>
+        <p:spPr>
+          <a:xfrm>
+            <a:off x="609599" y="4572000"/>
+            <a:ext cx="10965141" cy="895244"/>
+          </a:xfrm>
+        </p:spPr>
+        <p:txBody>
+          <a:bodyPr vert="horz" lIns="91440" tIns="45720" rIns="91440" bIns="45720" rtlCol="0" anchor="b">
+            <a:normAutofit/>
+          </a:bodyPr>
+          <a:lstStyle/>
+          <a:p>
+            <a:r>
+              <a:rPr lang="en-US" sz="4000" dirty="0"/>
+              <a:t>Actors and actresses</a:t>
+            </a:r>
+          </a:p>
+        </p:txBody>
+      </p:sp>
+      <p:sp>
+        <p:nvSpPr>
+          <p:cNvPr id="4" name="Text Placeholder 3">
+            <a:extLst>
+              <a:ext uri="{FF2B5EF4-FFF2-40B4-BE49-F238E27FC236}">
+                <a16:creationId xmlns:a16="http://schemas.microsoft.com/office/drawing/2014/main" id="{5989833C-48EA-4D35-991A-30483A898A3D}"/>
+              </a:ext>
+            </a:extLst>
+          </p:cNvPr>
+          <p:cNvSpPr>
+            <a:spLocks noGrp="1"/>
+          </p:cNvSpPr>
+          <p:nvPr>
+            <p:ph type="body" sz="half" idx="2"/>
+          </p:nvPr>
+        </p:nvSpPr>
+        <p:spPr>
+          <a:xfrm>
+            <a:off x="609598" y="5537914"/>
+            <a:ext cx="10965142" cy="414153"/>
+          </a:xfrm>
+        </p:spPr>
+        <p:txBody>
+          <a:bodyPr vert="horz" lIns="91440" tIns="45720" rIns="91440" bIns="45720" rtlCol="0" anchor="t">
+            <a:normAutofit/>
+          </a:bodyPr>
+          <a:lstStyle/>
+          <a:p>
+            <a:r>
+              <a:rPr lang="en-US" cap="all" dirty="0">
+                <a:solidFill>
+                  <a:srgbClr val="FFFFFF">
+                    <a:alpha val="75000"/>
+                  </a:srgbClr>
+                </a:solidFill>
+              </a:rPr>
+              <a:t>Which actor or actress has the most movies or tv shows added to Netflix?</a:t>
+            </a:r>
+          </a:p>
+        </p:txBody>
+      </p:sp>
+    </p:spTree>
+    <p:extLst>
+      <p:ext uri="{BB962C8B-B14F-4D97-AF65-F5344CB8AC3E}">
+        <p14:creationId xmlns:p14="http://schemas.microsoft.com/office/powerpoint/2010/main" val="2099496726"/>
       </p:ext>
     </p:extLst>
   </p:cSld>
@@ -8398,10 +9271,10 @@
       </p:grpSpPr>
       <p:sp>
         <p:nvSpPr>
-          <p:cNvPr id="10" name="Rectangle 9">
+          <p:cNvPr id="61" name="Rectangle 60">
             <a:extLst>
               <a:ext uri="{FF2B5EF4-FFF2-40B4-BE49-F238E27FC236}">
-                <a16:creationId xmlns:a16="http://schemas.microsoft.com/office/drawing/2014/main" id="{DD651B61-325E-4E73-8445-38B0DE8AAAB6}"/>
+                <a16:creationId xmlns:a16="http://schemas.microsoft.com/office/drawing/2014/main" id="{910015B9-6046-41B8-83BD-71778D2F9798}"/>
               </a:ext>
               <a:ext uri="{C183D7F6-B498-43B3-948B-1728B52AA6E4}">
                 <adec:decorative xmlns:adec="http://schemas.microsoft.com/office/drawing/2017/decorative" val="1"/>
@@ -8452,10 +9325,10 @@
       </p:sp>
       <p:sp>
         <p:nvSpPr>
-          <p:cNvPr id="12" name="Rectangle 11">
+          <p:cNvPr id="63" name="Rectangle 62">
             <a:extLst>
               <a:ext uri="{FF2B5EF4-FFF2-40B4-BE49-F238E27FC236}">
-                <a16:creationId xmlns:a16="http://schemas.microsoft.com/office/drawing/2014/main" id="{B42E5253-D3AC-4AC2-B766-8B34F13C2F5E}"/>
+                <a16:creationId xmlns:a16="http://schemas.microsoft.com/office/drawing/2014/main" id="{53908232-52E2-4794-A6C1-54300FB98919}"/>
               </a:ext>
               <a:ext uri="{C183D7F6-B498-43B3-948B-1728B52AA6E4}">
                 <adec:decorative xmlns:adec="http://schemas.microsoft.com/office/drawing/2017/decorative" val="1"/>
@@ -8506,10 +9379,10 @@
       </p:sp>
       <p:sp>
         <p:nvSpPr>
-          <p:cNvPr id="14" name="Rectangle 13">
+          <p:cNvPr id="65" name="Rectangle 64">
             <a:extLst>
               <a:ext uri="{FF2B5EF4-FFF2-40B4-BE49-F238E27FC236}">
-                <a16:creationId xmlns:a16="http://schemas.microsoft.com/office/drawing/2014/main" id="{10AE8D57-436A-4073-9A75-15BB5949F8B4}"/>
+                <a16:creationId xmlns:a16="http://schemas.microsoft.com/office/drawing/2014/main" id="{D2B9299F-BED7-44C5-9CC5-E542F9193C2F}"/>
               </a:ext>
               <a:ext uri="{C183D7F6-B498-43B3-948B-1728B52AA6E4}">
                 <adec:decorative xmlns:adec="http://schemas.microsoft.com/office/drawing/2017/decorative" val="1"/>
@@ -8560,10 +9433,10 @@
       </p:sp>
       <p:sp>
         <p:nvSpPr>
-          <p:cNvPr id="16" name="Rectangle 15">
+          <p:cNvPr id="67" name="Rectangle 66">
             <a:extLst>
               <a:ext uri="{FF2B5EF4-FFF2-40B4-BE49-F238E27FC236}">
-                <a16:creationId xmlns:a16="http://schemas.microsoft.com/office/drawing/2014/main" id="{E2852671-8EB6-4EAF-8AF8-65CF3FD66456}"/>
+                <a16:creationId xmlns:a16="http://schemas.microsoft.com/office/drawing/2014/main" id="{E9DDF273-E040-4765-AD05-872458E1370A}"/>
               </a:ext>
               <a:ext uri="{C183D7F6-B498-43B3-948B-1728B52AA6E4}">
                 <adec:decorative xmlns:adec="http://schemas.microsoft.com/office/drawing/2017/decorative" val="1"/>
@@ -8614,10 +9487,10 @@
       </p:sp>
       <p:sp useBgFill="1">
         <p:nvSpPr>
-          <p:cNvPr id="18" name="Rectangle 17">
+          <p:cNvPr id="69" name="Rectangle 68">
             <a:extLst>
               <a:ext uri="{FF2B5EF4-FFF2-40B4-BE49-F238E27FC236}">
-                <a16:creationId xmlns:a16="http://schemas.microsoft.com/office/drawing/2014/main" id="{7C427EA3-1645-4B27-A5C2-55E8E24C665F}"/>
+                <a16:creationId xmlns:a16="http://schemas.microsoft.com/office/drawing/2014/main" id="{C946306D-5ADD-463A-949A-DEEBA39D70DC}"/>
               </a:ext>
               <a:ext uri="{C183D7F6-B498-43B3-948B-1728B52AA6E4}">
                 <adec:decorative xmlns:adec="http://schemas.microsoft.com/office/drawing/2017/decorative" val="1"/>
@@ -8674,10 +9547,10 @@
       </p:sp>
       <p:sp>
         <p:nvSpPr>
-          <p:cNvPr id="20" name="Rectangle 19">
+          <p:cNvPr id="71" name="Rectangle 70">
             <a:extLst>
               <a:ext uri="{FF2B5EF4-FFF2-40B4-BE49-F238E27FC236}">
-                <a16:creationId xmlns:a16="http://schemas.microsoft.com/office/drawing/2014/main" id="{885CDBF6-7B87-4A58-92CA-E887CA36AF04}"/>
+                <a16:creationId xmlns:a16="http://schemas.microsoft.com/office/drawing/2014/main" id="{A473A035-1F9A-4381-AC96-683CD2DF5DE8}"/>
               </a:ext>
               <a:ext uri="{C183D7F6-B498-43B3-948B-1728B52AA6E4}">
                 <adec:decorative xmlns:adec="http://schemas.microsoft.com/office/drawing/2017/decorative" val="1"/>
@@ -8697,7 +9570,7 @@
         </p:nvSpPr>
         <p:spPr>
           <a:xfrm>
-            <a:off x="446534" y="457200"/>
+            <a:off x="446534" y="455422"/>
             <a:ext cx="3703320" cy="94997"/>
           </a:xfrm>
           <a:prstGeom prst="rect">
@@ -8728,10 +9601,10 @@
       </p:sp>
       <p:sp>
         <p:nvSpPr>
-          <p:cNvPr id="22" name="Rectangle 21">
+          <p:cNvPr id="73" name="Rectangle 72">
             <a:extLst>
               <a:ext uri="{FF2B5EF4-FFF2-40B4-BE49-F238E27FC236}">
-                <a16:creationId xmlns:a16="http://schemas.microsoft.com/office/drawing/2014/main" id="{6BFF2B2E-1CF1-403F-BB44-3F9C3E7F67FF}"/>
+                <a16:creationId xmlns:a16="http://schemas.microsoft.com/office/drawing/2014/main" id="{CF4ED641-0671-4D88-92E6-026A8C9F1A4E}"/>
               </a:ext>
               <a:ext uri="{C183D7F6-B498-43B3-948B-1728B52AA6E4}">
                 <adec:decorative xmlns:adec="http://schemas.microsoft.com/office/drawing/2017/decorative" val="1"/>
@@ -8751,7 +9624,7 @@
         </p:nvSpPr>
         <p:spPr>
           <a:xfrm>
-            <a:off x="4241830" y="457200"/>
+            <a:off x="4244341" y="457200"/>
             <a:ext cx="3703320" cy="91440"/>
           </a:xfrm>
           <a:prstGeom prst="rect">
@@ -8782,10 +9655,10 @@
       </p:sp>
       <p:sp>
         <p:nvSpPr>
-          <p:cNvPr id="24" name="Rectangle 23">
+          <p:cNvPr id="75" name="Rectangle 74">
             <a:extLst>
               <a:ext uri="{FF2B5EF4-FFF2-40B4-BE49-F238E27FC236}">
-                <a16:creationId xmlns:a16="http://schemas.microsoft.com/office/drawing/2014/main" id="{9D8B4D3C-0DE0-43B9-B032-32B536B96D02}"/>
+                <a16:creationId xmlns:a16="http://schemas.microsoft.com/office/drawing/2014/main" id="{7A02EF2F-E7B1-40FC-885B-C4D89902B6E0}"/>
               </a:ext>
               <a:ext uri="{C183D7F6-B498-43B3-948B-1728B52AA6E4}">
                 <adec:decorative xmlns:adec="http://schemas.microsoft.com/office/drawing/2017/decorative" val="1"/>
@@ -8836,10 +9709,10 @@
       </p:sp>
       <p:pic>
         <p:nvPicPr>
-          <p:cNvPr id="5" name="Content Placeholder 4" descr="Chart, bar chart&#10;&#10;Description automatically generated">
+          <p:cNvPr id="6" name="Content Placeholder 5">
             <a:extLst>
               <a:ext uri="{FF2B5EF4-FFF2-40B4-BE49-F238E27FC236}">
-                <a16:creationId xmlns:a16="http://schemas.microsoft.com/office/drawing/2014/main" id="{63BD7784-4342-46E9-91A3-5CB4AD940D0A}"/>
+                <a16:creationId xmlns:a16="http://schemas.microsoft.com/office/drawing/2014/main" id="{DD901355-ABA0-4E2D-AA1A-32E983CFF05E}"/>
               </a:ext>
             </a:extLst>
           </p:cNvPr>
@@ -8852,26 +9725,52 @@
         </p:nvPicPr>
         <p:blipFill>
           <a:blip r:embed="rId2"/>
-          <a:stretch>
-            <a:fillRect/>
-          </a:stretch>
+          <a:stretch/>
         </p:blipFill>
         <p:spPr>
           <a:xfrm>
-            <a:off x="912114" y="548640"/>
-            <a:ext cx="6309360" cy="6309360"/>
+            <a:off x="1014218" y="548639"/>
+            <a:ext cx="4572000" cy="3806193"/>
           </a:xfrm>
           <a:prstGeom prst="rect">
             <a:avLst/>
           </a:prstGeom>
         </p:spPr>
       </p:pic>
-      <p:sp>
-        <p:nvSpPr>
-          <p:cNvPr id="26" name="Rectangle 25">
+      <p:pic>
+        <p:nvPicPr>
+          <p:cNvPr id="8" name="Picture 7">
             <a:extLst>
               <a:ext uri="{FF2B5EF4-FFF2-40B4-BE49-F238E27FC236}">
-                <a16:creationId xmlns:a16="http://schemas.microsoft.com/office/drawing/2014/main" id="{707788D3-E467-4E25-A5E9-FD41795BD551}"/>
+                <a16:creationId xmlns:a16="http://schemas.microsoft.com/office/drawing/2014/main" id="{C7FFB74E-EC5C-425D-B254-00C2003B65BB}"/>
+              </a:ext>
+            </a:extLst>
+          </p:cNvPr>
+          <p:cNvPicPr>
+            <a:picLocks noChangeAspect="1"/>
+          </p:cNvPicPr>
+          <p:nvPr/>
+        </p:nvPicPr>
+        <p:blipFill>
+          <a:blip r:embed="rId3"/>
+          <a:stretch/>
+        </p:blipFill>
+        <p:spPr>
+          <a:xfrm>
+            <a:off x="6605782" y="548640"/>
+            <a:ext cx="4572000" cy="3806193"/>
+          </a:xfrm>
+          <a:prstGeom prst="rect">
+            <a:avLst/>
+          </a:prstGeom>
+        </p:spPr>
+      </p:pic>
+      <p:sp>
+        <p:nvSpPr>
+          <p:cNvPr id="77" name="Rectangle 76">
+            <a:extLst>
+              <a:ext uri="{FF2B5EF4-FFF2-40B4-BE49-F238E27FC236}">
+                <a16:creationId xmlns:a16="http://schemas.microsoft.com/office/drawing/2014/main" id="{9180D5DB-9658-40A6-A418-7C69982226F4}"/>
               </a:ext>
               <a:ext uri="{C183D7F6-B498-43B3-948B-1728B52AA6E4}">
                 <adec:decorative xmlns:adec="http://schemas.microsoft.com/office/drawing/2017/decorative" val="1"/>
@@ -8891,8 +9790,8 @@
         </p:nvSpPr>
         <p:spPr>
           <a:xfrm>
-            <a:off x="8042147" y="601200"/>
-            <a:ext cx="3703320" cy="5789365"/>
+            <a:off x="446533" y="4199467"/>
+            <a:ext cx="11296733" cy="2191098"/>
           </a:xfrm>
           <a:prstGeom prst="rect">
             <a:avLst/>
@@ -8925,7 +9824,7 @@
           <p:cNvPr id="2" name="Title 1">
             <a:extLst>
               <a:ext uri="{FF2B5EF4-FFF2-40B4-BE49-F238E27FC236}">
-                <a16:creationId xmlns:a16="http://schemas.microsoft.com/office/drawing/2014/main" id="{106A70C3-511E-4B20-8F63-691553203752}"/>
+                <a16:creationId xmlns:a16="http://schemas.microsoft.com/office/drawing/2014/main" id="{5D929D65-B9B6-4818-93B3-D9168F9E5268}"/>
               </a:ext>
             </a:extLst>
           </p:cNvPr>
@@ -8938,38 +9837,60 @@
         </p:nvSpPr>
         <p:spPr>
           <a:xfrm>
-            <a:off x="8296275" y="1419225"/>
-            <a:ext cx="3081576" cy="2085869"/>
+            <a:off x="627120" y="4319752"/>
+            <a:ext cx="10947620" cy="1155959"/>
           </a:xfrm>
         </p:spPr>
         <p:txBody>
           <a:bodyPr vert="horz" lIns="91440" tIns="45720" rIns="91440" bIns="45720" rtlCol="0" anchor="b">
-            <a:normAutofit fontScale="90000"/>
+            <a:normAutofit/>
           </a:bodyPr>
           <a:lstStyle/>
           <a:p>
             <a:r>
-              <a:rPr lang="en-US" sz="3600" dirty="0">
+              <a:rPr lang="en-US" sz="3600"/>
+              <a:t>Recommendations</a:t>
+            </a:r>
+          </a:p>
+        </p:txBody>
+      </p:sp>
+      <p:sp>
+        <p:nvSpPr>
+          <p:cNvPr id="4" name="Text Placeholder 3">
+            <a:extLst>
+              <a:ext uri="{FF2B5EF4-FFF2-40B4-BE49-F238E27FC236}">
+                <a16:creationId xmlns:a16="http://schemas.microsoft.com/office/drawing/2014/main" id="{5989833C-48EA-4D35-991A-30483A898A3D}"/>
+              </a:ext>
+            </a:extLst>
+          </p:cNvPr>
+          <p:cNvSpPr>
+            <a:spLocks noGrp="1"/>
+          </p:cNvSpPr>
+          <p:nvPr>
+            <p:ph type="body" sz="half" idx="2"/>
+          </p:nvPr>
+        </p:nvSpPr>
+        <p:spPr>
+          <a:xfrm>
+            <a:off x="627120" y="5475712"/>
+            <a:ext cx="10947620" cy="476099"/>
+          </a:xfrm>
+        </p:spPr>
+        <p:txBody>
+          <a:bodyPr vert="horz" lIns="91440" tIns="45720" rIns="91440" bIns="45720" rtlCol="0" anchor="t">
+            <a:normAutofit/>
+          </a:bodyPr>
+          <a:lstStyle/>
+          <a:p>
+            <a:r>
+              <a:rPr lang="en-US" cap="all">
                 <a:solidFill>
-                  <a:srgbClr val="FFFFFF"/>
+                  <a:srgbClr val="FFFFFF">
+                    <a:alpha val="75000"/>
+                  </a:srgbClr>
                 </a:solidFill>
               </a:rPr>
-              <a:t>Most popular genre</a:t>
-            </a:r>
-            <a:br>
-              <a:rPr lang="en-US" sz="3600" dirty="0">
-                <a:solidFill>
-                  <a:srgbClr val="FFFFFF"/>
-                </a:solidFill>
-              </a:rPr>
-            </a:br>
-            <a:r>
-              <a:rPr lang="en-US" sz="3600" dirty="0">
-                <a:solidFill>
-                  <a:srgbClr val="FFFFFF"/>
-                </a:solidFill>
-              </a:rPr>
-              <a:t>(2010 – 2019)</a:t>
+              <a:t>Select a movie or tv show on Netflix, we’ll let you know what else you might like.</a:t>
             </a:r>
           </a:p>
         </p:txBody>
@@ -8977,7 +9898,7 @@
     </p:spTree>
     <p:extLst>
       <p:ext uri="{BB962C8B-B14F-4D97-AF65-F5344CB8AC3E}">
-        <p14:creationId xmlns:p14="http://schemas.microsoft.com/office/powerpoint/2010/main" val="2680607970"/>
+        <p14:creationId xmlns:p14="http://schemas.microsoft.com/office/powerpoint/2010/main" val="2426585351"/>
       </p:ext>
     </p:extLst>
   </p:cSld>
@@ -8988,529 +9909,6 @@
 </file>
 
 <file path=ppt/slides/slide14.xml><?xml version="1.0" encoding="utf-8"?>
-<p:sld xmlns:a="http://schemas.openxmlformats.org/drawingml/2006/main" xmlns:r="http://schemas.openxmlformats.org/officeDocument/2006/relationships" xmlns:p="http://schemas.openxmlformats.org/presentationml/2006/main">
-  <p:cSld>
-    <p:bg>
-      <p:bgPr>
-        <a:solidFill>
-          <a:schemeClr val="bg1"/>
-        </a:solidFill>
-        <a:effectLst/>
-      </p:bgPr>
-    </p:bg>
-    <p:spTree>
-      <p:nvGrpSpPr>
-        <p:cNvPr id="1" name=""/>
-        <p:cNvGrpSpPr/>
-        <p:nvPr/>
-      </p:nvGrpSpPr>
-      <p:grpSpPr>
-        <a:xfrm>
-          <a:off x="0" y="0"/>
-          <a:ext cx="0" cy="0"/>
-          <a:chOff x="0" y="0"/>
-          <a:chExt cx="0" cy="0"/>
-        </a:xfrm>
-      </p:grpSpPr>
-      <p:sp>
-        <p:nvSpPr>
-          <p:cNvPr id="31" name="Rectangle 30">
-            <a:extLst>
-              <a:ext uri="{FF2B5EF4-FFF2-40B4-BE49-F238E27FC236}">
-                <a16:creationId xmlns:a16="http://schemas.microsoft.com/office/drawing/2014/main" id="{DD651B61-325E-4E73-8445-38B0DE8AAAB6}"/>
-              </a:ext>
-              <a:ext uri="{C183D7F6-B498-43B3-948B-1728B52AA6E4}">
-                <adec:decorative xmlns:adec="http://schemas.microsoft.com/office/drawing/2017/decorative" val="1"/>
-              </a:ext>
-            </a:extLst>
-          </p:cNvPr>
-          <p:cNvSpPr>
-            <a:spLocks noGrp="1" noRot="1" noChangeAspect="1" noMove="1" noResize="1" noEditPoints="1" noAdjustHandles="1" noChangeArrowheads="1" noChangeShapeType="1" noTextEdit="1"/>
-          </p:cNvSpPr>
-          <p:nvPr>
-            <p:extLst>
-              <p:ext uri="{386F3935-93C4-4BCD-93E2-E3B085C9AB24}">
-                <p16:designElem xmlns:p16="http://schemas.microsoft.com/office/powerpoint/2015/main" val="1"/>
-              </p:ext>
-            </p:extLst>
-          </p:nvPr>
-        </p:nvSpPr>
-        <p:spPr>
-          <a:xfrm>
-            <a:off x="446534" y="457200"/>
-            <a:ext cx="3703320" cy="94997"/>
-          </a:xfrm>
-          <a:prstGeom prst="rect">
-            <a:avLst/>
-          </a:prstGeom>
-          <a:solidFill>
-            <a:srgbClr val="465359"/>
-          </a:solidFill>
-          <a:ln>
-            <a:noFill/>
-          </a:ln>
-          <a:effectLst/>
-        </p:spPr>
-        <p:style>
-          <a:lnRef idx="1">
-            <a:schemeClr val="accent1"/>
-          </a:lnRef>
-          <a:fillRef idx="3">
-            <a:schemeClr val="accent1"/>
-          </a:fillRef>
-          <a:effectRef idx="2">
-            <a:schemeClr val="accent1"/>
-          </a:effectRef>
-          <a:fontRef idx="minor">
-            <a:schemeClr val="lt1"/>
-          </a:fontRef>
-        </p:style>
-      </p:sp>
-      <p:sp>
-        <p:nvSpPr>
-          <p:cNvPr id="33" name="Rectangle 32">
-            <a:extLst>
-              <a:ext uri="{FF2B5EF4-FFF2-40B4-BE49-F238E27FC236}">
-                <a16:creationId xmlns:a16="http://schemas.microsoft.com/office/drawing/2014/main" id="{B42E5253-D3AC-4AC2-B766-8B34F13C2F5E}"/>
-              </a:ext>
-              <a:ext uri="{C183D7F6-B498-43B3-948B-1728B52AA6E4}">
-                <adec:decorative xmlns:adec="http://schemas.microsoft.com/office/drawing/2017/decorative" val="1"/>
-              </a:ext>
-            </a:extLst>
-          </p:cNvPr>
-          <p:cNvSpPr>
-            <a:spLocks noGrp="1" noRot="1" noChangeAspect="1" noMove="1" noResize="1" noEditPoints="1" noAdjustHandles="1" noChangeArrowheads="1" noChangeShapeType="1" noTextEdit="1"/>
-          </p:cNvSpPr>
-          <p:nvPr>
-            <p:extLst>
-              <p:ext uri="{386F3935-93C4-4BCD-93E2-E3B085C9AB24}">
-                <p16:designElem xmlns:p16="http://schemas.microsoft.com/office/powerpoint/2015/main" val="1"/>
-              </p:ext>
-            </p:extLst>
-          </p:nvPr>
-        </p:nvSpPr>
-        <p:spPr>
-          <a:xfrm>
-            <a:off x="8042147" y="453643"/>
-            <a:ext cx="3703320" cy="98554"/>
-          </a:xfrm>
-          <a:prstGeom prst="rect">
-            <a:avLst/>
-          </a:prstGeom>
-          <a:solidFill>
-            <a:srgbClr val="969FA7"/>
-          </a:solidFill>
-          <a:ln>
-            <a:noFill/>
-          </a:ln>
-          <a:effectLst/>
-        </p:spPr>
-        <p:style>
-          <a:lnRef idx="1">
-            <a:schemeClr val="accent1"/>
-          </a:lnRef>
-          <a:fillRef idx="3">
-            <a:schemeClr val="accent1"/>
-          </a:fillRef>
-          <a:effectRef idx="2">
-            <a:schemeClr val="accent1"/>
-          </a:effectRef>
-          <a:fontRef idx="minor">
-            <a:schemeClr val="lt1"/>
-          </a:fontRef>
-        </p:style>
-      </p:sp>
-      <p:sp>
-        <p:nvSpPr>
-          <p:cNvPr id="35" name="Rectangle 34">
-            <a:extLst>
-              <a:ext uri="{FF2B5EF4-FFF2-40B4-BE49-F238E27FC236}">
-                <a16:creationId xmlns:a16="http://schemas.microsoft.com/office/drawing/2014/main" id="{10AE8D57-436A-4073-9A75-15BB5949F8B4}"/>
-              </a:ext>
-              <a:ext uri="{C183D7F6-B498-43B3-948B-1728B52AA6E4}">
-                <adec:decorative xmlns:adec="http://schemas.microsoft.com/office/drawing/2017/decorative" val="1"/>
-              </a:ext>
-            </a:extLst>
-          </p:cNvPr>
-          <p:cNvSpPr>
-            <a:spLocks noGrp="1" noRot="1" noChangeAspect="1" noMove="1" noResize="1" noEditPoints="1" noAdjustHandles="1" noChangeArrowheads="1" noChangeShapeType="1" noTextEdit="1"/>
-          </p:cNvSpPr>
-          <p:nvPr>
-            <p:extLst>
-              <p:ext uri="{386F3935-93C4-4BCD-93E2-E3B085C9AB24}">
-                <p16:designElem xmlns:p16="http://schemas.microsoft.com/office/powerpoint/2015/main" val="1"/>
-              </p:ext>
-            </p:extLst>
-          </p:nvPr>
-        </p:nvSpPr>
-        <p:spPr>
-          <a:xfrm>
-            <a:off x="4241830" y="457200"/>
-            <a:ext cx="3703320" cy="91440"/>
-          </a:xfrm>
-          <a:prstGeom prst="rect">
-            <a:avLst/>
-          </a:prstGeom>
-          <a:solidFill>
-            <a:schemeClr val="accent1"/>
-          </a:solidFill>
-          <a:ln>
-            <a:noFill/>
-          </a:ln>
-          <a:effectLst/>
-        </p:spPr>
-        <p:style>
-          <a:lnRef idx="1">
-            <a:schemeClr val="accent1"/>
-          </a:lnRef>
-          <a:fillRef idx="3">
-            <a:schemeClr val="accent1"/>
-          </a:fillRef>
-          <a:effectRef idx="2">
-            <a:schemeClr val="accent1"/>
-          </a:effectRef>
-          <a:fontRef idx="minor">
-            <a:schemeClr val="lt1"/>
-          </a:fontRef>
-        </p:style>
-      </p:sp>
-      <p:sp>
-        <p:nvSpPr>
-          <p:cNvPr id="37" name="Rectangle 36">
-            <a:extLst>
-              <a:ext uri="{FF2B5EF4-FFF2-40B4-BE49-F238E27FC236}">
-                <a16:creationId xmlns:a16="http://schemas.microsoft.com/office/drawing/2014/main" id="{E2852671-8EB6-4EAF-8AF8-65CF3FD66456}"/>
-              </a:ext>
-              <a:ext uri="{C183D7F6-B498-43B3-948B-1728B52AA6E4}">
-                <adec:decorative xmlns:adec="http://schemas.microsoft.com/office/drawing/2017/decorative" val="1"/>
-              </a:ext>
-            </a:extLst>
-          </p:cNvPr>
-          <p:cNvSpPr>
-            <a:spLocks noGrp="1" noRot="1" noChangeAspect="1" noMove="1" noResize="1" noEditPoints="1" noAdjustHandles="1" noChangeArrowheads="1" noChangeShapeType="1" noTextEdit="1"/>
-          </p:cNvSpPr>
-          <p:nvPr>
-            <p:extLst>
-              <p:ext uri="{386F3935-93C4-4BCD-93E2-E3B085C9AB24}">
-                <p16:designElem xmlns:p16="http://schemas.microsoft.com/office/powerpoint/2015/main" val="1"/>
-              </p:ext>
-            </p:extLst>
-          </p:nvPr>
-        </p:nvSpPr>
-        <p:spPr>
-          <a:xfrm>
-            <a:off x="446534" y="3085764"/>
-            <a:ext cx="11298932" cy="3338149"/>
-          </a:xfrm>
-          <a:prstGeom prst="rect">
-            <a:avLst/>
-          </a:prstGeom>
-          <a:solidFill>
-            <a:srgbClr val="465359"/>
-          </a:solidFill>
-          <a:ln>
-            <a:noFill/>
-          </a:ln>
-          <a:effectLst/>
-        </p:spPr>
-        <p:style>
-          <a:lnRef idx="1">
-            <a:schemeClr val="accent1"/>
-          </a:lnRef>
-          <a:fillRef idx="3">
-            <a:schemeClr val="accent1"/>
-          </a:fillRef>
-          <a:effectRef idx="2">
-            <a:schemeClr val="accent1"/>
-          </a:effectRef>
-          <a:fontRef idx="minor">
-            <a:schemeClr val="lt1"/>
-          </a:fontRef>
-        </p:style>
-      </p:sp>
-      <p:sp useBgFill="1">
-        <p:nvSpPr>
-          <p:cNvPr id="39" name="Rectangle 38">
-            <a:extLst>
-              <a:ext uri="{FF2B5EF4-FFF2-40B4-BE49-F238E27FC236}">
-                <a16:creationId xmlns:a16="http://schemas.microsoft.com/office/drawing/2014/main" id="{26B4480E-B7FF-4481-890E-043A69AE6FE2}"/>
-              </a:ext>
-              <a:ext uri="{C183D7F6-B498-43B3-948B-1728B52AA6E4}">
-                <adec:decorative xmlns:adec="http://schemas.microsoft.com/office/drawing/2017/decorative" val="1"/>
-              </a:ext>
-            </a:extLst>
-          </p:cNvPr>
-          <p:cNvSpPr>
-            <a:spLocks noGrp="1" noRot="1" noChangeAspect="1" noMove="1" noResize="1" noEditPoints="1" noAdjustHandles="1" noChangeArrowheads="1" noChangeShapeType="1" noTextEdit="1"/>
-          </p:cNvSpPr>
-          <p:nvPr>
-            <p:extLst>
-              <p:ext uri="{386F3935-93C4-4BCD-93E2-E3B085C9AB24}">
-                <p16:designElem xmlns:p16="http://schemas.microsoft.com/office/powerpoint/2015/main" val="1"/>
-              </p:ext>
-            </p:extLst>
-          </p:nvPr>
-        </p:nvSpPr>
-        <p:spPr>
-          <a:xfrm>
-            <a:off x="0" y="0"/>
-            <a:ext cx="12192000" cy="6858000"/>
-          </a:xfrm>
-          <a:prstGeom prst="rect">
-            <a:avLst/>
-          </a:prstGeom>
-          <a:ln>
-            <a:noFill/>
-          </a:ln>
-        </p:spPr>
-        <p:style>
-          <a:lnRef idx="2">
-            <a:schemeClr val="accent1">
-              <a:shade val="50000"/>
-            </a:schemeClr>
-          </a:lnRef>
-          <a:fillRef idx="1">
-            <a:schemeClr val="accent1"/>
-          </a:fillRef>
-          <a:effectRef idx="0">
-            <a:schemeClr val="accent1"/>
-          </a:effectRef>
-          <a:fontRef idx="minor">
-            <a:schemeClr val="lt1"/>
-          </a:fontRef>
-        </p:style>
-        <p:txBody>
-          <a:bodyPr rtlCol="0" anchor="ctr"/>
-          <a:lstStyle/>
-          <a:p>
-            <a:pPr algn="ctr"/>
-            <a:endParaRPr lang="en-US"/>
-          </a:p>
-        </p:txBody>
-      </p:sp>
-      <p:grpSp>
-        <p:nvGrpSpPr>
-          <p:cNvPr id="41" name="Group 40">
-            <a:extLst>
-              <a:ext uri="{FF2B5EF4-FFF2-40B4-BE49-F238E27FC236}">
-                <a16:creationId xmlns:a16="http://schemas.microsoft.com/office/drawing/2014/main" id="{79394E1F-0B5F-497D-B2A6-8383A2A54834}"/>
-              </a:ext>
-              <a:ext uri="{C183D7F6-B498-43B3-948B-1728B52AA6E4}">
-                <adec:decorative xmlns:adec="http://schemas.microsoft.com/office/drawing/2017/decorative" val="1"/>
-              </a:ext>
-            </a:extLst>
-          </p:cNvPr>
-          <p:cNvGrpSpPr>
-            <a:grpSpLocks noGrp="1" noUngrp="1" noRot="1" noChangeAspect="1" noMove="1" noResize="1"/>
-          </p:cNvGrpSpPr>
-          <p:nvPr>
-            <p:extLst>
-              <p:ext uri="{386F3935-93C4-4BCD-93E2-E3B085C9AB24}">
-                <p16:designElem xmlns:p16="http://schemas.microsoft.com/office/powerpoint/2015/main" val="1"/>
-              </p:ext>
-            </p:extLst>
-          </p:nvPr>
-        </p:nvGrpSpPr>
-        <p:grpSpPr>
-          <a:xfrm>
-            <a:off x="438068" y="457200"/>
-            <a:ext cx="3703320" cy="5935133"/>
-            <a:chOff x="438068" y="457200"/>
-            <a:chExt cx="3703320" cy="5935133"/>
-          </a:xfrm>
-        </p:grpSpPr>
-        <p:sp>
-          <p:nvSpPr>
-            <p:cNvPr id="42" name="Rectangle 41">
-              <a:extLst>
-                <a:ext uri="{FF2B5EF4-FFF2-40B4-BE49-F238E27FC236}">
-                  <a16:creationId xmlns:a16="http://schemas.microsoft.com/office/drawing/2014/main" id="{1F1FF39A-AC3C-4066-9D4C-519AA22812EA}"/>
-                </a:ext>
-                <a:ext uri="{C183D7F6-B498-43B3-948B-1728B52AA6E4}">
-                  <adec:decorative xmlns:adec="http://schemas.microsoft.com/office/drawing/2017/decorative" val="1"/>
-                </a:ext>
-              </a:extLst>
-            </p:cNvPr>
-            <p:cNvSpPr/>
-            <p:nvPr>
-              <p:extLst>
-                <p:ext uri="{386F3935-93C4-4BCD-93E2-E3B085C9AB24}">
-                  <p16:designElem xmlns:p16="http://schemas.microsoft.com/office/powerpoint/2015/main" val="1"/>
-                </p:ext>
-              </p:extLst>
-            </p:nvPr>
-          </p:nvSpPr>
-          <p:spPr>
-            <a:xfrm>
-              <a:off x="438068" y="601201"/>
-              <a:ext cx="3702134" cy="5791132"/>
-            </a:xfrm>
-            <a:prstGeom prst="rect">
-              <a:avLst/>
-            </a:prstGeom>
-            <a:solidFill>
-              <a:srgbClr val="465359">
-                <a:alpha val="97000"/>
-              </a:srgbClr>
-            </a:solidFill>
-            <a:ln w="6350" cmpd="sng">
-              <a:noFill/>
-            </a:ln>
-            <a:effectLst/>
-          </p:spPr>
-          <p:style>
-            <a:lnRef idx="1">
-              <a:schemeClr val="accent1"/>
-            </a:lnRef>
-            <a:fillRef idx="3">
-              <a:schemeClr val="accent1"/>
-            </a:fillRef>
-            <a:effectRef idx="2">
-              <a:schemeClr val="accent1"/>
-            </a:effectRef>
-            <a:fontRef idx="minor">
-              <a:schemeClr val="lt1"/>
-            </a:fontRef>
-          </p:style>
-        </p:sp>
-        <p:sp>
-          <p:nvSpPr>
-            <p:cNvPr id="43" name="Rectangle 42">
-              <a:extLst>
-                <a:ext uri="{FF2B5EF4-FFF2-40B4-BE49-F238E27FC236}">
-                  <a16:creationId xmlns:a16="http://schemas.microsoft.com/office/drawing/2014/main" id="{64C13BAB-7C00-4D21-A857-E3D41C0A2A66}"/>
-                </a:ext>
-                <a:ext uri="{C183D7F6-B498-43B3-948B-1728B52AA6E4}">
-                  <adec:decorative xmlns:adec="http://schemas.microsoft.com/office/drawing/2017/decorative" val="1"/>
-                </a:ext>
-              </a:extLst>
-            </p:cNvPr>
-            <p:cNvSpPr/>
-            <p:nvPr>
-              <p:extLst>
-                <p:ext uri="{386F3935-93C4-4BCD-93E2-E3B085C9AB24}">
-                  <p16:designElem xmlns:p16="http://schemas.microsoft.com/office/powerpoint/2015/main" val="1"/>
-                </p:ext>
-              </p:extLst>
-            </p:nvPr>
-          </p:nvSpPr>
-          <p:spPr>
-            <a:xfrm>
-              <a:off x="438068" y="457200"/>
-              <a:ext cx="3703320" cy="94997"/>
-            </a:xfrm>
-            <a:prstGeom prst="rect">
-              <a:avLst/>
-            </a:prstGeom>
-            <a:solidFill>
-              <a:srgbClr val="465359"/>
-            </a:solidFill>
-            <a:ln>
-              <a:noFill/>
-            </a:ln>
-            <a:effectLst/>
-          </p:spPr>
-          <p:style>
-            <a:lnRef idx="1">
-              <a:schemeClr val="accent1"/>
-            </a:lnRef>
-            <a:fillRef idx="3">
-              <a:schemeClr val="accent1"/>
-            </a:fillRef>
-            <a:effectRef idx="2">
-              <a:schemeClr val="accent1"/>
-            </a:effectRef>
-            <a:fontRef idx="minor">
-              <a:schemeClr val="lt1"/>
-            </a:fontRef>
-          </p:style>
-        </p:sp>
-      </p:grpSp>
-      <p:sp>
-        <p:nvSpPr>
-          <p:cNvPr id="2" name="Title 1">
-            <a:extLst>
-              <a:ext uri="{FF2B5EF4-FFF2-40B4-BE49-F238E27FC236}">
-                <a16:creationId xmlns:a16="http://schemas.microsoft.com/office/drawing/2014/main" id="{106A70C3-511E-4B20-8F63-691553203752}"/>
-              </a:ext>
-            </a:extLst>
-          </p:cNvPr>
-          <p:cNvSpPr>
-            <a:spLocks noGrp="1"/>
-          </p:cNvSpPr>
-          <p:nvPr>
-            <p:ph type="title"/>
-          </p:nvPr>
-        </p:nvSpPr>
-        <p:spPr>
-          <a:xfrm>
-            <a:off x="584200" y="1524001"/>
-            <a:ext cx="3412067" cy="3478384"/>
-          </a:xfrm>
-        </p:spPr>
-        <p:txBody>
-          <a:bodyPr vert="horz" lIns="91440" tIns="45720" rIns="91440" bIns="45720" rtlCol="0" anchor="b">
-            <a:normAutofit/>
-          </a:bodyPr>
-          <a:lstStyle/>
-          <a:p>
-            <a:r>
-              <a:rPr lang="en-US" sz="3600" dirty="0">
-                <a:solidFill>
-                  <a:srgbClr val="FFFFFF"/>
-                </a:solidFill>
-              </a:rPr>
-              <a:t>Yearly growth of movies and tv shows</a:t>
-            </a:r>
-          </a:p>
-        </p:txBody>
-      </p:sp>
-      <p:pic>
-        <p:nvPicPr>
-          <p:cNvPr id="7" name="Content Placeholder 6" descr="Chart, line chart&#10;&#10;Description automatically generated">
-            <a:extLst>
-              <a:ext uri="{FF2B5EF4-FFF2-40B4-BE49-F238E27FC236}">
-                <a16:creationId xmlns:a16="http://schemas.microsoft.com/office/drawing/2014/main" id="{814AEAC0-0022-470C-87D9-2F38BB6D0BC3}"/>
-              </a:ext>
-            </a:extLst>
-          </p:cNvPr>
-          <p:cNvPicPr>
-            <a:picLocks noGrp="1" noChangeAspect="1"/>
-          </p:cNvPicPr>
-          <p:nvPr>
-            <p:ph idx="1"/>
-          </p:nvPr>
-        </p:nvPicPr>
-        <p:blipFill>
-          <a:blip r:embed="rId2"/>
-          <a:stretch>
-            <a:fillRect/>
-          </a:stretch>
-        </p:blipFill>
-        <p:spPr>
-          <a:xfrm>
-            <a:off x="4765053" y="677376"/>
-            <a:ext cx="6764864" cy="5479539"/>
-          </a:xfrm>
-          <a:prstGeom prst="rect">
-            <a:avLst/>
-          </a:prstGeom>
-        </p:spPr>
-      </p:pic>
-    </p:spTree>
-    <p:extLst>
-      <p:ext uri="{BB962C8B-B14F-4D97-AF65-F5344CB8AC3E}">
-        <p14:creationId xmlns:p14="http://schemas.microsoft.com/office/powerpoint/2010/main" val="1251538238"/>
-      </p:ext>
-    </p:extLst>
-  </p:cSld>
-  <p:clrMapOvr>
-    <a:masterClrMapping/>
-  </p:clrMapOvr>
-</p:sld>
-</file>
-
-<file path=ppt/slides/slide15.xml><?xml version="1.0" encoding="utf-8"?>
 <p:sld xmlns:a="http://schemas.openxmlformats.org/drawingml/2006/main" xmlns:r="http://schemas.openxmlformats.org/officeDocument/2006/relationships" xmlns:p="http://schemas.openxmlformats.org/presentationml/2006/main">
   <p:cSld>
     <p:spTree>
@@ -9532,7 +9930,7 @@
           <p:cNvPr id="2" name="Title 1">
             <a:extLst>
               <a:ext uri="{FF2B5EF4-FFF2-40B4-BE49-F238E27FC236}">
-                <a16:creationId xmlns:a16="http://schemas.microsoft.com/office/drawing/2014/main" id="{556686C2-3B59-40D7-88D3-D1C62203B15B}"/>
+                <a16:creationId xmlns:a16="http://schemas.microsoft.com/office/drawing/2014/main" id="{D3AF1EA0-1A17-40A4-9632-BA91B39A1DDC}"/>
               </a:ext>
             </a:extLst>
           </p:cNvPr>
@@ -9550,17 +9948,17 @@
           <a:p>
             <a:r>
               <a:rPr lang="en-US" dirty="0"/>
-              <a:t>directors and actors</a:t>
+              <a:t>conclusion</a:t>
             </a:r>
           </a:p>
         </p:txBody>
       </p:sp>
       <p:sp>
         <p:nvSpPr>
-          <p:cNvPr id="3" name="Text Placeholder 2">
+          <p:cNvPr id="3" name="Content Placeholder 2">
             <a:extLst>
               <a:ext uri="{FF2B5EF4-FFF2-40B4-BE49-F238E27FC236}">
-                <a16:creationId xmlns:a16="http://schemas.microsoft.com/office/drawing/2014/main" id="{7634D95A-20FF-4CCA-8528-CCAC9E9F4BBB}"/>
+                <a16:creationId xmlns:a16="http://schemas.microsoft.com/office/drawing/2014/main" id="{F05DC6BD-AAB4-43DD-80B7-B7C26CF304BC}"/>
               </a:ext>
             </a:extLst>
           </p:cNvPr>
@@ -9568,7 +9966,115 @@
             <a:spLocks noGrp="1"/>
           </p:cNvSpPr>
           <p:nvPr>
-            <p:ph type="body" idx="1"/>
+            <p:ph idx="1"/>
+          </p:nvPr>
+        </p:nvSpPr>
+        <p:spPr/>
+        <p:txBody>
+          <a:bodyPr>
+            <a:normAutofit fontScale="92500" lnSpcReduction="20000"/>
+          </a:bodyPr>
+          <a:lstStyle/>
+          <a:p>
+            <a:pPr lvl="0"/>
+            <a:r>
+              <a:rPr lang="en-US" dirty="0"/>
+              <a:t>Break down of movies and Tv shows</a:t>
+            </a:r>
+          </a:p>
+          <a:p>
+            <a:pPr lvl="1"/>
+            <a:r>
+              <a:rPr lang="en-US" dirty="0"/>
+              <a:t>Movies dominate at 70%</a:t>
+            </a:r>
+          </a:p>
+          <a:p>
+            <a:pPr lvl="1"/>
+            <a:r>
+              <a:rPr lang="en-US" dirty="0"/>
+              <a:t>TV Shows make up 30% of the available flix</a:t>
+            </a:r>
+          </a:p>
+          <a:p>
+            <a:pPr lvl="0"/>
+            <a:r>
+              <a:rPr lang="en-US" dirty="0"/>
+              <a:t>Most popular countries and growth</a:t>
+            </a:r>
+          </a:p>
+          <a:p>
+            <a:pPr lvl="1"/>
+            <a:r>
+              <a:rPr lang="en-US" dirty="0"/>
+              <a:t>The two most popular countries are the United States and India.</a:t>
+            </a:r>
+          </a:p>
+          <a:p>
+            <a:pPr lvl="2"/>
+            <a:r>
+              <a:rPr lang="en-US" dirty="0"/>
+              <a:t>United State by a wide margin </a:t>
+            </a:r>
+          </a:p>
+          <a:p>
+            <a:pPr lvl="1"/>
+            <a:r>
+              <a:rPr lang="en-US" dirty="0"/>
+              <a:t>Year 2018 had the most titles release</a:t>
+            </a:r>
+          </a:p>
+          <a:p>
+            <a:pPr lvl="1"/>
+            <a:r>
+              <a:rPr lang="en-US" dirty="0"/>
+              <a:t>Movie growth has trended lower since 2018</a:t>
+            </a:r>
+          </a:p>
+          <a:p>
+            <a:pPr lvl="1"/>
+            <a:r>
+              <a:rPr lang="en-US" dirty="0"/>
+              <a:t>Tv Show growth has also trended lower since 2021</a:t>
+            </a:r>
+          </a:p>
+          <a:p>
+            <a:pPr lvl="0"/>
+            <a:r>
+              <a:rPr lang="en-US" dirty="0"/>
+              <a:t>Recommendations based on title names</a:t>
+            </a:r>
+          </a:p>
+          <a:p>
+            <a:pPr lvl="1"/>
+            <a:r>
+              <a:rPr lang="en-US" dirty="0"/>
+              <a:t>Created a recommendation system</a:t>
+            </a:r>
+          </a:p>
+          <a:p>
+            <a:pPr lvl="1"/>
+            <a:r>
+              <a:rPr lang="en-US" dirty="0"/>
+              <a:t>Visualize the results with a tree node graphic to help select the next flix to watch. </a:t>
+            </a:r>
+          </a:p>
+        </p:txBody>
+      </p:sp>
+      <p:sp>
+        <p:nvSpPr>
+          <p:cNvPr id="4" name="Text Placeholder 3">
+            <a:extLst>
+              <a:ext uri="{FF2B5EF4-FFF2-40B4-BE49-F238E27FC236}">
+                <a16:creationId xmlns:a16="http://schemas.microsoft.com/office/drawing/2014/main" id="{D80A02A2-946E-4073-A103-A2FD4A360B32}"/>
+              </a:ext>
+            </a:extLst>
+          </p:cNvPr>
+          <p:cNvSpPr>
+            <a:spLocks noGrp="1"/>
+          </p:cNvSpPr>
+          <p:nvPr>
+            <p:ph type="body" sz="half" idx="2"/>
           </p:nvPr>
         </p:nvSpPr>
         <p:spPr/>
@@ -9576,9 +10082,10 @@
           <a:bodyPr/>
           <a:lstStyle/>
           <a:p>
+            <a:pPr lvl="0"/>
             <a:r>
               <a:rPr lang="en-US" dirty="0"/>
-              <a:t>Who was the busiest directors and actors of the years</a:t>
+              <a:t>The team was able to find some interesting things with this dataset . And we answered some of the following questions. </a:t>
             </a:r>
           </a:p>
         </p:txBody>
@@ -9586,1215 +10093,7 @@
     </p:spTree>
     <p:extLst>
       <p:ext uri="{BB962C8B-B14F-4D97-AF65-F5344CB8AC3E}">
-        <p14:creationId xmlns:p14="http://schemas.microsoft.com/office/powerpoint/2010/main" val="3088721450"/>
-      </p:ext>
-    </p:extLst>
-  </p:cSld>
-  <p:clrMapOvr>
-    <a:masterClrMapping/>
-  </p:clrMapOvr>
-</p:sld>
-</file>
-
-<file path=ppt/slides/slide16.xml><?xml version="1.0" encoding="utf-8"?>
-<p:sld xmlns:a="http://schemas.openxmlformats.org/drawingml/2006/main" xmlns:r="http://schemas.openxmlformats.org/officeDocument/2006/relationships" xmlns:p="http://schemas.openxmlformats.org/presentationml/2006/main">
-  <p:cSld>
-    <p:bg>
-      <p:bgPr>
-        <a:solidFill>
-          <a:schemeClr val="bg1"/>
-        </a:solidFill>
-        <a:effectLst/>
-      </p:bgPr>
-    </p:bg>
-    <p:spTree>
-      <p:nvGrpSpPr>
-        <p:cNvPr id="1" name=""/>
-        <p:cNvGrpSpPr/>
-        <p:nvPr/>
-      </p:nvGrpSpPr>
-      <p:grpSpPr>
-        <a:xfrm>
-          <a:off x="0" y="0"/>
-          <a:ext cx="0" cy="0"/>
-          <a:chOff x="0" y="0"/>
-          <a:chExt cx="0" cy="0"/>
-        </a:xfrm>
-      </p:grpSpPr>
-      <p:sp>
-        <p:nvSpPr>
-          <p:cNvPr id="31" name="Rectangle 12">
-            <a:extLst>
-              <a:ext uri="{FF2B5EF4-FFF2-40B4-BE49-F238E27FC236}">
-                <a16:creationId xmlns:a16="http://schemas.microsoft.com/office/drawing/2014/main" id="{910015B9-6046-41B8-83BD-71778D2F9798}"/>
-              </a:ext>
-              <a:ext uri="{C183D7F6-B498-43B3-948B-1728B52AA6E4}">
-                <adec:decorative xmlns:adec="http://schemas.microsoft.com/office/drawing/2017/decorative" val="1"/>
-              </a:ext>
-            </a:extLst>
-          </p:cNvPr>
-          <p:cNvSpPr>
-            <a:spLocks noGrp="1" noRot="1" noChangeAspect="1" noMove="1" noResize="1" noEditPoints="1" noAdjustHandles="1" noChangeArrowheads="1" noChangeShapeType="1" noTextEdit="1"/>
-          </p:cNvSpPr>
-          <p:nvPr>
-            <p:extLst>
-              <p:ext uri="{386F3935-93C4-4BCD-93E2-E3B085C9AB24}">
-                <p16:designElem xmlns:p16="http://schemas.microsoft.com/office/powerpoint/2015/main" val="1"/>
-              </p:ext>
-            </p:extLst>
-          </p:nvPr>
-        </p:nvSpPr>
-        <p:spPr>
-          <a:xfrm>
-            <a:off x="446534" y="457200"/>
-            <a:ext cx="3703320" cy="94997"/>
-          </a:xfrm>
-          <a:prstGeom prst="rect">
-            <a:avLst/>
-          </a:prstGeom>
-          <a:solidFill>
-            <a:srgbClr val="465359"/>
-          </a:solidFill>
-          <a:ln>
-            <a:noFill/>
-          </a:ln>
-          <a:effectLst/>
-        </p:spPr>
-        <p:style>
-          <a:lnRef idx="1">
-            <a:schemeClr val="accent1"/>
-          </a:lnRef>
-          <a:fillRef idx="3">
-            <a:schemeClr val="accent1"/>
-          </a:fillRef>
-          <a:effectRef idx="2">
-            <a:schemeClr val="accent1"/>
-          </a:effectRef>
-          <a:fontRef idx="minor">
-            <a:schemeClr val="lt1"/>
-          </a:fontRef>
-        </p:style>
-      </p:sp>
-      <p:sp>
-        <p:nvSpPr>
-          <p:cNvPr id="32" name="Rectangle 14">
-            <a:extLst>
-              <a:ext uri="{FF2B5EF4-FFF2-40B4-BE49-F238E27FC236}">
-                <a16:creationId xmlns:a16="http://schemas.microsoft.com/office/drawing/2014/main" id="{53908232-52E2-4794-A6C1-54300FB98919}"/>
-              </a:ext>
-              <a:ext uri="{C183D7F6-B498-43B3-948B-1728B52AA6E4}">
-                <adec:decorative xmlns:adec="http://schemas.microsoft.com/office/drawing/2017/decorative" val="1"/>
-              </a:ext>
-            </a:extLst>
-          </p:cNvPr>
-          <p:cNvSpPr>
-            <a:spLocks noGrp="1" noRot="1" noChangeAspect="1" noMove="1" noResize="1" noEditPoints="1" noAdjustHandles="1" noChangeArrowheads="1" noChangeShapeType="1" noTextEdit="1"/>
-          </p:cNvSpPr>
-          <p:nvPr>
-            <p:extLst>
-              <p:ext uri="{386F3935-93C4-4BCD-93E2-E3B085C9AB24}">
-                <p16:designElem xmlns:p16="http://schemas.microsoft.com/office/powerpoint/2015/main" val="1"/>
-              </p:ext>
-            </p:extLst>
-          </p:nvPr>
-        </p:nvSpPr>
-        <p:spPr>
-          <a:xfrm>
-            <a:off x="8042147" y="453643"/>
-            <a:ext cx="3703320" cy="98554"/>
-          </a:xfrm>
-          <a:prstGeom prst="rect">
-            <a:avLst/>
-          </a:prstGeom>
-          <a:solidFill>
-            <a:srgbClr val="969FA7"/>
-          </a:solidFill>
-          <a:ln>
-            <a:noFill/>
-          </a:ln>
-          <a:effectLst/>
-        </p:spPr>
-        <p:style>
-          <a:lnRef idx="1">
-            <a:schemeClr val="accent1"/>
-          </a:lnRef>
-          <a:fillRef idx="3">
-            <a:schemeClr val="accent1"/>
-          </a:fillRef>
-          <a:effectRef idx="2">
-            <a:schemeClr val="accent1"/>
-          </a:effectRef>
-          <a:fontRef idx="minor">
-            <a:schemeClr val="lt1"/>
-          </a:fontRef>
-        </p:style>
-      </p:sp>
-      <p:sp>
-        <p:nvSpPr>
-          <p:cNvPr id="33" name="Rectangle 16">
-            <a:extLst>
-              <a:ext uri="{FF2B5EF4-FFF2-40B4-BE49-F238E27FC236}">
-                <a16:creationId xmlns:a16="http://schemas.microsoft.com/office/drawing/2014/main" id="{D2B9299F-BED7-44C5-9CC5-E542F9193C2F}"/>
-              </a:ext>
-              <a:ext uri="{C183D7F6-B498-43B3-948B-1728B52AA6E4}">
-                <adec:decorative xmlns:adec="http://schemas.microsoft.com/office/drawing/2017/decorative" val="1"/>
-              </a:ext>
-            </a:extLst>
-          </p:cNvPr>
-          <p:cNvSpPr>
-            <a:spLocks noGrp="1" noRot="1" noChangeAspect="1" noMove="1" noResize="1" noEditPoints="1" noAdjustHandles="1" noChangeArrowheads="1" noChangeShapeType="1" noTextEdit="1"/>
-          </p:cNvSpPr>
-          <p:nvPr>
-            <p:extLst>
-              <p:ext uri="{386F3935-93C4-4BCD-93E2-E3B085C9AB24}">
-                <p16:designElem xmlns:p16="http://schemas.microsoft.com/office/powerpoint/2015/main" val="1"/>
-              </p:ext>
-            </p:extLst>
-          </p:nvPr>
-        </p:nvSpPr>
-        <p:spPr>
-          <a:xfrm>
-            <a:off x="4241830" y="457200"/>
-            <a:ext cx="3703320" cy="91440"/>
-          </a:xfrm>
-          <a:prstGeom prst="rect">
-            <a:avLst/>
-          </a:prstGeom>
-          <a:solidFill>
-            <a:schemeClr val="accent1"/>
-          </a:solidFill>
-          <a:ln>
-            <a:noFill/>
-          </a:ln>
-          <a:effectLst/>
-        </p:spPr>
-        <p:style>
-          <a:lnRef idx="1">
-            <a:schemeClr val="accent1"/>
-          </a:lnRef>
-          <a:fillRef idx="3">
-            <a:schemeClr val="accent1"/>
-          </a:fillRef>
-          <a:effectRef idx="2">
-            <a:schemeClr val="accent1"/>
-          </a:effectRef>
-          <a:fontRef idx="minor">
-            <a:schemeClr val="lt1"/>
-          </a:fontRef>
-        </p:style>
-      </p:sp>
-      <p:sp>
-        <p:nvSpPr>
-          <p:cNvPr id="34" name="Rectangle 18">
-            <a:extLst>
-              <a:ext uri="{FF2B5EF4-FFF2-40B4-BE49-F238E27FC236}">
-                <a16:creationId xmlns:a16="http://schemas.microsoft.com/office/drawing/2014/main" id="{E9DDF273-E040-4765-AD05-872458E1370A}"/>
-              </a:ext>
-              <a:ext uri="{C183D7F6-B498-43B3-948B-1728B52AA6E4}">
-                <adec:decorative xmlns:adec="http://schemas.microsoft.com/office/drawing/2017/decorative" val="1"/>
-              </a:ext>
-            </a:extLst>
-          </p:cNvPr>
-          <p:cNvSpPr>
-            <a:spLocks noGrp="1" noRot="1" noChangeAspect="1" noMove="1" noResize="1" noEditPoints="1" noAdjustHandles="1" noChangeArrowheads="1" noChangeShapeType="1" noTextEdit="1"/>
-          </p:cNvSpPr>
-          <p:nvPr>
-            <p:extLst>
-              <p:ext uri="{386F3935-93C4-4BCD-93E2-E3B085C9AB24}">
-                <p16:designElem xmlns:p16="http://schemas.microsoft.com/office/powerpoint/2015/main" val="1"/>
-              </p:ext>
-            </p:extLst>
-          </p:nvPr>
-        </p:nvSpPr>
-        <p:spPr>
-          <a:xfrm>
-            <a:off x="446534" y="3085764"/>
-            <a:ext cx="11298932" cy="3338149"/>
-          </a:xfrm>
-          <a:prstGeom prst="rect">
-            <a:avLst/>
-          </a:prstGeom>
-          <a:solidFill>
-            <a:srgbClr val="465359"/>
-          </a:solidFill>
-          <a:ln>
-            <a:noFill/>
-          </a:ln>
-          <a:effectLst/>
-        </p:spPr>
-        <p:style>
-          <a:lnRef idx="1">
-            <a:schemeClr val="accent1"/>
-          </a:lnRef>
-          <a:fillRef idx="3">
-            <a:schemeClr val="accent1"/>
-          </a:fillRef>
-          <a:effectRef idx="2">
-            <a:schemeClr val="accent1"/>
-          </a:effectRef>
-          <a:fontRef idx="minor">
-            <a:schemeClr val="lt1"/>
-          </a:fontRef>
-        </p:style>
-      </p:sp>
-      <p:sp useBgFill="1">
-        <p:nvSpPr>
-          <p:cNvPr id="35" name="Rectangle 20">
-            <a:extLst>
-              <a:ext uri="{FF2B5EF4-FFF2-40B4-BE49-F238E27FC236}">
-                <a16:creationId xmlns:a16="http://schemas.microsoft.com/office/drawing/2014/main" id="{C1FA8F66-3B85-411D-A2A6-A50DF3026D9A}"/>
-              </a:ext>
-              <a:ext uri="{C183D7F6-B498-43B3-948B-1728B52AA6E4}">
-                <adec:decorative xmlns:adec="http://schemas.microsoft.com/office/drawing/2017/decorative" val="1"/>
-              </a:ext>
-            </a:extLst>
-          </p:cNvPr>
-          <p:cNvSpPr>
-            <a:spLocks noGrp="1" noRot="1" noChangeAspect="1" noMove="1" noResize="1" noEditPoints="1" noAdjustHandles="1" noChangeArrowheads="1" noChangeShapeType="1" noTextEdit="1"/>
-          </p:cNvSpPr>
-          <p:nvPr>
-            <p:extLst>
-              <p:ext uri="{386F3935-93C4-4BCD-93E2-E3B085C9AB24}">
-                <p16:designElem xmlns:p16="http://schemas.microsoft.com/office/powerpoint/2015/main" val="1"/>
-              </p:ext>
-            </p:extLst>
-          </p:nvPr>
-        </p:nvSpPr>
-        <p:spPr>
-          <a:xfrm>
-            <a:off x="0" y="0"/>
-            <a:ext cx="12192000" cy="6858000"/>
-          </a:xfrm>
-          <a:prstGeom prst="rect">
-            <a:avLst/>
-          </a:prstGeom>
-          <a:ln>
-            <a:noFill/>
-          </a:ln>
-        </p:spPr>
-        <p:style>
-          <a:lnRef idx="2">
-            <a:schemeClr val="accent1">
-              <a:shade val="50000"/>
-            </a:schemeClr>
-          </a:lnRef>
-          <a:fillRef idx="1">
-            <a:schemeClr val="accent1"/>
-          </a:fillRef>
-          <a:effectRef idx="0">
-            <a:schemeClr val="accent1"/>
-          </a:effectRef>
-          <a:fontRef idx="minor">
-            <a:schemeClr val="lt1"/>
-          </a:fontRef>
-        </p:style>
-        <p:txBody>
-          <a:bodyPr rtlCol="0" anchor="ctr"/>
-          <a:lstStyle/>
-          <a:p>
-            <a:pPr algn="ctr"/>
-            <a:endParaRPr lang="en-US"/>
-          </a:p>
-        </p:txBody>
-      </p:sp>
-      <p:pic>
-        <p:nvPicPr>
-          <p:cNvPr id="8" name="Picture 7" descr="Chart, bar chart&#10;&#10;Description automatically generated">
-            <a:extLst>
-              <a:ext uri="{FF2B5EF4-FFF2-40B4-BE49-F238E27FC236}">
-                <a16:creationId xmlns:a16="http://schemas.microsoft.com/office/drawing/2014/main" id="{C7FFB74E-EC5C-425D-B254-00C2003B65BB}"/>
-              </a:ext>
-            </a:extLst>
-          </p:cNvPr>
-          <p:cNvPicPr>
-            <a:picLocks noChangeAspect="1"/>
-          </p:cNvPicPr>
-          <p:nvPr/>
-        </p:nvPicPr>
-        <p:blipFill>
-          <a:blip r:embed="rId2"/>
-          <a:stretch>
-            <a:fillRect/>
-          </a:stretch>
-        </p:blipFill>
-        <p:spPr>
-          <a:xfrm>
-            <a:off x="894205" y="35335"/>
-            <a:ext cx="4572000" cy="4572000"/>
-          </a:xfrm>
-          <a:prstGeom prst="rect">
-            <a:avLst/>
-          </a:prstGeom>
-        </p:spPr>
-      </p:pic>
-      <p:pic>
-        <p:nvPicPr>
-          <p:cNvPr id="6" name="Content Placeholder 5" descr="Chart, bar chart&#10;&#10;Description automatically generated">
-            <a:extLst>
-              <a:ext uri="{FF2B5EF4-FFF2-40B4-BE49-F238E27FC236}">
-                <a16:creationId xmlns:a16="http://schemas.microsoft.com/office/drawing/2014/main" id="{DD901355-ABA0-4E2D-AA1A-32E983CFF05E}"/>
-              </a:ext>
-            </a:extLst>
-          </p:cNvPr>
-          <p:cNvPicPr>
-            <a:picLocks noGrp="1" noChangeAspect="1"/>
-          </p:cNvPicPr>
-          <p:nvPr>
-            <p:ph idx="1"/>
-          </p:nvPr>
-        </p:nvPicPr>
-        <p:blipFill>
-          <a:blip r:embed="rId3"/>
-          <a:stretch>
-            <a:fillRect/>
-          </a:stretch>
-        </p:blipFill>
-        <p:spPr>
-          <a:xfrm>
-            <a:off x="6725795" y="17701"/>
-            <a:ext cx="4572000" cy="4572000"/>
-          </a:xfrm>
-          <a:prstGeom prst="rect">
-            <a:avLst/>
-          </a:prstGeom>
-        </p:spPr>
-      </p:pic>
-      <p:sp>
-        <p:nvSpPr>
-          <p:cNvPr id="36" name="Rectangle 22">
-            <a:extLst>
-              <a:ext uri="{FF2B5EF4-FFF2-40B4-BE49-F238E27FC236}">
-                <a16:creationId xmlns:a16="http://schemas.microsoft.com/office/drawing/2014/main" id="{D695E25C-06E7-4082-BE92-B571B616BC5A}"/>
-              </a:ext>
-              <a:ext uri="{C183D7F6-B498-43B3-948B-1728B52AA6E4}">
-                <adec:decorative xmlns:adec="http://schemas.microsoft.com/office/drawing/2017/decorative" val="1"/>
-              </a:ext>
-            </a:extLst>
-          </p:cNvPr>
-          <p:cNvSpPr>
-            <a:spLocks noGrp="1" noRot="1" noChangeAspect="1" noMove="1" noResize="1" noEditPoints="1" noAdjustHandles="1" noChangeArrowheads="1" noChangeShapeType="1" noTextEdit="1"/>
-          </p:cNvSpPr>
-          <p:nvPr>
-            <p:extLst>
-              <p:ext uri="{386F3935-93C4-4BCD-93E2-E3B085C9AB24}">
-                <p16:designElem xmlns:p16="http://schemas.microsoft.com/office/powerpoint/2015/main" val="1"/>
-              </p:ext>
-            </p:extLst>
-          </p:nvPr>
-        </p:nvSpPr>
-        <p:spPr>
-          <a:xfrm>
-            <a:off x="446534" y="4297735"/>
-            <a:ext cx="11265408" cy="94997"/>
-          </a:xfrm>
-          <a:prstGeom prst="rect">
-            <a:avLst/>
-          </a:prstGeom>
-          <a:solidFill>
-            <a:srgbClr val="465359"/>
-          </a:solidFill>
-          <a:ln>
-            <a:noFill/>
-          </a:ln>
-          <a:effectLst/>
-        </p:spPr>
-        <p:style>
-          <a:lnRef idx="1">
-            <a:schemeClr val="accent1"/>
-          </a:lnRef>
-          <a:fillRef idx="3">
-            <a:schemeClr val="accent1"/>
-          </a:fillRef>
-          <a:effectRef idx="2">
-            <a:schemeClr val="accent1"/>
-          </a:effectRef>
-          <a:fontRef idx="minor">
-            <a:schemeClr val="lt1"/>
-          </a:fontRef>
-        </p:style>
-      </p:sp>
-      <p:sp>
-        <p:nvSpPr>
-          <p:cNvPr id="37" name="Rectangle 24">
-            <a:extLst>
-              <a:ext uri="{FF2B5EF4-FFF2-40B4-BE49-F238E27FC236}">
-                <a16:creationId xmlns:a16="http://schemas.microsoft.com/office/drawing/2014/main" id="{E64BD7DF-F4BB-427F-B4F6-6DC83A59AA0F}"/>
-              </a:ext>
-              <a:ext uri="{C183D7F6-B498-43B3-948B-1728B52AA6E4}">
-                <adec:decorative xmlns:adec="http://schemas.microsoft.com/office/drawing/2017/decorative" val="1"/>
-              </a:ext>
-            </a:extLst>
-          </p:cNvPr>
-          <p:cNvSpPr>
-            <a:spLocks noGrp="1" noRot="1" noChangeAspect="1" noMove="1" noResize="1" noEditPoints="1" noAdjustHandles="1" noChangeArrowheads="1" noChangeShapeType="1" noTextEdit="1"/>
-          </p:cNvSpPr>
-          <p:nvPr>
-            <p:extLst>
-              <p:ext uri="{386F3935-93C4-4BCD-93E2-E3B085C9AB24}">
-                <p16:designElem xmlns:p16="http://schemas.microsoft.com/office/powerpoint/2015/main" val="1"/>
-              </p:ext>
-            </p:extLst>
-          </p:nvPr>
-        </p:nvSpPr>
-        <p:spPr>
-          <a:xfrm>
-            <a:off x="448732" y="4428067"/>
-            <a:ext cx="11260667" cy="1962497"/>
-          </a:xfrm>
-          <a:prstGeom prst="rect">
-            <a:avLst/>
-          </a:prstGeom>
-          <a:solidFill>
-            <a:srgbClr val="465359">
-              <a:alpha val="97000"/>
-            </a:srgbClr>
-          </a:solidFill>
-          <a:ln w="6350" cmpd="sng">
-            <a:noFill/>
-          </a:ln>
-          <a:effectLst/>
-        </p:spPr>
-        <p:style>
-          <a:lnRef idx="1">
-            <a:schemeClr val="accent1"/>
-          </a:lnRef>
-          <a:fillRef idx="3">
-            <a:schemeClr val="accent1"/>
-          </a:fillRef>
-          <a:effectRef idx="2">
-            <a:schemeClr val="accent1"/>
-          </a:effectRef>
-          <a:fontRef idx="minor">
-            <a:schemeClr val="lt1"/>
-          </a:fontRef>
-        </p:style>
-      </p:sp>
-      <p:sp>
-        <p:nvSpPr>
-          <p:cNvPr id="2" name="Title 1">
-            <a:extLst>
-              <a:ext uri="{FF2B5EF4-FFF2-40B4-BE49-F238E27FC236}">
-                <a16:creationId xmlns:a16="http://schemas.microsoft.com/office/drawing/2014/main" id="{5D929D65-B9B6-4818-93B3-D9168F9E5268}"/>
-              </a:ext>
-            </a:extLst>
-          </p:cNvPr>
-          <p:cNvSpPr>
-            <a:spLocks noGrp="1"/>
-          </p:cNvSpPr>
-          <p:nvPr>
-            <p:ph type="title"/>
-          </p:nvPr>
-        </p:nvSpPr>
-        <p:spPr>
-          <a:xfrm>
-            <a:off x="609599" y="4572000"/>
-            <a:ext cx="10965141" cy="895244"/>
-          </a:xfrm>
-        </p:spPr>
-        <p:txBody>
-          <a:bodyPr vert="horz" lIns="91440" tIns="45720" rIns="91440" bIns="45720" rtlCol="0" anchor="b">
-            <a:normAutofit/>
-          </a:bodyPr>
-          <a:lstStyle/>
-          <a:p>
-            <a:r>
-              <a:rPr lang="en-US" sz="4000"/>
-              <a:t>directors</a:t>
-            </a:r>
-          </a:p>
-        </p:txBody>
-      </p:sp>
-      <p:sp>
-        <p:nvSpPr>
-          <p:cNvPr id="4" name="Text Placeholder 3">
-            <a:extLst>
-              <a:ext uri="{FF2B5EF4-FFF2-40B4-BE49-F238E27FC236}">
-                <a16:creationId xmlns:a16="http://schemas.microsoft.com/office/drawing/2014/main" id="{5989833C-48EA-4D35-991A-30483A898A3D}"/>
-              </a:ext>
-            </a:extLst>
-          </p:cNvPr>
-          <p:cNvSpPr>
-            <a:spLocks noGrp="1"/>
-          </p:cNvSpPr>
-          <p:nvPr>
-            <p:ph type="body" sz="half" idx="2"/>
-          </p:nvPr>
-        </p:nvSpPr>
-        <p:spPr>
-          <a:xfrm>
-            <a:off x="609598" y="5537914"/>
-            <a:ext cx="10965142" cy="414153"/>
-          </a:xfrm>
-        </p:spPr>
-        <p:txBody>
-          <a:bodyPr vert="horz" lIns="91440" tIns="45720" rIns="91440" bIns="45720" rtlCol="0" anchor="t">
-            <a:normAutofit/>
-          </a:bodyPr>
-          <a:lstStyle/>
-          <a:p>
-            <a:r>
-              <a:rPr lang="en-US" cap="all">
-                <a:solidFill>
-                  <a:srgbClr val="FFFFFF">
-                    <a:alpha val="75000"/>
-                  </a:srgbClr>
-                </a:solidFill>
-              </a:rPr>
-              <a:t>What director has the most movies or tv shows added to Netflix?</a:t>
-            </a:r>
-          </a:p>
-        </p:txBody>
-      </p:sp>
-    </p:spTree>
-    <p:extLst>
-      <p:ext uri="{BB962C8B-B14F-4D97-AF65-F5344CB8AC3E}">
-        <p14:creationId xmlns:p14="http://schemas.microsoft.com/office/powerpoint/2010/main" val="1366133327"/>
-      </p:ext>
-    </p:extLst>
-  </p:cSld>
-  <p:clrMapOvr>
-    <a:masterClrMapping/>
-  </p:clrMapOvr>
-</p:sld>
-</file>
-
-<file path=ppt/slides/slide17.xml><?xml version="1.0" encoding="utf-8"?>
-<p:sld xmlns:a="http://schemas.openxmlformats.org/drawingml/2006/main" xmlns:r="http://schemas.openxmlformats.org/officeDocument/2006/relationships" xmlns:p="http://schemas.openxmlformats.org/presentationml/2006/main">
-  <p:cSld>
-    <p:bg>
-      <p:bgPr>
-        <a:solidFill>
-          <a:schemeClr val="bg1"/>
-        </a:solidFill>
-        <a:effectLst/>
-      </p:bgPr>
-    </p:bg>
-    <p:spTree>
-      <p:nvGrpSpPr>
-        <p:cNvPr id="1" name=""/>
-        <p:cNvGrpSpPr/>
-        <p:nvPr/>
-      </p:nvGrpSpPr>
-      <p:grpSpPr>
-        <a:xfrm>
-          <a:off x="0" y="0"/>
-          <a:ext cx="0" cy="0"/>
-          <a:chOff x="0" y="0"/>
-          <a:chExt cx="0" cy="0"/>
-        </a:xfrm>
-      </p:grpSpPr>
-      <p:sp>
-        <p:nvSpPr>
-          <p:cNvPr id="31" name="Rectangle 12">
-            <a:extLst>
-              <a:ext uri="{FF2B5EF4-FFF2-40B4-BE49-F238E27FC236}">
-                <a16:creationId xmlns:a16="http://schemas.microsoft.com/office/drawing/2014/main" id="{910015B9-6046-41B8-83BD-71778D2F9798}"/>
-              </a:ext>
-              <a:ext uri="{C183D7F6-B498-43B3-948B-1728B52AA6E4}">
-                <adec:decorative xmlns:adec="http://schemas.microsoft.com/office/drawing/2017/decorative" val="1"/>
-              </a:ext>
-            </a:extLst>
-          </p:cNvPr>
-          <p:cNvSpPr>
-            <a:spLocks noGrp="1" noRot="1" noChangeAspect="1" noMove="1" noResize="1" noEditPoints="1" noAdjustHandles="1" noChangeArrowheads="1" noChangeShapeType="1" noTextEdit="1"/>
-          </p:cNvSpPr>
-          <p:nvPr>
-            <p:extLst>
-              <p:ext uri="{386F3935-93C4-4BCD-93E2-E3B085C9AB24}">
-                <p16:designElem xmlns:p16="http://schemas.microsoft.com/office/powerpoint/2015/main" val="1"/>
-              </p:ext>
-            </p:extLst>
-          </p:nvPr>
-        </p:nvSpPr>
-        <p:spPr>
-          <a:xfrm>
-            <a:off x="446534" y="457200"/>
-            <a:ext cx="3703320" cy="94997"/>
-          </a:xfrm>
-          <a:prstGeom prst="rect">
-            <a:avLst/>
-          </a:prstGeom>
-          <a:solidFill>
-            <a:srgbClr val="465359"/>
-          </a:solidFill>
-          <a:ln>
-            <a:noFill/>
-          </a:ln>
-          <a:effectLst/>
-        </p:spPr>
-        <p:style>
-          <a:lnRef idx="1">
-            <a:schemeClr val="accent1"/>
-          </a:lnRef>
-          <a:fillRef idx="3">
-            <a:schemeClr val="accent1"/>
-          </a:fillRef>
-          <a:effectRef idx="2">
-            <a:schemeClr val="accent1"/>
-          </a:effectRef>
-          <a:fontRef idx="minor">
-            <a:schemeClr val="lt1"/>
-          </a:fontRef>
-        </p:style>
-      </p:sp>
-      <p:sp>
-        <p:nvSpPr>
-          <p:cNvPr id="32" name="Rectangle 14">
-            <a:extLst>
-              <a:ext uri="{FF2B5EF4-FFF2-40B4-BE49-F238E27FC236}">
-                <a16:creationId xmlns:a16="http://schemas.microsoft.com/office/drawing/2014/main" id="{53908232-52E2-4794-A6C1-54300FB98919}"/>
-              </a:ext>
-              <a:ext uri="{C183D7F6-B498-43B3-948B-1728B52AA6E4}">
-                <adec:decorative xmlns:adec="http://schemas.microsoft.com/office/drawing/2017/decorative" val="1"/>
-              </a:ext>
-            </a:extLst>
-          </p:cNvPr>
-          <p:cNvSpPr>
-            <a:spLocks noGrp="1" noRot="1" noChangeAspect="1" noMove="1" noResize="1" noEditPoints="1" noAdjustHandles="1" noChangeArrowheads="1" noChangeShapeType="1" noTextEdit="1"/>
-          </p:cNvSpPr>
-          <p:nvPr>
-            <p:extLst>
-              <p:ext uri="{386F3935-93C4-4BCD-93E2-E3B085C9AB24}">
-                <p16:designElem xmlns:p16="http://schemas.microsoft.com/office/powerpoint/2015/main" val="1"/>
-              </p:ext>
-            </p:extLst>
-          </p:nvPr>
-        </p:nvSpPr>
-        <p:spPr>
-          <a:xfrm>
-            <a:off x="8042147" y="453643"/>
-            <a:ext cx="3703320" cy="98554"/>
-          </a:xfrm>
-          <a:prstGeom prst="rect">
-            <a:avLst/>
-          </a:prstGeom>
-          <a:solidFill>
-            <a:srgbClr val="969FA7"/>
-          </a:solidFill>
-          <a:ln>
-            <a:noFill/>
-          </a:ln>
-          <a:effectLst/>
-        </p:spPr>
-        <p:style>
-          <a:lnRef idx="1">
-            <a:schemeClr val="accent1"/>
-          </a:lnRef>
-          <a:fillRef idx="3">
-            <a:schemeClr val="accent1"/>
-          </a:fillRef>
-          <a:effectRef idx="2">
-            <a:schemeClr val="accent1"/>
-          </a:effectRef>
-          <a:fontRef idx="minor">
-            <a:schemeClr val="lt1"/>
-          </a:fontRef>
-        </p:style>
-      </p:sp>
-      <p:sp>
-        <p:nvSpPr>
-          <p:cNvPr id="33" name="Rectangle 16">
-            <a:extLst>
-              <a:ext uri="{FF2B5EF4-FFF2-40B4-BE49-F238E27FC236}">
-                <a16:creationId xmlns:a16="http://schemas.microsoft.com/office/drawing/2014/main" id="{D2B9299F-BED7-44C5-9CC5-E542F9193C2F}"/>
-              </a:ext>
-              <a:ext uri="{C183D7F6-B498-43B3-948B-1728B52AA6E4}">
-                <adec:decorative xmlns:adec="http://schemas.microsoft.com/office/drawing/2017/decorative" val="1"/>
-              </a:ext>
-            </a:extLst>
-          </p:cNvPr>
-          <p:cNvSpPr>
-            <a:spLocks noGrp="1" noRot="1" noChangeAspect="1" noMove="1" noResize="1" noEditPoints="1" noAdjustHandles="1" noChangeArrowheads="1" noChangeShapeType="1" noTextEdit="1"/>
-          </p:cNvSpPr>
-          <p:nvPr>
-            <p:extLst>
-              <p:ext uri="{386F3935-93C4-4BCD-93E2-E3B085C9AB24}">
-                <p16:designElem xmlns:p16="http://schemas.microsoft.com/office/powerpoint/2015/main" val="1"/>
-              </p:ext>
-            </p:extLst>
-          </p:nvPr>
-        </p:nvSpPr>
-        <p:spPr>
-          <a:xfrm>
-            <a:off x="4241830" y="457200"/>
-            <a:ext cx="3703320" cy="91440"/>
-          </a:xfrm>
-          <a:prstGeom prst="rect">
-            <a:avLst/>
-          </a:prstGeom>
-          <a:solidFill>
-            <a:schemeClr val="accent1"/>
-          </a:solidFill>
-          <a:ln>
-            <a:noFill/>
-          </a:ln>
-          <a:effectLst/>
-        </p:spPr>
-        <p:style>
-          <a:lnRef idx="1">
-            <a:schemeClr val="accent1"/>
-          </a:lnRef>
-          <a:fillRef idx="3">
-            <a:schemeClr val="accent1"/>
-          </a:fillRef>
-          <a:effectRef idx="2">
-            <a:schemeClr val="accent1"/>
-          </a:effectRef>
-          <a:fontRef idx="minor">
-            <a:schemeClr val="lt1"/>
-          </a:fontRef>
-        </p:style>
-      </p:sp>
-      <p:sp>
-        <p:nvSpPr>
-          <p:cNvPr id="34" name="Rectangle 18">
-            <a:extLst>
-              <a:ext uri="{FF2B5EF4-FFF2-40B4-BE49-F238E27FC236}">
-                <a16:creationId xmlns:a16="http://schemas.microsoft.com/office/drawing/2014/main" id="{E9DDF273-E040-4765-AD05-872458E1370A}"/>
-              </a:ext>
-              <a:ext uri="{C183D7F6-B498-43B3-948B-1728B52AA6E4}">
-                <adec:decorative xmlns:adec="http://schemas.microsoft.com/office/drawing/2017/decorative" val="1"/>
-              </a:ext>
-            </a:extLst>
-          </p:cNvPr>
-          <p:cNvSpPr>
-            <a:spLocks noGrp="1" noRot="1" noChangeAspect="1" noMove="1" noResize="1" noEditPoints="1" noAdjustHandles="1" noChangeArrowheads="1" noChangeShapeType="1" noTextEdit="1"/>
-          </p:cNvSpPr>
-          <p:nvPr>
-            <p:extLst>
-              <p:ext uri="{386F3935-93C4-4BCD-93E2-E3B085C9AB24}">
-                <p16:designElem xmlns:p16="http://schemas.microsoft.com/office/powerpoint/2015/main" val="1"/>
-              </p:ext>
-            </p:extLst>
-          </p:nvPr>
-        </p:nvSpPr>
-        <p:spPr>
-          <a:xfrm>
-            <a:off x="446534" y="3085764"/>
-            <a:ext cx="11298932" cy="3338149"/>
-          </a:xfrm>
-          <a:prstGeom prst="rect">
-            <a:avLst/>
-          </a:prstGeom>
-          <a:solidFill>
-            <a:srgbClr val="465359"/>
-          </a:solidFill>
-          <a:ln>
-            <a:noFill/>
-          </a:ln>
-          <a:effectLst/>
-        </p:spPr>
-        <p:style>
-          <a:lnRef idx="1">
-            <a:schemeClr val="accent1"/>
-          </a:lnRef>
-          <a:fillRef idx="3">
-            <a:schemeClr val="accent1"/>
-          </a:fillRef>
-          <a:effectRef idx="2">
-            <a:schemeClr val="accent1"/>
-          </a:effectRef>
-          <a:fontRef idx="minor">
-            <a:schemeClr val="lt1"/>
-          </a:fontRef>
-        </p:style>
-      </p:sp>
-      <p:sp useBgFill="1">
-        <p:nvSpPr>
-          <p:cNvPr id="35" name="Rectangle 20">
-            <a:extLst>
-              <a:ext uri="{FF2B5EF4-FFF2-40B4-BE49-F238E27FC236}">
-                <a16:creationId xmlns:a16="http://schemas.microsoft.com/office/drawing/2014/main" id="{C1FA8F66-3B85-411D-A2A6-A50DF3026D9A}"/>
-              </a:ext>
-              <a:ext uri="{C183D7F6-B498-43B3-948B-1728B52AA6E4}">
-                <adec:decorative xmlns:adec="http://schemas.microsoft.com/office/drawing/2017/decorative" val="1"/>
-              </a:ext>
-            </a:extLst>
-          </p:cNvPr>
-          <p:cNvSpPr>
-            <a:spLocks noGrp="1" noRot="1" noChangeAspect="1" noMove="1" noResize="1" noEditPoints="1" noAdjustHandles="1" noChangeArrowheads="1" noChangeShapeType="1" noTextEdit="1"/>
-          </p:cNvSpPr>
-          <p:nvPr>
-            <p:extLst>
-              <p:ext uri="{386F3935-93C4-4BCD-93E2-E3B085C9AB24}">
-                <p16:designElem xmlns:p16="http://schemas.microsoft.com/office/powerpoint/2015/main" val="1"/>
-              </p:ext>
-            </p:extLst>
-          </p:nvPr>
-        </p:nvSpPr>
-        <p:spPr>
-          <a:xfrm>
-            <a:off x="0" y="0"/>
-            <a:ext cx="12192000" cy="6858000"/>
-          </a:xfrm>
-          <a:prstGeom prst="rect">
-            <a:avLst/>
-          </a:prstGeom>
-          <a:ln>
-            <a:noFill/>
-          </a:ln>
-        </p:spPr>
-        <p:style>
-          <a:lnRef idx="2">
-            <a:schemeClr val="accent1">
-              <a:shade val="50000"/>
-            </a:schemeClr>
-          </a:lnRef>
-          <a:fillRef idx="1">
-            <a:schemeClr val="accent1"/>
-          </a:fillRef>
-          <a:effectRef idx="0">
-            <a:schemeClr val="accent1"/>
-          </a:effectRef>
-          <a:fontRef idx="minor">
-            <a:schemeClr val="lt1"/>
-          </a:fontRef>
-        </p:style>
-        <p:txBody>
-          <a:bodyPr rtlCol="0" anchor="ctr"/>
-          <a:lstStyle/>
-          <a:p>
-            <a:pPr algn="ctr"/>
-            <a:endParaRPr lang="en-US"/>
-          </a:p>
-        </p:txBody>
-      </p:sp>
-      <p:pic>
-        <p:nvPicPr>
-          <p:cNvPr id="8" name="Picture 7">
-            <a:extLst>
-              <a:ext uri="{FF2B5EF4-FFF2-40B4-BE49-F238E27FC236}">
-                <a16:creationId xmlns:a16="http://schemas.microsoft.com/office/drawing/2014/main" id="{C7FFB74E-EC5C-425D-B254-00C2003B65BB}"/>
-              </a:ext>
-            </a:extLst>
-          </p:cNvPr>
-          <p:cNvPicPr>
-            <a:picLocks noChangeAspect="1"/>
-          </p:cNvPicPr>
-          <p:nvPr/>
-        </p:nvPicPr>
-        <p:blipFill>
-          <a:blip r:embed="rId2"/>
-          <a:srcRect/>
-          <a:stretch/>
-        </p:blipFill>
-        <p:spPr>
-          <a:xfrm>
-            <a:off x="894205" y="35335"/>
-            <a:ext cx="4572000" cy="4572000"/>
-          </a:xfrm>
-          <a:prstGeom prst="rect">
-            <a:avLst/>
-          </a:prstGeom>
-        </p:spPr>
-      </p:pic>
-      <p:pic>
-        <p:nvPicPr>
-          <p:cNvPr id="6" name="Content Placeholder 5">
-            <a:extLst>
-              <a:ext uri="{FF2B5EF4-FFF2-40B4-BE49-F238E27FC236}">
-                <a16:creationId xmlns:a16="http://schemas.microsoft.com/office/drawing/2014/main" id="{DD901355-ABA0-4E2D-AA1A-32E983CFF05E}"/>
-              </a:ext>
-            </a:extLst>
-          </p:cNvPr>
-          <p:cNvPicPr>
-            <a:picLocks noGrp="1" noChangeAspect="1"/>
-          </p:cNvPicPr>
-          <p:nvPr>
-            <p:ph idx="1"/>
-          </p:nvPr>
-        </p:nvPicPr>
-        <p:blipFill>
-          <a:blip r:embed="rId3"/>
-          <a:srcRect/>
-          <a:stretch/>
-        </p:blipFill>
-        <p:spPr>
-          <a:xfrm>
-            <a:off x="6725795" y="17701"/>
-            <a:ext cx="4572000" cy="4572000"/>
-          </a:xfrm>
-          <a:prstGeom prst="rect">
-            <a:avLst/>
-          </a:prstGeom>
-        </p:spPr>
-      </p:pic>
-      <p:sp>
-        <p:nvSpPr>
-          <p:cNvPr id="36" name="Rectangle 22">
-            <a:extLst>
-              <a:ext uri="{FF2B5EF4-FFF2-40B4-BE49-F238E27FC236}">
-                <a16:creationId xmlns:a16="http://schemas.microsoft.com/office/drawing/2014/main" id="{D695E25C-06E7-4082-BE92-B571B616BC5A}"/>
-              </a:ext>
-              <a:ext uri="{C183D7F6-B498-43B3-948B-1728B52AA6E4}">
-                <adec:decorative xmlns:adec="http://schemas.microsoft.com/office/drawing/2017/decorative" val="1"/>
-              </a:ext>
-            </a:extLst>
-          </p:cNvPr>
-          <p:cNvSpPr>
-            <a:spLocks noGrp="1" noRot="1" noChangeAspect="1" noMove="1" noResize="1" noEditPoints="1" noAdjustHandles="1" noChangeArrowheads="1" noChangeShapeType="1" noTextEdit="1"/>
-          </p:cNvSpPr>
-          <p:nvPr>
-            <p:extLst>
-              <p:ext uri="{386F3935-93C4-4BCD-93E2-E3B085C9AB24}">
-                <p16:designElem xmlns:p16="http://schemas.microsoft.com/office/powerpoint/2015/main" val="1"/>
-              </p:ext>
-            </p:extLst>
-          </p:nvPr>
-        </p:nvSpPr>
-        <p:spPr>
-          <a:xfrm>
-            <a:off x="446534" y="4297735"/>
-            <a:ext cx="11265408" cy="94997"/>
-          </a:xfrm>
-          <a:prstGeom prst="rect">
-            <a:avLst/>
-          </a:prstGeom>
-          <a:solidFill>
-            <a:srgbClr val="465359"/>
-          </a:solidFill>
-          <a:ln>
-            <a:noFill/>
-          </a:ln>
-          <a:effectLst/>
-        </p:spPr>
-        <p:style>
-          <a:lnRef idx="1">
-            <a:schemeClr val="accent1"/>
-          </a:lnRef>
-          <a:fillRef idx="3">
-            <a:schemeClr val="accent1"/>
-          </a:fillRef>
-          <a:effectRef idx="2">
-            <a:schemeClr val="accent1"/>
-          </a:effectRef>
-          <a:fontRef idx="minor">
-            <a:schemeClr val="lt1"/>
-          </a:fontRef>
-        </p:style>
-      </p:sp>
-      <p:sp>
-        <p:nvSpPr>
-          <p:cNvPr id="37" name="Rectangle 24">
-            <a:extLst>
-              <a:ext uri="{FF2B5EF4-FFF2-40B4-BE49-F238E27FC236}">
-                <a16:creationId xmlns:a16="http://schemas.microsoft.com/office/drawing/2014/main" id="{E64BD7DF-F4BB-427F-B4F6-6DC83A59AA0F}"/>
-              </a:ext>
-              <a:ext uri="{C183D7F6-B498-43B3-948B-1728B52AA6E4}">
-                <adec:decorative xmlns:adec="http://schemas.microsoft.com/office/drawing/2017/decorative" val="1"/>
-              </a:ext>
-            </a:extLst>
-          </p:cNvPr>
-          <p:cNvSpPr>
-            <a:spLocks noGrp="1" noRot="1" noChangeAspect="1" noMove="1" noResize="1" noEditPoints="1" noAdjustHandles="1" noChangeArrowheads="1" noChangeShapeType="1" noTextEdit="1"/>
-          </p:cNvSpPr>
-          <p:nvPr>
-            <p:extLst>
-              <p:ext uri="{386F3935-93C4-4BCD-93E2-E3B085C9AB24}">
-                <p16:designElem xmlns:p16="http://schemas.microsoft.com/office/powerpoint/2015/main" val="1"/>
-              </p:ext>
-            </p:extLst>
-          </p:nvPr>
-        </p:nvSpPr>
-        <p:spPr>
-          <a:xfrm>
-            <a:off x="448732" y="4428067"/>
-            <a:ext cx="11260667" cy="1962497"/>
-          </a:xfrm>
-          <a:prstGeom prst="rect">
-            <a:avLst/>
-          </a:prstGeom>
-          <a:solidFill>
-            <a:srgbClr val="465359">
-              <a:alpha val="97000"/>
-            </a:srgbClr>
-          </a:solidFill>
-          <a:ln w="6350" cmpd="sng">
-            <a:noFill/>
-          </a:ln>
-          <a:effectLst/>
-        </p:spPr>
-        <p:style>
-          <a:lnRef idx="1">
-            <a:schemeClr val="accent1"/>
-          </a:lnRef>
-          <a:fillRef idx="3">
-            <a:schemeClr val="accent1"/>
-          </a:fillRef>
-          <a:effectRef idx="2">
-            <a:schemeClr val="accent1"/>
-          </a:effectRef>
-          <a:fontRef idx="minor">
-            <a:schemeClr val="lt1"/>
-          </a:fontRef>
-        </p:style>
-      </p:sp>
-      <p:sp>
-        <p:nvSpPr>
-          <p:cNvPr id="2" name="Title 1">
-            <a:extLst>
-              <a:ext uri="{FF2B5EF4-FFF2-40B4-BE49-F238E27FC236}">
-                <a16:creationId xmlns:a16="http://schemas.microsoft.com/office/drawing/2014/main" id="{5D929D65-B9B6-4818-93B3-D9168F9E5268}"/>
-              </a:ext>
-            </a:extLst>
-          </p:cNvPr>
-          <p:cNvSpPr>
-            <a:spLocks noGrp="1"/>
-          </p:cNvSpPr>
-          <p:nvPr>
-            <p:ph type="title"/>
-          </p:nvPr>
-        </p:nvSpPr>
-        <p:spPr>
-          <a:xfrm>
-            <a:off x="609599" y="4572000"/>
-            <a:ext cx="10965141" cy="895244"/>
-          </a:xfrm>
-        </p:spPr>
-        <p:txBody>
-          <a:bodyPr vert="horz" lIns="91440" tIns="45720" rIns="91440" bIns="45720" rtlCol="0" anchor="b">
-            <a:normAutofit/>
-          </a:bodyPr>
-          <a:lstStyle/>
-          <a:p>
-            <a:r>
-              <a:rPr lang="en-US" sz="4000" dirty="0"/>
-              <a:t>Actors and actresses</a:t>
-            </a:r>
-          </a:p>
-        </p:txBody>
-      </p:sp>
-      <p:sp>
-        <p:nvSpPr>
-          <p:cNvPr id="4" name="Text Placeholder 3">
-            <a:extLst>
-              <a:ext uri="{FF2B5EF4-FFF2-40B4-BE49-F238E27FC236}">
-                <a16:creationId xmlns:a16="http://schemas.microsoft.com/office/drawing/2014/main" id="{5989833C-48EA-4D35-991A-30483A898A3D}"/>
-              </a:ext>
-            </a:extLst>
-          </p:cNvPr>
-          <p:cNvSpPr>
-            <a:spLocks noGrp="1"/>
-          </p:cNvSpPr>
-          <p:nvPr>
-            <p:ph type="body" sz="half" idx="2"/>
-          </p:nvPr>
-        </p:nvSpPr>
-        <p:spPr>
-          <a:xfrm>
-            <a:off x="609598" y="5537914"/>
-            <a:ext cx="10965142" cy="414153"/>
-          </a:xfrm>
-        </p:spPr>
-        <p:txBody>
-          <a:bodyPr vert="horz" lIns="91440" tIns="45720" rIns="91440" bIns="45720" rtlCol="0" anchor="t">
-            <a:normAutofit/>
-          </a:bodyPr>
-          <a:lstStyle/>
-          <a:p>
-            <a:r>
-              <a:rPr lang="en-US" cap="all" dirty="0">
-                <a:solidFill>
-                  <a:srgbClr val="FFFFFF">
-                    <a:alpha val="75000"/>
-                  </a:srgbClr>
-                </a:solidFill>
-              </a:rPr>
-              <a:t>Which actor or actress has the most movies or tv shows added to Netflix?</a:t>
-            </a:r>
-          </a:p>
-        </p:txBody>
-      </p:sp>
-    </p:spTree>
-    <p:extLst>
-      <p:ext uri="{BB962C8B-B14F-4D97-AF65-F5344CB8AC3E}">
-        <p14:creationId xmlns:p14="http://schemas.microsoft.com/office/powerpoint/2010/main" val="2099496726"/>
-      </p:ext>
-    </p:extLst>
-  </p:cSld>
-  <p:clrMapOvr>
-    <a:masterClrMapping/>
-  </p:clrMapOvr>
-</p:sld>
-</file>
-
-<file path=ppt/slides/slide18.xml><?xml version="1.0" encoding="utf-8"?>
-<p:sld xmlns:a="http://schemas.openxmlformats.org/drawingml/2006/main" xmlns:r="http://schemas.openxmlformats.org/officeDocument/2006/relationships" xmlns:p="http://schemas.openxmlformats.org/presentationml/2006/main">
-  <p:cSld>
-    <p:spTree>
-      <p:nvGrpSpPr>
-        <p:cNvPr id="1" name=""/>
-        <p:cNvGrpSpPr/>
-        <p:nvPr/>
-      </p:nvGrpSpPr>
-      <p:grpSpPr>
-        <a:xfrm>
-          <a:off x="0" y="0"/>
-          <a:ext cx="0" cy="0"/>
-          <a:chOff x="0" y="0"/>
-          <a:chExt cx="0" cy="0"/>
-        </a:xfrm>
-      </p:grpSpPr>
-      <p:sp>
-        <p:nvSpPr>
-          <p:cNvPr id="2" name="Title 1">
-            <a:extLst>
-              <a:ext uri="{FF2B5EF4-FFF2-40B4-BE49-F238E27FC236}">
-                <a16:creationId xmlns:a16="http://schemas.microsoft.com/office/drawing/2014/main" id="{556686C2-3B59-40D7-88D3-D1C62203B15B}"/>
-              </a:ext>
-            </a:extLst>
-          </p:cNvPr>
-          <p:cNvSpPr>
-            <a:spLocks noGrp="1"/>
-          </p:cNvSpPr>
-          <p:nvPr>
-            <p:ph type="title"/>
-          </p:nvPr>
-        </p:nvSpPr>
-        <p:spPr/>
-        <p:txBody>
-          <a:bodyPr/>
-          <a:lstStyle/>
-          <a:p>
-            <a:r>
-              <a:rPr lang="en-US" dirty="0"/>
-              <a:t>recommendations</a:t>
-            </a:r>
-          </a:p>
-        </p:txBody>
-      </p:sp>
-      <p:sp>
-        <p:nvSpPr>
-          <p:cNvPr id="3" name="Text Placeholder 2">
-            <a:extLst>
-              <a:ext uri="{FF2B5EF4-FFF2-40B4-BE49-F238E27FC236}">
-                <a16:creationId xmlns:a16="http://schemas.microsoft.com/office/drawing/2014/main" id="{7634D95A-20FF-4CCA-8528-CCAC9E9F4BBB}"/>
-              </a:ext>
-            </a:extLst>
-          </p:cNvPr>
-          <p:cNvSpPr>
-            <a:spLocks noGrp="1"/>
-          </p:cNvSpPr>
-          <p:nvPr>
-            <p:ph type="body" idx="1"/>
-          </p:nvPr>
-        </p:nvSpPr>
-        <p:spPr/>
-        <p:txBody>
-          <a:bodyPr/>
-          <a:lstStyle/>
-          <a:p>
-            <a:r>
-              <a:rPr lang="en-US" dirty="0"/>
-              <a:t>What do you want to watch? Let us help</a:t>
-            </a:r>
-          </a:p>
-        </p:txBody>
-      </p:sp>
-    </p:spTree>
-    <p:extLst>
-      <p:ext uri="{BB962C8B-B14F-4D97-AF65-F5344CB8AC3E}">
-        <p14:creationId xmlns:p14="http://schemas.microsoft.com/office/powerpoint/2010/main" val="3607280309"/>
+        <p14:creationId xmlns:p14="http://schemas.microsoft.com/office/powerpoint/2010/main" val="870892272"/>
       </p:ext>
     </p:extLst>
   </p:cSld>
@@ -10934,92 +10233,6 @@
 </file>
 
 <file path=ppt/slides/slide3.xml><?xml version="1.0" encoding="utf-8"?>
-<p:sld xmlns:a="http://schemas.openxmlformats.org/drawingml/2006/main" xmlns:r="http://schemas.openxmlformats.org/officeDocument/2006/relationships" xmlns:p="http://schemas.openxmlformats.org/presentationml/2006/main">
-  <p:cSld>
-    <p:spTree>
-      <p:nvGrpSpPr>
-        <p:cNvPr id="1" name=""/>
-        <p:cNvGrpSpPr/>
-        <p:nvPr/>
-      </p:nvGrpSpPr>
-      <p:grpSpPr>
-        <a:xfrm>
-          <a:off x="0" y="0"/>
-          <a:ext cx="0" cy="0"/>
-          <a:chOff x="0" y="0"/>
-          <a:chExt cx="0" cy="0"/>
-        </a:xfrm>
-      </p:grpSpPr>
-      <p:sp>
-        <p:nvSpPr>
-          <p:cNvPr id="2" name="Title 1">
-            <a:extLst>
-              <a:ext uri="{FF2B5EF4-FFF2-40B4-BE49-F238E27FC236}">
-                <a16:creationId xmlns:a16="http://schemas.microsoft.com/office/drawing/2014/main" id="{556686C2-3B59-40D7-88D3-D1C62203B15B}"/>
-              </a:ext>
-            </a:extLst>
-          </p:cNvPr>
-          <p:cNvSpPr>
-            <a:spLocks noGrp="1"/>
-          </p:cNvSpPr>
-          <p:nvPr>
-            <p:ph type="title"/>
-          </p:nvPr>
-        </p:nvSpPr>
-        <p:spPr/>
-        <p:txBody>
-          <a:bodyPr/>
-          <a:lstStyle/>
-          <a:p>
-            <a:r>
-              <a:rPr lang="en-US" dirty="0"/>
-              <a:t>The data</a:t>
-            </a:r>
-          </a:p>
-        </p:txBody>
-      </p:sp>
-      <p:sp>
-        <p:nvSpPr>
-          <p:cNvPr id="3" name="Text Placeholder 2">
-            <a:extLst>
-              <a:ext uri="{FF2B5EF4-FFF2-40B4-BE49-F238E27FC236}">
-                <a16:creationId xmlns:a16="http://schemas.microsoft.com/office/drawing/2014/main" id="{7634D95A-20FF-4CCA-8528-CCAC9E9F4BBB}"/>
-              </a:ext>
-            </a:extLst>
-          </p:cNvPr>
-          <p:cNvSpPr>
-            <a:spLocks noGrp="1"/>
-          </p:cNvSpPr>
-          <p:nvPr>
-            <p:ph type="body" idx="1"/>
-          </p:nvPr>
-        </p:nvSpPr>
-        <p:spPr/>
-        <p:txBody>
-          <a:bodyPr/>
-          <a:lstStyle/>
-          <a:p>
-            <a:r>
-              <a:rPr lang="en-US" dirty="0"/>
-              <a:t>What does the initial data look like?</a:t>
-            </a:r>
-          </a:p>
-        </p:txBody>
-      </p:sp>
-    </p:spTree>
-    <p:extLst>
-      <p:ext uri="{BB962C8B-B14F-4D97-AF65-F5344CB8AC3E}">
-        <p14:creationId xmlns:p14="http://schemas.microsoft.com/office/powerpoint/2010/main" val="494661480"/>
-      </p:ext>
-    </p:extLst>
-  </p:cSld>
-  <p:clrMapOvr>
-    <a:masterClrMapping/>
-  </p:clrMapOvr>
-</p:sld>
-</file>
-
-<file path=ppt/slides/slide4.xml><?xml version="1.0" encoding="utf-8"?>
 <p:sld xmlns:a="http://schemas.openxmlformats.org/drawingml/2006/main" xmlns:r="http://schemas.openxmlformats.org/officeDocument/2006/relationships" xmlns:p="http://schemas.openxmlformats.org/presentationml/2006/main">
   <p:cSld>
     <p:bg>
@@ -11153,7 +10366,7 @@
           <a:lstStyle/>
           <a:p>
             <a:r>
-              <a:rPr lang="en-US">
+              <a:rPr lang="en-US" dirty="0">
                 <a:solidFill>
                   <a:schemeClr val="bg1">
                     <a:lumMod val="85000"/>
@@ -11161,8 +10374,36 @@
                   </a:schemeClr>
                 </a:solidFill>
               </a:rPr>
-              <a:t>Why this data?</a:t>
+              <a:t>The data and Why</a:t>
             </a:r>
+            <a:br>
+              <a:rPr lang="en-US" dirty="0">
+                <a:solidFill>
+                  <a:schemeClr val="bg1">
+                    <a:lumMod val="85000"/>
+                    <a:lumOff val="15000"/>
+                  </a:schemeClr>
+                </a:solidFill>
+              </a:rPr>
+            </a:br>
+            <a:br>
+              <a:rPr lang="en-US" dirty="0">
+                <a:solidFill>
+                  <a:schemeClr val="bg1">
+                    <a:lumMod val="85000"/>
+                    <a:lumOff val="15000"/>
+                  </a:schemeClr>
+                </a:solidFill>
+              </a:rPr>
+            </a:br>
+            <a:endParaRPr lang="en-US" dirty="0">
+              <a:solidFill>
+                <a:schemeClr val="bg1">
+                  <a:lumMod val="85000"/>
+                  <a:lumOff val="15000"/>
+                </a:schemeClr>
+              </a:solidFill>
+            </a:endParaRPr>
           </a:p>
         </p:txBody>
       </p:sp>
@@ -11344,7 +10585,7 @@
             <p:ph idx="1"/>
             <p:extLst>
               <p:ext uri="{D42A27DB-BD31-4B8C-83A1-F6EECF244321}">
-                <p14:modId xmlns:p14="http://schemas.microsoft.com/office/powerpoint/2010/main" val="4130485990"/>
+                <p14:modId xmlns:p14="http://schemas.microsoft.com/office/powerpoint/2010/main" val="1025577706"/>
               </p:ext>
             </p:extLst>
           </p:nvPr>
@@ -11372,7 +10613,7 @@
 </p:sld>
 </file>
 
-<file path=ppt/slides/slide5.xml><?xml version="1.0" encoding="utf-8"?>
+<file path=ppt/slides/slide4.xml><?xml version="1.0" encoding="utf-8"?>
 <p:sld xmlns:a="http://schemas.openxmlformats.org/drawingml/2006/main" xmlns:r="http://schemas.openxmlformats.org/officeDocument/2006/relationships" xmlns:p="http://schemas.openxmlformats.org/presentationml/2006/main">
   <p:cSld>
     <p:bg>
@@ -11862,18 +11103,26 @@
         </p:spPr>
         <p:txBody>
           <a:bodyPr vert="horz" lIns="91440" tIns="45720" rIns="91440" bIns="45720" rtlCol="0" anchor="b">
-            <a:normAutofit/>
+            <a:normAutofit fontScale="90000"/>
           </a:bodyPr>
           <a:lstStyle/>
           <a:p>
             <a:r>
-              <a:rPr lang="en-US">
+              <a:rPr lang="en-US" sz="2800" dirty="0">
                 <a:solidFill>
-                  <a:srgbClr val="FFFFFF"/>
+                  <a:schemeClr val="accent1"/>
                 </a:solidFill>
+                <a:latin typeface="+mn-lt"/>
+                <a:ea typeface="+mn-ea"/>
+                <a:cs typeface="+mn-cs"/>
               </a:rPr>
-              <a:t>preparation</a:t>
+              <a:t>What does the initial data look like? And preparation</a:t>
             </a:r>
+            <a:endParaRPr lang="en-US" dirty="0">
+              <a:solidFill>
+                <a:srgbClr val="FFFFFF"/>
+              </a:solidFill>
+            </a:endParaRPr>
           </a:p>
         </p:txBody>
       </p:sp>
@@ -13181,140 +12430,7 @@
 </p:sld>
 </file>
 
-<file path=ppt/slides/slide6.xml><?xml version="1.0" encoding="utf-8"?>
-<p:sld xmlns:a="http://schemas.openxmlformats.org/drawingml/2006/main" xmlns:r="http://schemas.openxmlformats.org/officeDocument/2006/relationships" xmlns:p="http://schemas.openxmlformats.org/presentationml/2006/main" show="0">
-  <p:cSld>
-    <p:spTree>
-      <p:nvGrpSpPr>
-        <p:cNvPr id="1" name=""/>
-        <p:cNvGrpSpPr/>
-        <p:nvPr/>
-      </p:nvGrpSpPr>
-      <p:grpSpPr>
-        <a:xfrm>
-          <a:off x="0" y="0"/>
-          <a:ext cx="0" cy="0"/>
-          <a:chOff x="0" y="0"/>
-          <a:chExt cx="0" cy="0"/>
-        </a:xfrm>
-      </p:grpSpPr>
-      <p:sp>
-        <p:nvSpPr>
-          <p:cNvPr id="2" name="Title 1">
-            <a:extLst>
-              <a:ext uri="{FF2B5EF4-FFF2-40B4-BE49-F238E27FC236}">
-                <a16:creationId xmlns:a16="http://schemas.microsoft.com/office/drawing/2014/main" id="{AD1C6684-D317-47F8-B7A6-16358BF77C01}"/>
-              </a:ext>
-            </a:extLst>
-          </p:cNvPr>
-          <p:cNvSpPr>
-            <a:spLocks noGrp="1"/>
-          </p:cNvSpPr>
-          <p:nvPr>
-            <p:ph type="title"/>
-          </p:nvPr>
-        </p:nvSpPr>
-        <p:spPr/>
-        <p:txBody>
-          <a:bodyPr/>
-          <a:lstStyle/>
-          <a:p>
-            <a:r>
-              <a:rPr lang="en-US" dirty="0"/>
-              <a:t>Exploration</a:t>
-            </a:r>
-          </a:p>
-        </p:txBody>
-      </p:sp>
-      <p:pic>
-        <p:nvPicPr>
-          <p:cNvPr id="8" name="Content Placeholder 7" descr="Table&#10;&#10;Description automatically generated">
-            <a:extLst>
-              <a:ext uri="{FF2B5EF4-FFF2-40B4-BE49-F238E27FC236}">
-                <a16:creationId xmlns:a16="http://schemas.microsoft.com/office/drawing/2014/main" id="{D4C0FC9D-C08D-4953-8DF8-C4043B746DF9}"/>
-              </a:ext>
-            </a:extLst>
-          </p:cNvPr>
-          <p:cNvPicPr>
-            <a:picLocks noGrp="1" noChangeAspect="1"/>
-          </p:cNvPicPr>
-          <p:nvPr>
-            <p:ph sz="half" idx="1"/>
-          </p:nvPr>
-        </p:nvPicPr>
-        <p:blipFill>
-          <a:blip r:embed="rId2"/>
-          <a:stretch>
-            <a:fillRect/>
-          </a:stretch>
-        </p:blipFill>
-        <p:spPr>
-          <a:xfrm>
-            <a:off x="581193" y="2187507"/>
-            <a:ext cx="2582654" cy="2836090"/>
-          </a:xfrm>
-        </p:spPr>
-      </p:pic>
-      <p:sp>
-        <p:nvSpPr>
-          <p:cNvPr id="4" name="Content Placeholder 3">
-            <a:extLst>
-              <a:ext uri="{FF2B5EF4-FFF2-40B4-BE49-F238E27FC236}">
-                <a16:creationId xmlns:a16="http://schemas.microsoft.com/office/drawing/2014/main" id="{8F39B96D-F510-4B64-A841-FAA2258A5303}"/>
-              </a:ext>
-            </a:extLst>
-          </p:cNvPr>
-          <p:cNvSpPr>
-            <a:spLocks noGrp="1"/>
-          </p:cNvSpPr>
-          <p:nvPr>
-            <p:ph sz="half" idx="2"/>
-          </p:nvPr>
-        </p:nvSpPr>
-        <p:spPr>
-          <a:xfrm>
-            <a:off x="6416038" y="915332"/>
-            <a:ext cx="5194769" cy="1855859"/>
-          </a:xfrm>
-        </p:spPr>
-        <p:txBody>
-          <a:bodyPr/>
-          <a:lstStyle/>
-          <a:p>
-            <a:r>
-              <a:rPr lang="en-US" dirty="0"/>
-              <a:t>Pandas describing the data for returns the provided table.</a:t>
-            </a:r>
-          </a:p>
-          <a:p>
-            <a:endParaRPr lang="en-US" dirty="0"/>
-          </a:p>
-          <a:p>
-            <a:endParaRPr lang="en-US" dirty="0"/>
-          </a:p>
-          <a:p>
-            <a:endParaRPr lang="en-US" dirty="0"/>
-          </a:p>
-          <a:p>
-            <a:pPr lvl="1"/>
-            <a:endParaRPr lang="en-US" dirty="0"/>
-          </a:p>
-        </p:txBody>
-      </p:sp>
-    </p:spTree>
-    <p:extLst>
-      <p:ext uri="{BB962C8B-B14F-4D97-AF65-F5344CB8AC3E}">
-        <p14:creationId xmlns:p14="http://schemas.microsoft.com/office/powerpoint/2010/main" val="1869151016"/>
-      </p:ext>
-    </p:extLst>
-  </p:cSld>
-  <p:clrMapOvr>
-    <a:masterClrMapping/>
-  </p:clrMapOvr>
-</p:sld>
-</file>
-
-<file path=ppt/slides/slide7.xml><?xml version="1.0" encoding="utf-8"?>
+<file path=ppt/slides/slide5.xml><?xml version="1.0" encoding="utf-8"?>
 <p:sld xmlns:a="http://schemas.openxmlformats.org/drawingml/2006/main" xmlns:r="http://schemas.openxmlformats.org/officeDocument/2006/relationships" xmlns:p="http://schemas.openxmlformats.org/presentationml/2006/main">
   <p:cSld>
     <p:spTree>
@@ -13430,7 +12546,611 @@
 </p:sld>
 </file>
 
-<file path=ppt/slides/slide8.xml><?xml version="1.0" encoding="utf-8"?>
+<file path=ppt/slides/slide6.xml><?xml version="1.0" encoding="utf-8"?>
+<p:sld xmlns:a="http://schemas.openxmlformats.org/drawingml/2006/main" xmlns:r="http://schemas.openxmlformats.org/officeDocument/2006/relationships" xmlns:p="http://schemas.openxmlformats.org/presentationml/2006/main">
+  <p:cSld>
+    <p:bg>
+      <p:bgPr>
+        <a:solidFill>
+          <a:schemeClr val="bg1"/>
+        </a:solidFill>
+        <a:effectLst/>
+      </p:bgPr>
+    </p:bg>
+    <p:spTree>
+      <p:nvGrpSpPr>
+        <p:cNvPr id="1" name=""/>
+        <p:cNvGrpSpPr/>
+        <p:nvPr/>
+      </p:nvGrpSpPr>
+      <p:grpSpPr>
+        <a:xfrm>
+          <a:off x="0" y="0"/>
+          <a:ext cx="0" cy="0"/>
+          <a:chOff x="0" y="0"/>
+          <a:chExt cx="0" cy="0"/>
+        </a:xfrm>
+      </p:grpSpPr>
+      <p:sp>
+        <p:nvSpPr>
+          <p:cNvPr id="14" name="Rectangle 13">
+            <a:extLst>
+              <a:ext uri="{FF2B5EF4-FFF2-40B4-BE49-F238E27FC236}">
+                <a16:creationId xmlns:a16="http://schemas.microsoft.com/office/drawing/2014/main" id="{DD651B61-325E-4E73-8445-38B0DE8AAAB6}"/>
+              </a:ext>
+              <a:ext uri="{C183D7F6-B498-43B3-948B-1728B52AA6E4}">
+                <adec:decorative xmlns:adec="http://schemas.microsoft.com/office/drawing/2017/decorative" val="1"/>
+              </a:ext>
+            </a:extLst>
+          </p:cNvPr>
+          <p:cNvSpPr>
+            <a:spLocks noGrp="1" noRot="1" noChangeAspect="1" noMove="1" noResize="1" noEditPoints="1" noAdjustHandles="1" noChangeArrowheads="1" noChangeShapeType="1" noTextEdit="1"/>
+          </p:cNvSpPr>
+          <p:nvPr>
+            <p:extLst>
+              <p:ext uri="{386F3935-93C4-4BCD-93E2-E3B085C9AB24}">
+                <p16:designElem xmlns:p16="http://schemas.microsoft.com/office/powerpoint/2015/main" val="1"/>
+              </p:ext>
+            </p:extLst>
+          </p:nvPr>
+        </p:nvSpPr>
+        <p:spPr>
+          <a:xfrm>
+            <a:off x="446534" y="457200"/>
+            <a:ext cx="3703320" cy="94997"/>
+          </a:xfrm>
+          <a:prstGeom prst="rect">
+            <a:avLst/>
+          </a:prstGeom>
+          <a:solidFill>
+            <a:srgbClr val="465359"/>
+          </a:solidFill>
+          <a:ln>
+            <a:noFill/>
+          </a:ln>
+          <a:effectLst/>
+        </p:spPr>
+        <p:style>
+          <a:lnRef idx="1">
+            <a:schemeClr val="accent1"/>
+          </a:lnRef>
+          <a:fillRef idx="3">
+            <a:schemeClr val="accent1"/>
+          </a:fillRef>
+          <a:effectRef idx="2">
+            <a:schemeClr val="accent1"/>
+          </a:effectRef>
+          <a:fontRef idx="minor">
+            <a:schemeClr val="lt1"/>
+          </a:fontRef>
+        </p:style>
+      </p:sp>
+      <p:sp>
+        <p:nvSpPr>
+          <p:cNvPr id="16" name="Rectangle 15">
+            <a:extLst>
+              <a:ext uri="{FF2B5EF4-FFF2-40B4-BE49-F238E27FC236}">
+                <a16:creationId xmlns:a16="http://schemas.microsoft.com/office/drawing/2014/main" id="{B42E5253-D3AC-4AC2-B766-8B34F13C2F5E}"/>
+              </a:ext>
+              <a:ext uri="{C183D7F6-B498-43B3-948B-1728B52AA6E4}">
+                <adec:decorative xmlns:adec="http://schemas.microsoft.com/office/drawing/2017/decorative" val="1"/>
+              </a:ext>
+            </a:extLst>
+          </p:cNvPr>
+          <p:cNvSpPr>
+            <a:spLocks noGrp="1" noRot="1" noChangeAspect="1" noMove="1" noResize="1" noEditPoints="1" noAdjustHandles="1" noChangeArrowheads="1" noChangeShapeType="1" noTextEdit="1"/>
+          </p:cNvSpPr>
+          <p:nvPr>
+            <p:extLst>
+              <p:ext uri="{386F3935-93C4-4BCD-93E2-E3B085C9AB24}">
+                <p16:designElem xmlns:p16="http://schemas.microsoft.com/office/powerpoint/2015/main" val="1"/>
+              </p:ext>
+            </p:extLst>
+          </p:nvPr>
+        </p:nvSpPr>
+        <p:spPr>
+          <a:xfrm>
+            <a:off x="8042147" y="453643"/>
+            <a:ext cx="3703320" cy="98554"/>
+          </a:xfrm>
+          <a:prstGeom prst="rect">
+            <a:avLst/>
+          </a:prstGeom>
+          <a:solidFill>
+            <a:srgbClr val="969FA7"/>
+          </a:solidFill>
+          <a:ln>
+            <a:noFill/>
+          </a:ln>
+          <a:effectLst/>
+        </p:spPr>
+        <p:style>
+          <a:lnRef idx="1">
+            <a:schemeClr val="accent1"/>
+          </a:lnRef>
+          <a:fillRef idx="3">
+            <a:schemeClr val="accent1"/>
+          </a:fillRef>
+          <a:effectRef idx="2">
+            <a:schemeClr val="accent1"/>
+          </a:effectRef>
+          <a:fontRef idx="minor">
+            <a:schemeClr val="lt1"/>
+          </a:fontRef>
+        </p:style>
+      </p:sp>
+      <p:sp>
+        <p:nvSpPr>
+          <p:cNvPr id="18" name="Rectangle 17">
+            <a:extLst>
+              <a:ext uri="{FF2B5EF4-FFF2-40B4-BE49-F238E27FC236}">
+                <a16:creationId xmlns:a16="http://schemas.microsoft.com/office/drawing/2014/main" id="{10AE8D57-436A-4073-9A75-15BB5949F8B4}"/>
+              </a:ext>
+              <a:ext uri="{C183D7F6-B498-43B3-948B-1728B52AA6E4}">
+                <adec:decorative xmlns:adec="http://schemas.microsoft.com/office/drawing/2017/decorative" val="1"/>
+              </a:ext>
+            </a:extLst>
+          </p:cNvPr>
+          <p:cNvSpPr>
+            <a:spLocks noGrp="1" noRot="1" noChangeAspect="1" noMove="1" noResize="1" noEditPoints="1" noAdjustHandles="1" noChangeArrowheads="1" noChangeShapeType="1" noTextEdit="1"/>
+          </p:cNvSpPr>
+          <p:nvPr>
+            <p:extLst>
+              <p:ext uri="{386F3935-93C4-4BCD-93E2-E3B085C9AB24}">
+                <p16:designElem xmlns:p16="http://schemas.microsoft.com/office/powerpoint/2015/main" val="1"/>
+              </p:ext>
+            </p:extLst>
+          </p:nvPr>
+        </p:nvSpPr>
+        <p:spPr>
+          <a:xfrm>
+            <a:off x="4241830" y="457200"/>
+            <a:ext cx="3703320" cy="91440"/>
+          </a:xfrm>
+          <a:prstGeom prst="rect">
+            <a:avLst/>
+          </a:prstGeom>
+          <a:solidFill>
+            <a:schemeClr val="accent1"/>
+          </a:solidFill>
+          <a:ln>
+            <a:noFill/>
+          </a:ln>
+          <a:effectLst/>
+        </p:spPr>
+        <p:style>
+          <a:lnRef idx="1">
+            <a:schemeClr val="accent1"/>
+          </a:lnRef>
+          <a:fillRef idx="3">
+            <a:schemeClr val="accent1"/>
+          </a:fillRef>
+          <a:effectRef idx="2">
+            <a:schemeClr val="accent1"/>
+          </a:effectRef>
+          <a:fontRef idx="minor">
+            <a:schemeClr val="lt1"/>
+          </a:fontRef>
+        </p:style>
+      </p:sp>
+      <p:sp>
+        <p:nvSpPr>
+          <p:cNvPr id="20" name="Rectangle 19">
+            <a:extLst>
+              <a:ext uri="{FF2B5EF4-FFF2-40B4-BE49-F238E27FC236}">
+                <a16:creationId xmlns:a16="http://schemas.microsoft.com/office/drawing/2014/main" id="{E2852671-8EB6-4EAF-8AF8-65CF3FD66456}"/>
+              </a:ext>
+              <a:ext uri="{C183D7F6-B498-43B3-948B-1728B52AA6E4}">
+                <adec:decorative xmlns:adec="http://schemas.microsoft.com/office/drawing/2017/decorative" val="1"/>
+              </a:ext>
+            </a:extLst>
+          </p:cNvPr>
+          <p:cNvSpPr>
+            <a:spLocks noGrp="1" noRot="1" noChangeAspect="1" noMove="1" noResize="1" noEditPoints="1" noAdjustHandles="1" noChangeArrowheads="1" noChangeShapeType="1" noTextEdit="1"/>
+          </p:cNvSpPr>
+          <p:nvPr>
+            <p:extLst>
+              <p:ext uri="{386F3935-93C4-4BCD-93E2-E3B085C9AB24}">
+                <p16:designElem xmlns:p16="http://schemas.microsoft.com/office/powerpoint/2015/main" val="1"/>
+              </p:ext>
+            </p:extLst>
+          </p:nvPr>
+        </p:nvSpPr>
+        <p:spPr>
+          <a:xfrm>
+            <a:off x="446534" y="3085764"/>
+            <a:ext cx="11298932" cy="3338149"/>
+          </a:xfrm>
+          <a:prstGeom prst="rect">
+            <a:avLst/>
+          </a:prstGeom>
+          <a:solidFill>
+            <a:srgbClr val="465359"/>
+          </a:solidFill>
+          <a:ln>
+            <a:noFill/>
+          </a:ln>
+          <a:effectLst/>
+        </p:spPr>
+        <p:style>
+          <a:lnRef idx="1">
+            <a:schemeClr val="accent1"/>
+          </a:lnRef>
+          <a:fillRef idx="3">
+            <a:schemeClr val="accent1"/>
+          </a:fillRef>
+          <a:effectRef idx="2">
+            <a:schemeClr val="accent1"/>
+          </a:effectRef>
+          <a:fontRef idx="minor">
+            <a:schemeClr val="lt1"/>
+          </a:fontRef>
+        </p:style>
+      </p:sp>
+      <p:sp useBgFill="1">
+        <p:nvSpPr>
+          <p:cNvPr id="22" name="Rectangle 21">
+            <a:extLst>
+              <a:ext uri="{FF2B5EF4-FFF2-40B4-BE49-F238E27FC236}">
+                <a16:creationId xmlns:a16="http://schemas.microsoft.com/office/drawing/2014/main" id="{7C427EA3-1645-4B27-A5C2-55E8E24C665F}"/>
+              </a:ext>
+              <a:ext uri="{C183D7F6-B498-43B3-948B-1728B52AA6E4}">
+                <adec:decorative xmlns:adec="http://schemas.microsoft.com/office/drawing/2017/decorative" val="1"/>
+              </a:ext>
+            </a:extLst>
+          </p:cNvPr>
+          <p:cNvSpPr>
+            <a:spLocks noGrp="1" noRot="1" noChangeAspect="1" noMove="1" noResize="1" noEditPoints="1" noAdjustHandles="1" noChangeArrowheads="1" noChangeShapeType="1" noTextEdit="1"/>
+          </p:cNvSpPr>
+          <p:nvPr>
+            <p:extLst>
+              <p:ext uri="{386F3935-93C4-4BCD-93E2-E3B085C9AB24}">
+                <p16:designElem xmlns:p16="http://schemas.microsoft.com/office/powerpoint/2015/main" val="1"/>
+              </p:ext>
+            </p:extLst>
+          </p:nvPr>
+        </p:nvSpPr>
+        <p:spPr>
+          <a:xfrm>
+            <a:off x="0" y="0"/>
+            <a:ext cx="12192000" cy="6858000"/>
+          </a:xfrm>
+          <a:prstGeom prst="rect">
+            <a:avLst/>
+          </a:prstGeom>
+          <a:ln>
+            <a:noFill/>
+          </a:ln>
+        </p:spPr>
+        <p:style>
+          <a:lnRef idx="2">
+            <a:schemeClr val="accent1">
+              <a:shade val="50000"/>
+            </a:schemeClr>
+          </a:lnRef>
+          <a:fillRef idx="1">
+            <a:schemeClr val="accent1"/>
+          </a:fillRef>
+          <a:effectRef idx="0">
+            <a:schemeClr val="accent1"/>
+          </a:effectRef>
+          <a:fontRef idx="minor">
+            <a:schemeClr val="lt1"/>
+          </a:fontRef>
+        </p:style>
+        <p:txBody>
+          <a:bodyPr rtlCol="0" anchor="ctr"/>
+          <a:lstStyle/>
+          <a:p>
+            <a:pPr algn="ctr"/>
+            <a:endParaRPr lang="en-US"/>
+          </a:p>
+        </p:txBody>
+      </p:sp>
+      <p:sp>
+        <p:nvSpPr>
+          <p:cNvPr id="24" name="Rectangle 23">
+            <a:extLst>
+              <a:ext uri="{FF2B5EF4-FFF2-40B4-BE49-F238E27FC236}">
+                <a16:creationId xmlns:a16="http://schemas.microsoft.com/office/drawing/2014/main" id="{885CDBF6-7B87-4A58-92CA-E887CA36AF04}"/>
+              </a:ext>
+              <a:ext uri="{C183D7F6-B498-43B3-948B-1728B52AA6E4}">
+                <adec:decorative xmlns:adec="http://schemas.microsoft.com/office/drawing/2017/decorative" val="1"/>
+              </a:ext>
+            </a:extLst>
+          </p:cNvPr>
+          <p:cNvSpPr>
+            <a:spLocks noGrp="1" noRot="1" noChangeAspect="1" noMove="1" noResize="1" noEditPoints="1" noAdjustHandles="1" noChangeArrowheads="1" noChangeShapeType="1" noTextEdit="1"/>
+          </p:cNvSpPr>
+          <p:nvPr>
+            <p:extLst>
+              <p:ext uri="{386F3935-93C4-4BCD-93E2-E3B085C9AB24}">
+                <p16:designElem xmlns:p16="http://schemas.microsoft.com/office/powerpoint/2015/main" val="1"/>
+              </p:ext>
+            </p:extLst>
+          </p:nvPr>
+        </p:nvSpPr>
+        <p:spPr>
+          <a:xfrm>
+            <a:off x="446534" y="457200"/>
+            <a:ext cx="3703320" cy="94997"/>
+          </a:xfrm>
+          <a:prstGeom prst="rect">
+            <a:avLst/>
+          </a:prstGeom>
+          <a:solidFill>
+            <a:srgbClr val="465359"/>
+          </a:solidFill>
+          <a:ln>
+            <a:noFill/>
+          </a:ln>
+          <a:effectLst/>
+        </p:spPr>
+        <p:style>
+          <a:lnRef idx="1">
+            <a:schemeClr val="accent1"/>
+          </a:lnRef>
+          <a:fillRef idx="3">
+            <a:schemeClr val="accent1"/>
+          </a:fillRef>
+          <a:effectRef idx="2">
+            <a:schemeClr val="accent1"/>
+          </a:effectRef>
+          <a:fontRef idx="minor">
+            <a:schemeClr val="lt1"/>
+          </a:fontRef>
+        </p:style>
+      </p:sp>
+      <p:sp>
+        <p:nvSpPr>
+          <p:cNvPr id="26" name="Rectangle 25">
+            <a:extLst>
+              <a:ext uri="{FF2B5EF4-FFF2-40B4-BE49-F238E27FC236}">
+                <a16:creationId xmlns:a16="http://schemas.microsoft.com/office/drawing/2014/main" id="{6BFF2B2E-1CF1-403F-BB44-3F9C3E7F67FF}"/>
+              </a:ext>
+              <a:ext uri="{C183D7F6-B498-43B3-948B-1728B52AA6E4}">
+                <adec:decorative xmlns:adec="http://schemas.microsoft.com/office/drawing/2017/decorative" val="1"/>
+              </a:ext>
+            </a:extLst>
+          </p:cNvPr>
+          <p:cNvSpPr>
+            <a:spLocks noGrp="1" noRot="1" noChangeAspect="1" noMove="1" noResize="1" noEditPoints="1" noAdjustHandles="1" noChangeArrowheads="1" noChangeShapeType="1" noTextEdit="1"/>
+          </p:cNvSpPr>
+          <p:nvPr>
+            <p:extLst>
+              <p:ext uri="{386F3935-93C4-4BCD-93E2-E3B085C9AB24}">
+                <p16:designElem xmlns:p16="http://schemas.microsoft.com/office/powerpoint/2015/main" val="1"/>
+              </p:ext>
+            </p:extLst>
+          </p:nvPr>
+        </p:nvSpPr>
+        <p:spPr>
+          <a:xfrm>
+            <a:off x="4241830" y="457200"/>
+            <a:ext cx="3703320" cy="91440"/>
+          </a:xfrm>
+          <a:prstGeom prst="rect">
+            <a:avLst/>
+          </a:prstGeom>
+          <a:solidFill>
+            <a:schemeClr val="accent1"/>
+          </a:solidFill>
+          <a:ln>
+            <a:noFill/>
+          </a:ln>
+          <a:effectLst/>
+        </p:spPr>
+        <p:style>
+          <a:lnRef idx="1">
+            <a:schemeClr val="accent1"/>
+          </a:lnRef>
+          <a:fillRef idx="3">
+            <a:schemeClr val="accent1"/>
+          </a:fillRef>
+          <a:effectRef idx="2">
+            <a:schemeClr val="accent1"/>
+          </a:effectRef>
+          <a:fontRef idx="minor">
+            <a:schemeClr val="lt1"/>
+          </a:fontRef>
+        </p:style>
+      </p:sp>
+      <p:sp>
+        <p:nvSpPr>
+          <p:cNvPr id="28" name="Rectangle 27">
+            <a:extLst>
+              <a:ext uri="{FF2B5EF4-FFF2-40B4-BE49-F238E27FC236}">
+                <a16:creationId xmlns:a16="http://schemas.microsoft.com/office/drawing/2014/main" id="{9D8B4D3C-0DE0-43B9-B032-32B536B96D02}"/>
+              </a:ext>
+              <a:ext uri="{C183D7F6-B498-43B3-948B-1728B52AA6E4}">
+                <adec:decorative xmlns:adec="http://schemas.microsoft.com/office/drawing/2017/decorative" val="1"/>
+              </a:ext>
+            </a:extLst>
+          </p:cNvPr>
+          <p:cNvSpPr>
+            <a:spLocks noGrp="1" noRot="1" noChangeAspect="1" noMove="1" noResize="1" noEditPoints="1" noAdjustHandles="1" noChangeArrowheads="1" noChangeShapeType="1" noTextEdit="1"/>
+          </p:cNvSpPr>
+          <p:nvPr>
+            <p:extLst>
+              <p:ext uri="{386F3935-93C4-4BCD-93E2-E3B085C9AB24}">
+                <p16:designElem xmlns:p16="http://schemas.microsoft.com/office/powerpoint/2015/main" val="1"/>
+              </p:ext>
+            </p:extLst>
+          </p:nvPr>
+        </p:nvSpPr>
+        <p:spPr>
+          <a:xfrm>
+            <a:off x="8042147" y="453643"/>
+            <a:ext cx="3703320" cy="98554"/>
+          </a:xfrm>
+          <a:prstGeom prst="rect">
+            <a:avLst/>
+          </a:prstGeom>
+          <a:solidFill>
+            <a:srgbClr val="969FA7"/>
+          </a:solidFill>
+          <a:ln>
+            <a:noFill/>
+          </a:ln>
+          <a:effectLst/>
+        </p:spPr>
+        <p:style>
+          <a:lnRef idx="1">
+            <a:schemeClr val="accent1"/>
+          </a:lnRef>
+          <a:fillRef idx="3">
+            <a:schemeClr val="accent1"/>
+          </a:fillRef>
+          <a:effectRef idx="2">
+            <a:schemeClr val="accent1"/>
+          </a:effectRef>
+          <a:fontRef idx="minor">
+            <a:schemeClr val="lt1"/>
+          </a:fontRef>
+        </p:style>
+      </p:sp>
+      <p:pic>
+        <p:nvPicPr>
+          <p:cNvPr id="9" name="Picture 8" descr="Chart, bar chart&#10;&#10;Description automatically generated">
+            <a:extLst>
+              <a:ext uri="{FF2B5EF4-FFF2-40B4-BE49-F238E27FC236}">
+                <a16:creationId xmlns:a16="http://schemas.microsoft.com/office/drawing/2014/main" id="{C46F77A5-8780-4DF2-B842-2F90BD687BF2}"/>
+              </a:ext>
+            </a:extLst>
+          </p:cNvPr>
+          <p:cNvPicPr>
+            <a:picLocks noChangeAspect="1"/>
+          </p:cNvPicPr>
+          <p:nvPr/>
+        </p:nvPicPr>
+        <p:blipFill>
+          <a:blip r:embed="rId2"/>
+          <a:stretch>
+            <a:fillRect/>
+          </a:stretch>
+        </p:blipFill>
+        <p:spPr>
+          <a:xfrm>
+            <a:off x="446533" y="819322"/>
+            <a:ext cx="7772400" cy="5557271"/>
+          </a:xfrm>
+          <a:prstGeom prst="rect">
+            <a:avLst/>
+          </a:prstGeom>
+        </p:spPr>
+      </p:pic>
+      <p:sp>
+        <p:nvSpPr>
+          <p:cNvPr id="30" name="Rectangle 29">
+            <a:extLst>
+              <a:ext uri="{FF2B5EF4-FFF2-40B4-BE49-F238E27FC236}">
+                <a16:creationId xmlns:a16="http://schemas.microsoft.com/office/drawing/2014/main" id="{707788D3-E467-4E25-A5E9-FD41795BD551}"/>
+              </a:ext>
+              <a:ext uri="{C183D7F6-B498-43B3-948B-1728B52AA6E4}">
+                <adec:decorative xmlns:adec="http://schemas.microsoft.com/office/drawing/2017/decorative" val="1"/>
+              </a:ext>
+            </a:extLst>
+          </p:cNvPr>
+          <p:cNvSpPr>
+            <a:spLocks noGrp="1" noRot="1" noChangeAspect="1" noMove="1" noResize="1" noEditPoints="1" noAdjustHandles="1" noChangeArrowheads="1" noChangeShapeType="1" noTextEdit="1"/>
+          </p:cNvSpPr>
+          <p:nvPr>
+            <p:extLst>
+              <p:ext uri="{386F3935-93C4-4BCD-93E2-E3B085C9AB24}">
+                <p16:designElem xmlns:p16="http://schemas.microsoft.com/office/powerpoint/2015/main" val="1"/>
+              </p:ext>
+            </p:extLst>
+          </p:nvPr>
+        </p:nvSpPr>
+        <p:spPr>
+          <a:xfrm>
+            <a:off x="8042147" y="601200"/>
+            <a:ext cx="3703320" cy="5789365"/>
+          </a:xfrm>
+          <a:prstGeom prst="rect">
+            <a:avLst/>
+          </a:prstGeom>
+          <a:solidFill>
+            <a:srgbClr val="465359"/>
+          </a:solidFill>
+          <a:ln>
+            <a:noFill/>
+          </a:ln>
+          <a:effectLst/>
+        </p:spPr>
+        <p:style>
+          <a:lnRef idx="1">
+            <a:schemeClr val="accent1"/>
+          </a:lnRef>
+          <a:fillRef idx="3">
+            <a:schemeClr val="accent1"/>
+          </a:fillRef>
+          <a:effectRef idx="2">
+            <a:schemeClr val="accent1"/>
+          </a:effectRef>
+          <a:fontRef idx="minor">
+            <a:schemeClr val="lt1"/>
+          </a:fontRef>
+        </p:style>
+      </p:sp>
+      <p:sp>
+        <p:nvSpPr>
+          <p:cNvPr id="2" name="Title 1">
+            <a:extLst>
+              <a:ext uri="{FF2B5EF4-FFF2-40B4-BE49-F238E27FC236}">
+                <a16:creationId xmlns:a16="http://schemas.microsoft.com/office/drawing/2014/main" id="{7CAFC022-3362-477D-88A2-23155C23ED8F}"/>
+              </a:ext>
+            </a:extLst>
+          </p:cNvPr>
+          <p:cNvSpPr>
+            <a:spLocks noGrp="1"/>
+          </p:cNvSpPr>
+          <p:nvPr>
+            <p:ph type="title"/>
+          </p:nvPr>
+        </p:nvSpPr>
+        <p:spPr>
+          <a:xfrm>
+            <a:off x="8296275" y="1419225"/>
+            <a:ext cx="3081576" cy="2085869"/>
+          </a:xfrm>
+        </p:spPr>
+        <p:txBody>
+          <a:bodyPr vert="horz" lIns="91440" tIns="45720" rIns="91440" bIns="45720" rtlCol="0" anchor="b">
+            <a:normAutofit/>
+          </a:bodyPr>
+          <a:lstStyle/>
+          <a:p>
+            <a:pPr>
+              <a:lnSpc>
+                <a:spcPct val="90000"/>
+              </a:lnSpc>
+            </a:pPr>
+            <a:r>
+              <a:rPr lang="en-US" sz="3600">
+                <a:solidFill>
+                  <a:srgbClr val="FFFFFF"/>
+                </a:solidFill>
+              </a:rPr>
+              <a:t>Countries with most movies and tv shows</a:t>
+            </a:r>
+          </a:p>
+        </p:txBody>
+      </p:sp>
+    </p:spTree>
+    <p:extLst>
+      <p:ext uri="{BB962C8B-B14F-4D97-AF65-F5344CB8AC3E}">
+        <p14:creationId xmlns:p14="http://schemas.microsoft.com/office/powerpoint/2010/main" val="4152402306"/>
+      </p:ext>
+    </p:extLst>
+  </p:cSld>
+  <p:clrMapOvr>
+    <a:masterClrMapping/>
+  </p:clrMapOvr>
+</p:sld>
+</file>
+
+<file path=ppt/slides/slide7.xml><?xml version="1.0" encoding="utf-8"?>
 <p:sld xmlns:a="http://schemas.openxmlformats.org/drawingml/2006/main" xmlns:r="http://schemas.openxmlformats.org/officeDocument/2006/relationships" xmlns:p="http://schemas.openxmlformats.org/presentationml/2006/main">
   <p:cSld>
     <p:spTree>
@@ -13452,7 +13172,7 @@
           <p:cNvPr id="2" name="Title 1">
             <a:extLst>
               <a:ext uri="{FF2B5EF4-FFF2-40B4-BE49-F238E27FC236}">
-                <a16:creationId xmlns:a16="http://schemas.microsoft.com/office/drawing/2014/main" id="{556686C2-3B59-40D7-88D3-D1C62203B15B}"/>
+                <a16:creationId xmlns:a16="http://schemas.microsoft.com/office/drawing/2014/main" id="{7CAFC022-3362-477D-88A2-23155C23ED8F}"/>
               </a:ext>
             </a:extLst>
           </p:cNvPr>
@@ -13470,35 +13190,111 @@
           <a:p>
             <a:r>
               <a:rPr lang="en-US" dirty="0"/>
-              <a:t>Break down by country</a:t>
+              <a:t>United states and India</a:t>
             </a:r>
           </a:p>
         </p:txBody>
       </p:sp>
-      <p:sp>
-        <p:nvSpPr>
-          <p:cNvPr id="3" name="Text Placeholder 2">
+      <p:pic>
+        <p:nvPicPr>
+          <p:cNvPr id="4" name="Picture 3" descr="Chart, funnel chart&#10;&#10;Description automatically generated">
             <a:extLst>
               <a:ext uri="{FF2B5EF4-FFF2-40B4-BE49-F238E27FC236}">
-                <a16:creationId xmlns:a16="http://schemas.microsoft.com/office/drawing/2014/main" id="{7634D95A-20FF-4CCA-8528-CCAC9E9F4BBB}"/>
+                <a16:creationId xmlns:a16="http://schemas.microsoft.com/office/drawing/2014/main" id="{AEA69980-90B1-46C7-AC3A-79E10EF3ABEA}"/>
               </a:ext>
             </a:extLst>
           </p:cNvPr>
-          <p:cNvSpPr>
-            <a:spLocks noGrp="1"/>
-          </p:cNvSpPr>
-          <p:nvPr>
-            <p:ph type="body" idx="1"/>
-          </p:nvPr>
-        </p:nvSpPr>
-        <p:spPr/>
+          <p:cNvPicPr>
+            <a:picLocks noChangeAspect="1"/>
+          </p:cNvPicPr>
+          <p:nvPr/>
+        </p:nvPicPr>
+        <p:blipFill>
+          <a:blip r:embed="rId2"/>
+          <a:stretch>
+            <a:fillRect/>
+          </a:stretch>
+        </p:blipFill>
+        <p:spPr>
+          <a:xfrm>
+            <a:off x="575894" y="2390143"/>
+            <a:ext cx="5760720" cy="4114800"/>
+          </a:xfrm>
+          <a:prstGeom prst="rect">
+            <a:avLst/>
+          </a:prstGeom>
+        </p:spPr>
+      </p:pic>
+      <p:pic>
+        <p:nvPicPr>
+          <p:cNvPr id="6" name="Picture 5" descr="Chart, bar chart&#10;&#10;Description automatically generated">
+            <a:extLst>
+              <a:ext uri="{FF2B5EF4-FFF2-40B4-BE49-F238E27FC236}">
+                <a16:creationId xmlns:a16="http://schemas.microsoft.com/office/drawing/2014/main" id="{FE9EAF93-6A1B-4720-A0CF-5789C7F25A22}"/>
+              </a:ext>
+            </a:extLst>
+          </p:cNvPr>
+          <p:cNvPicPr>
+            <a:picLocks noChangeAspect="1"/>
+          </p:cNvPicPr>
+          <p:nvPr/>
+        </p:nvPicPr>
+        <p:blipFill>
+          <a:blip r:embed="rId3"/>
+          <a:stretch>
+            <a:fillRect/>
+          </a:stretch>
+        </p:blipFill>
+        <p:spPr>
+          <a:xfrm>
+            <a:off x="6678346" y="2390143"/>
+            <a:ext cx="4937760" cy="4114800"/>
+          </a:xfrm>
+          <a:prstGeom prst="rect">
+            <a:avLst/>
+          </a:prstGeom>
+        </p:spPr>
+      </p:pic>
+      <p:sp>
+        <p:nvSpPr>
+          <p:cNvPr id="7" name="TextBox 6">
+            <a:extLst>
+              <a:ext uri="{FF2B5EF4-FFF2-40B4-BE49-F238E27FC236}">
+                <a16:creationId xmlns:a16="http://schemas.microsoft.com/office/drawing/2014/main" id="{34BF8B11-C31E-42A5-A590-9AD142C081F7}"/>
+              </a:ext>
+            </a:extLst>
+          </p:cNvPr>
+          <p:cNvSpPr txBox="1"/>
+          <p:nvPr/>
+        </p:nvSpPr>
+        <p:spPr>
+          <a:xfrm>
+            <a:off x="6090702" y="957129"/>
+            <a:ext cx="5335025" cy="1477328"/>
+          </a:xfrm>
+          <a:prstGeom prst="rect">
+            <a:avLst/>
+          </a:prstGeom>
+          <a:noFill/>
+        </p:spPr>
         <p:txBody>
-          <a:bodyPr/>
+          <a:bodyPr wrap="square" rtlCol="0">
+            <a:spAutoFit/>
+          </a:bodyPr>
           <a:lstStyle/>
           <a:p>
             <a:r>
               <a:rPr lang="en-US" dirty="0"/>
-              <a:t>Finding out how engaged each country is</a:t>
+              <a:t>Here we discover that both the United State and India have the highest ranking and the most programs added to the Netflix system. </a:t>
+            </a:r>
+          </a:p>
+          <a:p>
+            <a:endParaRPr lang="en-US" dirty="0"/>
+          </a:p>
+          <a:p>
+            <a:r>
+              <a:rPr lang="en-US" dirty="0"/>
+              <a:t>The United States dominates by a wide margin.</a:t>
             </a:r>
           </a:p>
         </p:txBody>
@@ -13506,7 +13302,527 @@
     </p:spTree>
     <p:extLst>
       <p:ext uri="{BB962C8B-B14F-4D97-AF65-F5344CB8AC3E}">
-        <p14:creationId xmlns:p14="http://schemas.microsoft.com/office/powerpoint/2010/main" val="812325064"/>
+        <p14:creationId xmlns:p14="http://schemas.microsoft.com/office/powerpoint/2010/main" val="482640315"/>
+      </p:ext>
+    </p:extLst>
+  </p:cSld>
+  <p:clrMapOvr>
+    <a:masterClrMapping/>
+  </p:clrMapOvr>
+</p:sld>
+</file>
+
+<file path=ppt/slides/slide8.xml><?xml version="1.0" encoding="utf-8"?>
+<p:sld xmlns:a="http://schemas.openxmlformats.org/drawingml/2006/main" xmlns:r="http://schemas.openxmlformats.org/officeDocument/2006/relationships" xmlns:p="http://schemas.openxmlformats.org/presentationml/2006/main">
+  <p:cSld>
+    <p:bg>
+      <p:bgPr>
+        <a:solidFill>
+          <a:schemeClr val="bg1"/>
+        </a:solidFill>
+        <a:effectLst/>
+      </p:bgPr>
+    </p:bg>
+    <p:spTree>
+      <p:nvGrpSpPr>
+        <p:cNvPr id="1" name=""/>
+        <p:cNvGrpSpPr/>
+        <p:nvPr/>
+      </p:nvGrpSpPr>
+      <p:grpSpPr>
+        <a:xfrm>
+          <a:off x="0" y="0"/>
+          <a:ext cx="0" cy="0"/>
+          <a:chOff x="0" y="0"/>
+          <a:chExt cx="0" cy="0"/>
+        </a:xfrm>
+      </p:grpSpPr>
+      <p:sp>
+        <p:nvSpPr>
+          <p:cNvPr id="31" name="Rectangle 30">
+            <a:extLst>
+              <a:ext uri="{FF2B5EF4-FFF2-40B4-BE49-F238E27FC236}">
+                <a16:creationId xmlns:a16="http://schemas.microsoft.com/office/drawing/2014/main" id="{DD651B61-325E-4E73-8445-38B0DE8AAAB6}"/>
+              </a:ext>
+              <a:ext uri="{C183D7F6-B498-43B3-948B-1728B52AA6E4}">
+                <adec:decorative xmlns:adec="http://schemas.microsoft.com/office/drawing/2017/decorative" val="1"/>
+              </a:ext>
+            </a:extLst>
+          </p:cNvPr>
+          <p:cNvSpPr>
+            <a:spLocks noGrp="1" noRot="1" noChangeAspect="1" noMove="1" noResize="1" noEditPoints="1" noAdjustHandles="1" noChangeArrowheads="1" noChangeShapeType="1" noTextEdit="1"/>
+          </p:cNvSpPr>
+          <p:nvPr>
+            <p:extLst>
+              <p:ext uri="{386F3935-93C4-4BCD-93E2-E3B085C9AB24}">
+                <p16:designElem xmlns:p16="http://schemas.microsoft.com/office/powerpoint/2015/main" val="1"/>
+              </p:ext>
+            </p:extLst>
+          </p:nvPr>
+        </p:nvSpPr>
+        <p:spPr>
+          <a:xfrm>
+            <a:off x="446534" y="457200"/>
+            <a:ext cx="3703320" cy="94997"/>
+          </a:xfrm>
+          <a:prstGeom prst="rect">
+            <a:avLst/>
+          </a:prstGeom>
+          <a:solidFill>
+            <a:srgbClr val="465359"/>
+          </a:solidFill>
+          <a:ln>
+            <a:noFill/>
+          </a:ln>
+          <a:effectLst/>
+        </p:spPr>
+        <p:style>
+          <a:lnRef idx="1">
+            <a:schemeClr val="accent1"/>
+          </a:lnRef>
+          <a:fillRef idx="3">
+            <a:schemeClr val="accent1"/>
+          </a:fillRef>
+          <a:effectRef idx="2">
+            <a:schemeClr val="accent1"/>
+          </a:effectRef>
+          <a:fontRef idx="minor">
+            <a:schemeClr val="lt1"/>
+          </a:fontRef>
+        </p:style>
+      </p:sp>
+      <p:sp>
+        <p:nvSpPr>
+          <p:cNvPr id="33" name="Rectangle 32">
+            <a:extLst>
+              <a:ext uri="{FF2B5EF4-FFF2-40B4-BE49-F238E27FC236}">
+                <a16:creationId xmlns:a16="http://schemas.microsoft.com/office/drawing/2014/main" id="{B42E5253-D3AC-4AC2-B766-8B34F13C2F5E}"/>
+              </a:ext>
+              <a:ext uri="{C183D7F6-B498-43B3-948B-1728B52AA6E4}">
+                <adec:decorative xmlns:adec="http://schemas.microsoft.com/office/drawing/2017/decorative" val="1"/>
+              </a:ext>
+            </a:extLst>
+          </p:cNvPr>
+          <p:cNvSpPr>
+            <a:spLocks noGrp="1" noRot="1" noChangeAspect="1" noMove="1" noResize="1" noEditPoints="1" noAdjustHandles="1" noChangeArrowheads="1" noChangeShapeType="1" noTextEdit="1"/>
+          </p:cNvSpPr>
+          <p:nvPr>
+            <p:extLst>
+              <p:ext uri="{386F3935-93C4-4BCD-93E2-E3B085C9AB24}">
+                <p16:designElem xmlns:p16="http://schemas.microsoft.com/office/powerpoint/2015/main" val="1"/>
+              </p:ext>
+            </p:extLst>
+          </p:nvPr>
+        </p:nvSpPr>
+        <p:spPr>
+          <a:xfrm>
+            <a:off x="8042147" y="453643"/>
+            <a:ext cx="3703320" cy="98554"/>
+          </a:xfrm>
+          <a:prstGeom prst="rect">
+            <a:avLst/>
+          </a:prstGeom>
+          <a:solidFill>
+            <a:srgbClr val="969FA7"/>
+          </a:solidFill>
+          <a:ln>
+            <a:noFill/>
+          </a:ln>
+          <a:effectLst/>
+        </p:spPr>
+        <p:style>
+          <a:lnRef idx="1">
+            <a:schemeClr val="accent1"/>
+          </a:lnRef>
+          <a:fillRef idx="3">
+            <a:schemeClr val="accent1"/>
+          </a:fillRef>
+          <a:effectRef idx="2">
+            <a:schemeClr val="accent1"/>
+          </a:effectRef>
+          <a:fontRef idx="minor">
+            <a:schemeClr val="lt1"/>
+          </a:fontRef>
+        </p:style>
+      </p:sp>
+      <p:sp>
+        <p:nvSpPr>
+          <p:cNvPr id="35" name="Rectangle 34">
+            <a:extLst>
+              <a:ext uri="{FF2B5EF4-FFF2-40B4-BE49-F238E27FC236}">
+                <a16:creationId xmlns:a16="http://schemas.microsoft.com/office/drawing/2014/main" id="{10AE8D57-436A-4073-9A75-15BB5949F8B4}"/>
+              </a:ext>
+              <a:ext uri="{C183D7F6-B498-43B3-948B-1728B52AA6E4}">
+                <adec:decorative xmlns:adec="http://schemas.microsoft.com/office/drawing/2017/decorative" val="1"/>
+              </a:ext>
+            </a:extLst>
+          </p:cNvPr>
+          <p:cNvSpPr>
+            <a:spLocks noGrp="1" noRot="1" noChangeAspect="1" noMove="1" noResize="1" noEditPoints="1" noAdjustHandles="1" noChangeArrowheads="1" noChangeShapeType="1" noTextEdit="1"/>
+          </p:cNvSpPr>
+          <p:nvPr>
+            <p:extLst>
+              <p:ext uri="{386F3935-93C4-4BCD-93E2-E3B085C9AB24}">
+                <p16:designElem xmlns:p16="http://schemas.microsoft.com/office/powerpoint/2015/main" val="1"/>
+              </p:ext>
+            </p:extLst>
+          </p:nvPr>
+        </p:nvSpPr>
+        <p:spPr>
+          <a:xfrm>
+            <a:off x="4241830" y="457200"/>
+            <a:ext cx="3703320" cy="91440"/>
+          </a:xfrm>
+          <a:prstGeom prst="rect">
+            <a:avLst/>
+          </a:prstGeom>
+          <a:solidFill>
+            <a:schemeClr val="accent1"/>
+          </a:solidFill>
+          <a:ln>
+            <a:noFill/>
+          </a:ln>
+          <a:effectLst/>
+        </p:spPr>
+        <p:style>
+          <a:lnRef idx="1">
+            <a:schemeClr val="accent1"/>
+          </a:lnRef>
+          <a:fillRef idx="3">
+            <a:schemeClr val="accent1"/>
+          </a:fillRef>
+          <a:effectRef idx="2">
+            <a:schemeClr val="accent1"/>
+          </a:effectRef>
+          <a:fontRef idx="minor">
+            <a:schemeClr val="lt1"/>
+          </a:fontRef>
+        </p:style>
+      </p:sp>
+      <p:sp>
+        <p:nvSpPr>
+          <p:cNvPr id="37" name="Rectangle 36">
+            <a:extLst>
+              <a:ext uri="{FF2B5EF4-FFF2-40B4-BE49-F238E27FC236}">
+                <a16:creationId xmlns:a16="http://schemas.microsoft.com/office/drawing/2014/main" id="{E2852671-8EB6-4EAF-8AF8-65CF3FD66456}"/>
+              </a:ext>
+              <a:ext uri="{C183D7F6-B498-43B3-948B-1728B52AA6E4}">
+                <adec:decorative xmlns:adec="http://schemas.microsoft.com/office/drawing/2017/decorative" val="1"/>
+              </a:ext>
+            </a:extLst>
+          </p:cNvPr>
+          <p:cNvSpPr>
+            <a:spLocks noGrp="1" noRot="1" noChangeAspect="1" noMove="1" noResize="1" noEditPoints="1" noAdjustHandles="1" noChangeArrowheads="1" noChangeShapeType="1" noTextEdit="1"/>
+          </p:cNvSpPr>
+          <p:nvPr>
+            <p:extLst>
+              <p:ext uri="{386F3935-93C4-4BCD-93E2-E3B085C9AB24}">
+                <p16:designElem xmlns:p16="http://schemas.microsoft.com/office/powerpoint/2015/main" val="1"/>
+              </p:ext>
+            </p:extLst>
+          </p:nvPr>
+        </p:nvSpPr>
+        <p:spPr>
+          <a:xfrm>
+            <a:off x="446534" y="3085764"/>
+            <a:ext cx="11298932" cy="3338149"/>
+          </a:xfrm>
+          <a:prstGeom prst="rect">
+            <a:avLst/>
+          </a:prstGeom>
+          <a:solidFill>
+            <a:srgbClr val="465359"/>
+          </a:solidFill>
+          <a:ln>
+            <a:noFill/>
+          </a:ln>
+          <a:effectLst/>
+        </p:spPr>
+        <p:style>
+          <a:lnRef idx="1">
+            <a:schemeClr val="accent1"/>
+          </a:lnRef>
+          <a:fillRef idx="3">
+            <a:schemeClr val="accent1"/>
+          </a:fillRef>
+          <a:effectRef idx="2">
+            <a:schemeClr val="accent1"/>
+          </a:effectRef>
+          <a:fontRef idx="minor">
+            <a:schemeClr val="lt1"/>
+          </a:fontRef>
+        </p:style>
+      </p:sp>
+      <p:sp useBgFill="1">
+        <p:nvSpPr>
+          <p:cNvPr id="39" name="Rectangle 38">
+            <a:extLst>
+              <a:ext uri="{FF2B5EF4-FFF2-40B4-BE49-F238E27FC236}">
+                <a16:creationId xmlns:a16="http://schemas.microsoft.com/office/drawing/2014/main" id="{26B4480E-B7FF-4481-890E-043A69AE6FE2}"/>
+              </a:ext>
+              <a:ext uri="{C183D7F6-B498-43B3-948B-1728B52AA6E4}">
+                <adec:decorative xmlns:adec="http://schemas.microsoft.com/office/drawing/2017/decorative" val="1"/>
+              </a:ext>
+            </a:extLst>
+          </p:cNvPr>
+          <p:cNvSpPr>
+            <a:spLocks noGrp="1" noRot="1" noChangeAspect="1" noMove="1" noResize="1" noEditPoints="1" noAdjustHandles="1" noChangeArrowheads="1" noChangeShapeType="1" noTextEdit="1"/>
+          </p:cNvSpPr>
+          <p:nvPr>
+            <p:extLst>
+              <p:ext uri="{386F3935-93C4-4BCD-93E2-E3B085C9AB24}">
+                <p16:designElem xmlns:p16="http://schemas.microsoft.com/office/powerpoint/2015/main" val="1"/>
+              </p:ext>
+            </p:extLst>
+          </p:nvPr>
+        </p:nvSpPr>
+        <p:spPr>
+          <a:xfrm>
+            <a:off x="0" y="0"/>
+            <a:ext cx="12192000" cy="6858000"/>
+          </a:xfrm>
+          <a:prstGeom prst="rect">
+            <a:avLst/>
+          </a:prstGeom>
+          <a:ln>
+            <a:noFill/>
+          </a:ln>
+        </p:spPr>
+        <p:style>
+          <a:lnRef idx="2">
+            <a:schemeClr val="accent1">
+              <a:shade val="50000"/>
+            </a:schemeClr>
+          </a:lnRef>
+          <a:fillRef idx="1">
+            <a:schemeClr val="accent1"/>
+          </a:fillRef>
+          <a:effectRef idx="0">
+            <a:schemeClr val="accent1"/>
+          </a:effectRef>
+          <a:fontRef idx="minor">
+            <a:schemeClr val="lt1"/>
+          </a:fontRef>
+        </p:style>
+        <p:txBody>
+          <a:bodyPr rtlCol="0" anchor="ctr"/>
+          <a:lstStyle/>
+          <a:p>
+            <a:pPr algn="ctr"/>
+            <a:endParaRPr lang="en-US"/>
+          </a:p>
+        </p:txBody>
+      </p:sp>
+      <p:grpSp>
+        <p:nvGrpSpPr>
+          <p:cNvPr id="41" name="Group 40">
+            <a:extLst>
+              <a:ext uri="{FF2B5EF4-FFF2-40B4-BE49-F238E27FC236}">
+                <a16:creationId xmlns:a16="http://schemas.microsoft.com/office/drawing/2014/main" id="{79394E1F-0B5F-497D-B2A6-8383A2A54834}"/>
+              </a:ext>
+              <a:ext uri="{C183D7F6-B498-43B3-948B-1728B52AA6E4}">
+                <adec:decorative xmlns:adec="http://schemas.microsoft.com/office/drawing/2017/decorative" val="1"/>
+              </a:ext>
+            </a:extLst>
+          </p:cNvPr>
+          <p:cNvGrpSpPr>
+            <a:grpSpLocks noGrp="1" noUngrp="1" noRot="1" noChangeAspect="1" noMove="1" noResize="1"/>
+          </p:cNvGrpSpPr>
+          <p:nvPr>
+            <p:extLst>
+              <p:ext uri="{386F3935-93C4-4BCD-93E2-E3B085C9AB24}">
+                <p16:designElem xmlns:p16="http://schemas.microsoft.com/office/powerpoint/2015/main" val="1"/>
+              </p:ext>
+            </p:extLst>
+          </p:nvPr>
+        </p:nvGrpSpPr>
+        <p:grpSpPr>
+          <a:xfrm>
+            <a:off x="438068" y="457200"/>
+            <a:ext cx="3703320" cy="5935133"/>
+            <a:chOff x="438068" y="457200"/>
+            <a:chExt cx="3703320" cy="5935133"/>
+          </a:xfrm>
+        </p:grpSpPr>
+        <p:sp>
+          <p:nvSpPr>
+            <p:cNvPr id="42" name="Rectangle 41">
+              <a:extLst>
+                <a:ext uri="{FF2B5EF4-FFF2-40B4-BE49-F238E27FC236}">
+                  <a16:creationId xmlns:a16="http://schemas.microsoft.com/office/drawing/2014/main" id="{1F1FF39A-AC3C-4066-9D4C-519AA22812EA}"/>
+                </a:ext>
+                <a:ext uri="{C183D7F6-B498-43B3-948B-1728B52AA6E4}">
+                  <adec:decorative xmlns:adec="http://schemas.microsoft.com/office/drawing/2017/decorative" val="1"/>
+                </a:ext>
+              </a:extLst>
+            </p:cNvPr>
+            <p:cNvSpPr/>
+            <p:nvPr>
+              <p:extLst>
+                <p:ext uri="{386F3935-93C4-4BCD-93E2-E3B085C9AB24}">
+                  <p16:designElem xmlns:p16="http://schemas.microsoft.com/office/powerpoint/2015/main" val="1"/>
+                </p:ext>
+              </p:extLst>
+            </p:nvPr>
+          </p:nvSpPr>
+          <p:spPr>
+            <a:xfrm>
+              <a:off x="438068" y="601201"/>
+              <a:ext cx="3702134" cy="5791132"/>
+            </a:xfrm>
+            <a:prstGeom prst="rect">
+              <a:avLst/>
+            </a:prstGeom>
+            <a:solidFill>
+              <a:srgbClr val="465359">
+                <a:alpha val="97000"/>
+              </a:srgbClr>
+            </a:solidFill>
+            <a:ln w="6350" cmpd="sng">
+              <a:noFill/>
+            </a:ln>
+            <a:effectLst/>
+          </p:spPr>
+          <p:style>
+            <a:lnRef idx="1">
+              <a:schemeClr val="accent1"/>
+            </a:lnRef>
+            <a:fillRef idx="3">
+              <a:schemeClr val="accent1"/>
+            </a:fillRef>
+            <a:effectRef idx="2">
+              <a:schemeClr val="accent1"/>
+            </a:effectRef>
+            <a:fontRef idx="minor">
+              <a:schemeClr val="lt1"/>
+            </a:fontRef>
+          </p:style>
+        </p:sp>
+        <p:sp>
+          <p:nvSpPr>
+            <p:cNvPr id="43" name="Rectangle 42">
+              <a:extLst>
+                <a:ext uri="{FF2B5EF4-FFF2-40B4-BE49-F238E27FC236}">
+                  <a16:creationId xmlns:a16="http://schemas.microsoft.com/office/drawing/2014/main" id="{64C13BAB-7C00-4D21-A857-E3D41C0A2A66}"/>
+                </a:ext>
+                <a:ext uri="{C183D7F6-B498-43B3-948B-1728B52AA6E4}">
+                  <adec:decorative xmlns:adec="http://schemas.microsoft.com/office/drawing/2017/decorative" val="1"/>
+                </a:ext>
+              </a:extLst>
+            </p:cNvPr>
+            <p:cNvSpPr/>
+            <p:nvPr>
+              <p:extLst>
+                <p:ext uri="{386F3935-93C4-4BCD-93E2-E3B085C9AB24}">
+                  <p16:designElem xmlns:p16="http://schemas.microsoft.com/office/powerpoint/2015/main" val="1"/>
+                </p:ext>
+              </p:extLst>
+            </p:nvPr>
+          </p:nvSpPr>
+          <p:spPr>
+            <a:xfrm>
+              <a:off x="438068" y="457200"/>
+              <a:ext cx="3703320" cy="94997"/>
+            </a:xfrm>
+            <a:prstGeom prst="rect">
+              <a:avLst/>
+            </a:prstGeom>
+            <a:solidFill>
+              <a:srgbClr val="465359"/>
+            </a:solidFill>
+            <a:ln>
+              <a:noFill/>
+            </a:ln>
+            <a:effectLst/>
+          </p:spPr>
+          <p:style>
+            <a:lnRef idx="1">
+              <a:schemeClr val="accent1"/>
+            </a:lnRef>
+            <a:fillRef idx="3">
+              <a:schemeClr val="accent1"/>
+            </a:fillRef>
+            <a:effectRef idx="2">
+              <a:schemeClr val="accent1"/>
+            </a:effectRef>
+            <a:fontRef idx="minor">
+              <a:schemeClr val="lt1"/>
+            </a:fontRef>
+          </p:style>
+        </p:sp>
+      </p:grpSp>
+      <p:sp>
+        <p:nvSpPr>
+          <p:cNvPr id="2" name="Title 1">
+            <a:extLst>
+              <a:ext uri="{FF2B5EF4-FFF2-40B4-BE49-F238E27FC236}">
+                <a16:creationId xmlns:a16="http://schemas.microsoft.com/office/drawing/2014/main" id="{106A70C3-511E-4B20-8F63-691553203752}"/>
+              </a:ext>
+            </a:extLst>
+          </p:cNvPr>
+          <p:cNvSpPr>
+            <a:spLocks noGrp="1"/>
+          </p:cNvSpPr>
+          <p:nvPr>
+            <p:ph type="title"/>
+          </p:nvPr>
+        </p:nvSpPr>
+        <p:spPr>
+          <a:xfrm>
+            <a:off x="584200" y="1524001"/>
+            <a:ext cx="3412067" cy="1904999"/>
+          </a:xfrm>
+        </p:spPr>
+        <p:txBody>
+          <a:bodyPr vert="horz" lIns="91440" tIns="45720" rIns="91440" bIns="45720" rtlCol="0" anchor="b">
+            <a:normAutofit/>
+          </a:bodyPr>
+          <a:lstStyle/>
+          <a:p>
+            <a:r>
+              <a:rPr lang="en-US" sz="3600" dirty="0">
+                <a:solidFill>
+                  <a:srgbClr val="FFFFFF"/>
+                </a:solidFill>
+              </a:rPr>
+              <a:t>Years with the most releases</a:t>
+            </a:r>
+          </a:p>
+        </p:txBody>
+      </p:sp>
+      <p:pic>
+        <p:nvPicPr>
+          <p:cNvPr id="17" name="Content Placeholder 16" descr="Chart, bar chart&#10;&#10;Description automatically generated">
+            <a:extLst>
+              <a:ext uri="{FF2B5EF4-FFF2-40B4-BE49-F238E27FC236}">
+                <a16:creationId xmlns:a16="http://schemas.microsoft.com/office/drawing/2014/main" id="{5A32259C-0C7A-4752-8CB3-F155426546F1}"/>
+              </a:ext>
+            </a:extLst>
+          </p:cNvPr>
+          <p:cNvPicPr>
+            <a:picLocks noGrp="1" noChangeAspect="1"/>
+          </p:cNvPicPr>
+          <p:nvPr>
+            <p:ph idx="1"/>
+          </p:nvPr>
+        </p:nvPicPr>
+        <p:blipFill>
+          <a:blip r:embed="rId2"/>
+          <a:stretch>
+            <a:fillRect/>
+          </a:stretch>
+        </p:blipFill>
+        <p:spPr>
+          <a:xfrm>
+            <a:off x="4336032" y="258267"/>
+            <a:ext cx="7772400" cy="6477000"/>
+          </a:xfrm>
+        </p:spPr>
+      </p:pic>
+    </p:spTree>
+    <p:extLst>
+      <p:ext uri="{BB962C8B-B14F-4D97-AF65-F5344CB8AC3E}">
+        <p14:creationId xmlns:p14="http://schemas.microsoft.com/office/powerpoint/2010/main" val="610927191"/>
       </p:ext>
     </p:extLst>
   </p:cSld>
@@ -13543,7 +13859,7 @@
       </p:grpSpPr>
       <p:sp>
         <p:nvSpPr>
-          <p:cNvPr id="14" name="Rectangle 13">
+          <p:cNvPr id="10" name="Rectangle 9">
             <a:extLst>
               <a:ext uri="{FF2B5EF4-FFF2-40B4-BE49-F238E27FC236}">
                 <a16:creationId xmlns:a16="http://schemas.microsoft.com/office/drawing/2014/main" id="{DD651B61-325E-4E73-8445-38B0DE8AAAB6}"/>
@@ -13597,7 +13913,7 @@
       </p:sp>
       <p:sp>
         <p:nvSpPr>
-          <p:cNvPr id="16" name="Rectangle 15">
+          <p:cNvPr id="12" name="Rectangle 11">
             <a:extLst>
               <a:ext uri="{FF2B5EF4-FFF2-40B4-BE49-F238E27FC236}">
                 <a16:creationId xmlns:a16="http://schemas.microsoft.com/office/drawing/2014/main" id="{B42E5253-D3AC-4AC2-B766-8B34F13C2F5E}"/>
@@ -13651,7 +13967,7 @@
       </p:sp>
       <p:sp>
         <p:nvSpPr>
-          <p:cNvPr id="18" name="Rectangle 17">
+          <p:cNvPr id="14" name="Rectangle 13">
             <a:extLst>
               <a:ext uri="{FF2B5EF4-FFF2-40B4-BE49-F238E27FC236}">
                 <a16:creationId xmlns:a16="http://schemas.microsoft.com/office/drawing/2014/main" id="{10AE8D57-436A-4073-9A75-15BB5949F8B4}"/>
@@ -13705,7 +14021,7 @@
       </p:sp>
       <p:sp>
         <p:nvSpPr>
-          <p:cNvPr id="20" name="Rectangle 19">
+          <p:cNvPr id="16" name="Rectangle 15">
             <a:extLst>
               <a:ext uri="{FF2B5EF4-FFF2-40B4-BE49-F238E27FC236}">
                 <a16:creationId xmlns:a16="http://schemas.microsoft.com/office/drawing/2014/main" id="{E2852671-8EB6-4EAF-8AF8-65CF3FD66456}"/>
@@ -13759,7 +14075,7 @@
       </p:sp>
       <p:sp useBgFill="1">
         <p:nvSpPr>
-          <p:cNvPr id="22" name="Rectangle 21">
+          <p:cNvPr id="18" name="Rectangle 17">
             <a:extLst>
               <a:ext uri="{FF2B5EF4-FFF2-40B4-BE49-F238E27FC236}">
                 <a16:creationId xmlns:a16="http://schemas.microsoft.com/office/drawing/2014/main" id="{7C427EA3-1645-4B27-A5C2-55E8E24C665F}"/>
@@ -13819,7 +14135,7 @@
       </p:sp>
       <p:sp>
         <p:nvSpPr>
-          <p:cNvPr id="24" name="Rectangle 23">
+          <p:cNvPr id="20" name="Rectangle 19">
             <a:extLst>
               <a:ext uri="{FF2B5EF4-FFF2-40B4-BE49-F238E27FC236}">
                 <a16:creationId xmlns:a16="http://schemas.microsoft.com/office/drawing/2014/main" id="{885CDBF6-7B87-4A58-92CA-E887CA36AF04}"/>
@@ -13873,7 +14189,7 @@
       </p:sp>
       <p:sp>
         <p:nvSpPr>
-          <p:cNvPr id="26" name="Rectangle 25">
+          <p:cNvPr id="22" name="Rectangle 21">
             <a:extLst>
               <a:ext uri="{FF2B5EF4-FFF2-40B4-BE49-F238E27FC236}">
                 <a16:creationId xmlns:a16="http://schemas.microsoft.com/office/drawing/2014/main" id="{6BFF2B2E-1CF1-403F-BB44-3F9C3E7F67FF}"/>
@@ -13927,7 +14243,7 @@
       </p:sp>
       <p:sp>
         <p:nvSpPr>
-          <p:cNvPr id="28" name="Rectangle 27">
+          <p:cNvPr id="24" name="Rectangle 23">
             <a:extLst>
               <a:ext uri="{FF2B5EF4-FFF2-40B4-BE49-F238E27FC236}">
                 <a16:creationId xmlns:a16="http://schemas.microsoft.com/office/drawing/2014/main" id="{9D8B4D3C-0DE0-43B9-B032-32B536B96D02}"/>
@@ -13981,17 +14297,19 @@
       </p:sp>
       <p:pic>
         <p:nvPicPr>
-          <p:cNvPr id="9" name="Picture 8" descr="Chart, bar chart&#10;&#10;Description automatically generated">
+          <p:cNvPr id="5" name="Content Placeholder 4" descr="Chart, bar chart&#10;&#10;Description automatically generated">
             <a:extLst>
               <a:ext uri="{FF2B5EF4-FFF2-40B4-BE49-F238E27FC236}">
-                <a16:creationId xmlns:a16="http://schemas.microsoft.com/office/drawing/2014/main" id="{C46F77A5-8780-4DF2-B842-2F90BD687BF2}"/>
+                <a16:creationId xmlns:a16="http://schemas.microsoft.com/office/drawing/2014/main" id="{63BD7784-4342-46E9-91A3-5CB4AD940D0A}"/>
               </a:ext>
             </a:extLst>
           </p:cNvPr>
           <p:cNvPicPr>
-            <a:picLocks noChangeAspect="1"/>
+            <a:picLocks noGrp="1" noChangeAspect="1"/>
           </p:cNvPicPr>
-          <p:nvPr/>
+          <p:nvPr>
+            <p:ph idx="1"/>
+          </p:nvPr>
         </p:nvPicPr>
         <p:blipFill>
           <a:blip r:embed="rId2"/>
@@ -14001,8 +14319,8 @@
         </p:blipFill>
         <p:spPr>
           <a:xfrm>
-            <a:off x="446533" y="819322"/>
-            <a:ext cx="7772400" cy="5557271"/>
+            <a:off x="912114" y="548640"/>
+            <a:ext cx="6309360" cy="6309360"/>
           </a:xfrm>
           <a:prstGeom prst="rect">
             <a:avLst/>
@@ -14011,7 +14329,7 @@
       </p:pic>
       <p:sp>
         <p:nvSpPr>
-          <p:cNvPr id="30" name="Rectangle 29">
+          <p:cNvPr id="26" name="Rectangle 25">
             <a:extLst>
               <a:ext uri="{FF2B5EF4-FFF2-40B4-BE49-F238E27FC236}">
                 <a16:creationId xmlns:a16="http://schemas.microsoft.com/office/drawing/2014/main" id="{707788D3-E467-4E25-A5E9-FD41795BD551}"/>
@@ -14068,7 +14386,7 @@
           <p:cNvPr id="2" name="Title 1">
             <a:extLst>
               <a:ext uri="{FF2B5EF4-FFF2-40B4-BE49-F238E27FC236}">
-                <a16:creationId xmlns:a16="http://schemas.microsoft.com/office/drawing/2014/main" id="{7CAFC022-3362-477D-88A2-23155C23ED8F}"/>
+                <a16:creationId xmlns:a16="http://schemas.microsoft.com/office/drawing/2014/main" id="{106A70C3-511E-4B20-8F63-691553203752}"/>
               </a:ext>
             </a:extLst>
           </p:cNvPr>
@@ -14087,22 +14405,32 @@
         </p:spPr>
         <p:txBody>
           <a:bodyPr vert="horz" lIns="91440" tIns="45720" rIns="91440" bIns="45720" rtlCol="0" anchor="b">
-            <a:normAutofit/>
+            <a:normAutofit fontScale="90000"/>
           </a:bodyPr>
           <a:lstStyle/>
           <a:p>
-            <a:pPr>
-              <a:lnSpc>
-                <a:spcPct val="90000"/>
-              </a:lnSpc>
-            </a:pPr>
             <a:r>
-              <a:rPr lang="en-US" sz="3600">
+              <a:rPr lang="en-US" sz="3600" dirty="0">
                 <a:solidFill>
                   <a:srgbClr val="FFFFFF"/>
                 </a:solidFill>
               </a:rPr>
-              <a:t>Countries with most movies and tv shows</a:t>
+              <a:t>Most popular genre</a:t>
+            </a:r>
+            <a:br>
+              <a:rPr lang="en-US" sz="3600" dirty="0">
+                <a:solidFill>
+                  <a:srgbClr val="FFFFFF"/>
+                </a:solidFill>
+              </a:rPr>
+            </a:br>
+            <a:r>
+              <a:rPr lang="en-US" sz="3600" dirty="0">
+                <a:solidFill>
+                  <a:srgbClr val="FFFFFF"/>
+                </a:solidFill>
+              </a:rPr>
+              <a:t>(2010 – 2019)</a:t>
             </a:r>
           </a:p>
         </p:txBody>
@@ -14110,7 +14438,7 @@
     </p:spTree>
     <p:extLst>
       <p:ext uri="{BB962C8B-B14F-4D97-AF65-F5344CB8AC3E}">
-        <p14:creationId xmlns:p14="http://schemas.microsoft.com/office/powerpoint/2010/main" val="4152402306"/>
+        <p14:creationId xmlns:p14="http://schemas.microsoft.com/office/powerpoint/2010/main" val="2680607970"/>
       </p:ext>
     </p:extLst>
   </p:cSld>
@@ -14390,24 +14718,6 @@
 </file>
 
 <file path=customXml/item1.xml><?xml version="1.0" encoding="utf-8"?>
-<p:properties xmlns:p="http://schemas.microsoft.com/office/2006/metadata/properties" xmlns:xsi="http://www.w3.org/2001/XMLSchema-instance" xmlns:pc="http://schemas.microsoft.com/office/infopath/2007/PartnerControls">
-  <documentManagement>
-    <Status xmlns="71af3243-3dd4-4a8d-8c0d-dd76da1f02a5">Not started</Status>
-    <MediaServiceKeyPoints xmlns="71af3243-3dd4-4a8d-8c0d-dd76da1f02a5" xsi:nil="true"/>
-  </documentManagement>
-</p:properties>
-</file>
-
-<file path=customXml/item2.xml><?xml version="1.0" encoding="utf-8"?>
-<?mso-contentType ?>
-<FormTemplates xmlns="http://schemas.microsoft.com/sharepoint/v3/contenttype/forms">
-  <Display>DocumentLibraryForm</Display>
-  <Edit>DocumentLibraryForm</Edit>
-  <New>DocumentLibraryForm</New>
-</FormTemplates>
-</file>
-
-<file path=customXml/item3.xml><?xml version="1.0" encoding="utf-8"?>
 <ct:contentTypeSchema xmlns:ct="http://schemas.microsoft.com/office/2006/metadata/contentType" xmlns:ma="http://schemas.microsoft.com/office/2006/metadata/properties/metaAttributes" ct:_="" ma:_="" ma:contentTypeName="Document" ma:contentTypeID="0x01010079F111ED35F8CC479449609E8A0923A6" ma:contentTypeVersion="12" ma:contentTypeDescription="Create a new document." ma:contentTypeScope="" ma:versionID="a410dd7f93c95333ffa1b60ed6adedd1">
   <xsd:schema xmlns:xsd="http://www.w3.org/2001/XMLSchema" xmlns:xs="http://www.w3.org/2001/XMLSchema" xmlns:p="http://schemas.microsoft.com/office/2006/metadata/properties" xmlns:ns2="71af3243-3dd4-4a8d-8c0d-dd76da1f02a5" xmlns:ns3="16c05727-aa75-4e4a-9b5f-8a80a1165891" targetNamespace="http://schemas.microsoft.com/office/2006/metadata/properties" ma:root="true" ma:fieldsID="a936d9baba76aa3866493feff160faab" ns2:_="" ns3:_="">
     <xsd:import namespace="71af3243-3dd4-4a8d-8c0d-dd76da1f02a5"/>
@@ -14628,25 +14938,25 @@
 </ct:contentTypeSchema>
 </file>
 
-<file path=customXml/itemProps1.xml><?xml version="1.0" encoding="utf-8"?>
-<ds:datastoreItem xmlns:ds="http://schemas.openxmlformats.org/officeDocument/2006/customXml" ds:itemID="{8D289AE2-D2AE-49D1-AFAC-3A79F6794255}">
-  <ds:schemaRefs>
-    <ds:schemaRef ds:uri="http://schemas.microsoft.com/office/2006/metadata/properties"/>
-    <ds:schemaRef ds:uri="http://schemas.microsoft.com/office/infopath/2007/PartnerControls"/>
-    <ds:schemaRef ds:uri="71af3243-3dd4-4a8d-8c0d-dd76da1f02a5"/>
-  </ds:schemaRefs>
-</ds:datastoreItem>
+<file path=customXml/item2.xml><?xml version="1.0" encoding="utf-8"?>
+<?mso-contentType ?>
+<FormTemplates xmlns="http://schemas.microsoft.com/sharepoint/v3/contenttype/forms">
+  <Display>DocumentLibraryForm</Display>
+  <Edit>DocumentLibraryForm</Edit>
+  <New>DocumentLibraryForm</New>
+</FormTemplates>
 </file>
 
-<file path=customXml/itemProps2.xml><?xml version="1.0" encoding="utf-8"?>
-<ds:datastoreItem xmlns:ds="http://schemas.openxmlformats.org/officeDocument/2006/customXml" ds:itemID="{927BD4C1-B6B1-4715-ABF9-E660A51A4EA0}">
-  <ds:schemaRefs>
-    <ds:schemaRef ds:uri="http://schemas.microsoft.com/sharepoint/v3/contenttype/forms"/>
-  </ds:schemaRefs>
-</ds:datastoreItem>
+<file path=customXml/item3.xml><?xml version="1.0" encoding="utf-8"?>
+<p:properties xmlns:p="http://schemas.microsoft.com/office/2006/metadata/properties" xmlns:xsi="http://www.w3.org/2001/XMLSchema-instance" xmlns:pc="http://schemas.microsoft.com/office/infopath/2007/PartnerControls">
+  <documentManagement>
+    <Status xmlns="71af3243-3dd4-4a8d-8c0d-dd76da1f02a5">Not started</Status>
+    <MediaServiceKeyPoints xmlns="71af3243-3dd4-4a8d-8c0d-dd76da1f02a5" xsi:nil="true"/>
+  </documentManagement>
+</p:properties>
 </file>
 
-<file path=customXml/itemProps3.xml><?xml version="1.0" encoding="utf-8"?>
+<file path=customXml/itemProps1.xml><?xml version="1.0" encoding="utf-8"?>
 <ds:datastoreItem xmlns:ds="http://schemas.openxmlformats.org/officeDocument/2006/customXml" ds:itemID="{41E7CA09-9778-4414-AE97-8064B12DA30E}">
   <ds:schemaRefs>
     <ds:schemaRef ds:uri="http://schemas.microsoft.com/office/2006/metadata/contentType"/>
@@ -14663,4 +14973,22 @@
     <ds:schemaRef ds:uri="http://schemas.microsoft.com/internal/obd"/>
   </ds:schemaRefs>
 </ds:datastoreItem>
+</file>
+
+<file path=customXml/itemProps2.xml><?xml version="1.0" encoding="utf-8"?>
+<ds:datastoreItem xmlns:ds="http://schemas.openxmlformats.org/officeDocument/2006/customXml" ds:itemID="{927BD4C1-B6B1-4715-ABF9-E660A51A4EA0}">
+  <ds:schemaRefs>
+    <ds:schemaRef ds:uri="http://schemas.microsoft.com/sharepoint/v3/contenttype/forms"/>
+  </ds:schemaRefs>
+</ds:datastoreItem>
+</file>
+
+<file path=customXml/itemProps3.xml><?xml version="1.0" encoding="utf-8"?>
+<ds:datastoreItem xmlns:ds="http://schemas.openxmlformats.org/officeDocument/2006/customXml" ds:itemID="{8D289AE2-D2AE-49D1-AFAC-3A79F6794255}">
+  <ds:schemaRefs>
+    <ds:schemaRef ds:uri="http://schemas.microsoft.com/office/2006/metadata/properties"/>
+    <ds:schemaRef ds:uri="http://schemas.microsoft.com/office/infopath/2007/PartnerControls"/>
+    <ds:schemaRef ds:uri="71af3243-3dd4-4a8d-8c0d-dd76da1f02a5"/>
+  </ds:schemaRefs>
+</ds:datastoreItem>
 </file>
--- a/review_of_netflix_movies_and_tv_shows.pptx
+++ b/review_of_netflix_movies_and_tv_shows.pptx
@@ -8079,7 +8079,7 @@
       </p:sp>
       <p:pic>
         <p:nvPicPr>
-          <p:cNvPr id="7" name="Content Placeholder 6" descr="Chart, line chart&#10;&#10;Description automatically generated">
+          <p:cNvPr id="7" name="Content Placeholder 6">
             <a:extLst>
               <a:ext uri="{FF2B5EF4-FFF2-40B4-BE49-F238E27FC236}">
                 <a16:creationId xmlns:a16="http://schemas.microsoft.com/office/drawing/2014/main" id="{814AEAC0-0022-470C-87D9-2F38BB6D0BC3}"/>
@@ -8095,14 +8095,13 @@
         </p:nvPicPr>
         <p:blipFill>
           <a:blip r:embed="rId2"/>
-          <a:stretch>
-            <a:fillRect/>
-          </a:stretch>
+          <a:srcRect/>
+          <a:stretch/>
         </p:blipFill>
         <p:spPr>
           <a:xfrm>
-            <a:off x="4765053" y="677376"/>
-            <a:ext cx="6764864" cy="5479539"/>
+            <a:off x="4768436" y="677376"/>
+            <a:ext cx="6758098" cy="5479539"/>
           </a:xfrm>
           <a:prstGeom prst="rect">
             <a:avLst/>
@@ -8659,14 +8658,14 @@
           <a:lstStyle/>
           <a:p>
             <a:r>
-              <a:rPr lang="en-US" cap="all">
+              <a:rPr lang="en-US" cap="all" dirty="0">
                 <a:solidFill>
                   <a:srgbClr val="FFFFFF">
                     <a:alpha val="75000"/>
                   </a:srgbClr>
                 </a:solidFill>
               </a:rPr>
-              <a:t>What director has the most movies or tv shows added to Netflix?</a:t>
+              <a:t>Which director has the most movies or tv shows added to Netflix?</a:t>
             </a:r>
           </a:p>
         </p:txBody>
@@ -14718,6 +14717,24 @@
 </file>
 
 <file path=customXml/item1.xml><?xml version="1.0" encoding="utf-8"?>
+<p:properties xmlns:p="http://schemas.microsoft.com/office/2006/metadata/properties" xmlns:xsi="http://www.w3.org/2001/XMLSchema-instance" xmlns:pc="http://schemas.microsoft.com/office/infopath/2007/PartnerControls">
+  <documentManagement>
+    <Status xmlns="71af3243-3dd4-4a8d-8c0d-dd76da1f02a5">Not started</Status>
+    <MediaServiceKeyPoints xmlns="71af3243-3dd4-4a8d-8c0d-dd76da1f02a5" xsi:nil="true"/>
+  </documentManagement>
+</p:properties>
+</file>
+
+<file path=customXml/item2.xml><?xml version="1.0" encoding="utf-8"?>
+<?mso-contentType ?>
+<FormTemplates xmlns="http://schemas.microsoft.com/sharepoint/v3/contenttype/forms">
+  <Display>DocumentLibraryForm</Display>
+  <Edit>DocumentLibraryForm</Edit>
+  <New>DocumentLibraryForm</New>
+</FormTemplates>
+</file>
+
+<file path=customXml/item3.xml><?xml version="1.0" encoding="utf-8"?>
 <ct:contentTypeSchema xmlns:ct="http://schemas.microsoft.com/office/2006/metadata/contentType" xmlns:ma="http://schemas.microsoft.com/office/2006/metadata/properties/metaAttributes" ct:_="" ma:_="" ma:contentTypeName="Document" ma:contentTypeID="0x01010079F111ED35F8CC479449609E8A0923A6" ma:contentTypeVersion="12" ma:contentTypeDescription="Create a new document." ma:contentTypeScope="" ma:versionID="a410dd7f93c95333ffa1b60ed6adedd1">
   <xsd:schema xmlns:xsd="http://www.w3.org/2001/XMLSchema" xmlns:xs="http://www.w3.org/2001/XMLSchema" xmlns:p="http://schemas.microsoft.com/office/2006/metadata/properties" xmlns:ns2="71af3243-3dd4-4a8d-8c0d-dd76da1f02a5" xmlns:ns3="16c05727-aa75-4e4a-9b5f-8a80a1165891" targetNamespace="http://schemas.microsoft.com/office/2006/metadata/properties" ma:root="true" ma:fieldsID="a936d9baba76aa3866493feff160faab" ns2:_="" ns3:_="">
     <xsd:import namespace="71af3243-3dd4-4a8d-8c0d-dd76da1f02a5"/>
@@ -14938,25 +14955,25 @@
 </ct:contentTypeSchema>
 </file>
 
-<file path=customXml/item2.xml><?xml version="1.0" encoding="utf-8"?>
-<?mso-contentType ?>
-<FormTemplates xmlns="http://schemas.microsoft.com/sharepoint/v3/contenttype/forms">
-  <Display>DocumentLibraryForm</Display>
-  <Edit>DocumentLibraryForm</Edit>
-  <New>DocumentLibraryForm</New>
-</FormTemplates>
+<file path=customXml/itemProps1.xml><?xml version="1.0" encoding="utf-8"?>
+<ds:datastoreItem xmlns:ds="http://schemas.openxmlformats.org/officeDocument/2006/customXml" ds:itemID="{8D289AE2-D2AE-49D1-AFAC-3A79F6794255}">
+  <ds:schemaRefs>
+    <ds:schemaRef ds:uri="http://schemas.microsoft.com/office/2006/metadata/properties"/>
+    <ds:schemaRef ds:uri="http://schemas.microsoft.com/office/infopath/2007/PartnerControls"/>
+    <ds:schemaRef ds:uri="71af3243-3dd4-4a8d-8c0d-dd76da1f02a5"/>
+  </ds:schemaRefs>
+</ds:datastoreItem>
 </file>
 
-<file path=customXml/item3.xml><?xml version="1.0" encoding="utf-8"?>
-<p:properties xmlns:p="http://schemas.microsoft.com/office/2006/metadata/properties" xmlns:xsi="http://www.w3.org/2001/XMLSchema-instance" xmlns:pc="http://schemas.microsoft.com/office/infopath/2007/PartnerControls">
-  <documentManagement>
-    <Status xmlns="71af3243-3dd4-4a8d-8c0d-dd76da1f02a5">Not started</Status>
-    <MediaServiceKeyPoints xmlns="71af3243-3dd4-4a8d-8c0d-dd76da1f02a5" xsi:nil="true"/>
-  </documentManagement>
-</p:properties>
+<file path=customXml/itemProps2.xml><?xml version="1.0" encoding="utf-8"?>
+<ds:datastoreItem xmlns:ds="http://schemas.openxmlformats.org/officeDocument/2006/customXml" ds:itemID="{927BD4C1-B6B1-4715-ABF9-E660A51A4EA0}">
+  <ds:schemaRefs>
+    <ds:schemaRef ds:uri="http://schemas.microsoft.com/sharepoint/v3/contenttype/forms"/>
+  </ds:schemaRefs>
+</ds:datastoreItem>
 </file>
 
-<file path=customXml/itemProps1.xml><?xml version="1.0" encoding="utf-8"?>
+<file path=customXml/itemProps3.xml><?xml version="1.0" encoding="utf-8"?>
 <ds:datastoreItem xmlns:ds="http://schemas.openxmlformats.org/officeDocument/2006/customXml" ds:itemID="{41E7CA09-9778-4414-AE97-8064B12DA30E}">
   <ds:schemaRefs>
     <ds:schemaRef ds:uri="http://schemas.microsoft.com/office/2006/metadata/contentType"/>
@@ -14973,22 +14990,4 @@
     <ds:schemaRef ds:uri="http://schemas.microsoft.com/internal/obd"/>
   </ds:schemaRefs>
 </ds:datastoreItem>
-</file>
-
-<file path=customXml/itemProps2.xml><?xml version="1.0" encoding="utf-8"?>
-<ds:datastoreItem xmlns:ds="http://schemas.openxmlformats.org/officeDocument/2006/customXml" ds:itemID="{927BD4C1-B6B1-4715-ABF9-E660A51A4EA0}">
-  <ds:schemaRefs>
-    <ds:schemaRef ds:uri="http://schemas.microsoft.com/sharepoint/v3/contenttype/forms"/>
-  </ds:schemaRefs>
-</ds:datastoreItem>
-</file>
-
-<file path=customXml/itemProps3.xml><?xml version="1.0" encoding="utf-8"?>
-<ds:datastoreItem xmlns:ds="http://schemas.openxmlformats.org/officeDocument/2006/customXml" ds:itemID="{8D289AE2-D2AE-49D1-AFAC-3A79F6794255}">
-  <ds:schemaRefs>
-    <ds:schemaRef ds:uri="http://schemas.microsoft.com/office/2006/metadata/properties"/>
-    <ds:schemaRef ds:uri="http://schemas.microsoft.com/office/infopath/2007/PartnerControls"/>
-    <ds:schemaRef ds:uri="71af3243-3dd4-4a8d-8c0d-dd76da1f02a5"/>
-  </ds:schemaRefs>
-</ds:datastoreItem>
 </file>
--- a/review_of_netflix_movies_and_tv_shows.pptx
+++ b/review_of_netflix_movies_and_tv_shows.pptx
@@ -7549,7 +7549,7 @@
           <a:lstStyle/>
           <a:p>
             <a:r>
-              <a:rPr lang="en-US" b="0" i="0">
+              <a:rPr lang="en-US" b="0" i="0" dirty="0">
                 <a:solidFill>
                   <a:srgbClr val="FFFFFF">
                     <a:alpha val="75000"/>
@@ -7558,10 +7558,10 @@
                 <a:effectLst/>
                 <a:latin typeface="Noto Serif" panose="020B0604020202020204" pitchFamily="18" charset="0"/>
               </a:rPr>
-              <a:t>Corbin Getz, </a:t>
+              <a:t>Data Maniacs: Corbin Getz, </a:t>
             </a:r>
             <a:r>
-              <a:rPr lang="en-US" b="0" i="0">
+              <a:rPr lang="en-US" b="0" i="0" dirty="0" err="1">
                 <a:solidFill>
                   <a:srgbClr val="FFFFFF">
                     <a:alpha val="75000"/>
@@ -7570,11 +7570,44 @@
                 <a:effectLst/>
                 <a:latin typeface="Noto Serif" panose="02020600060500020200" pitchFamily="18" charset="0"/>
               </a:rPr>
-              <a:t>Bilkis Khan, Robert stockwell</a:t>
+              <a:t>Bilkis</a:t>
             </a:r>
-          </a:p>
-          <a:p>
-            <a:endParaRPr lang="en-US" b="0" i="0">
+            <a:r>
+              <a:rPr lang="en-US" b="0" i="0" dirty="0">
+                <a:solidFill>
+                  <a:srgbClr val="FFFFFF">
+                    <a:alpha val="75000"/>
+                  </a:srgbClr>
+                </a:solidFill>
+                <a:effectLst/>
+                <a:latin typeface="Noto Serif" panose="02020600060500020200" pitchFamily="18" charset="0"/>
+              </a:rPr>
+              <a:t> Khan, Robert </a:t>
+            </a:r>
+            <a:r>
+              <a:rPr lang="en-US" b="0" i="0" dirty="0" err="1">
+                <a:solidFill>
+                  <a:srgbClr val="FFFFFF">
+                    <a:alpha val="75000"/>
+                  </a:srgbClr>
+                </a:solidFill>
+                <a:effectLst/>
+                <a:latin typeface="Noto Serif" panose="02020600060500020200" pitchFamily="18" charset="0"/>
+              </a:rPr>
+              <a:t>stockwell</a:t>
+            </a:r>
+            <a:endParaRPr lang="en-US" b="0" i="0" dirty="0">
+              <a:solidFill>
+                <a:srgbClr val="FFFFFF">
+                  <a:alpha val="75000"/>
+                </a:srgbClr>
+              </a:solidFill>
+              <a:effectLst/>
+              <a:latin typeface="Noto Serif" panose="02020600060500020200" pitchFamily="18" charset="0"/>
+            </a:endParaRPr>
+          </a:p>
+          <a:p>
+            <a:endParaRPr lang="en-US" b="0" i="0" dirty="0">
               <a:solidFill>
                 <a:srgbClr val="FFFFFF">
                   <a:alpha val="75000"/>
@@ -10084,7 +10117,7 @@
             <a:pPr lvl="0"/>
             <a:r>
               <a:rPr lang="en-US" dirty="0"/>
-              <a:t>The team was able to find some interesting things with this dataset . And we answered some of the following questions. </a:t>
+              <a:t>The team was able to find some interesting things with this dataset. We answered some of the following questions. </a:t>
             </a:r>
           </a:p>
         </p:txBody>
@@ -14717,24 +14750,6 @@
 </file>
 
 <file path=customXml/item1.xml><?xml version="1.0" encoding="utf-8"?>
-<p:properties xmlns:p="http://schemas.microsoft.com/office/2006/metadata/properties" xmlns:xsi="http://www.w3.org/2001/XMLSchema-instance" xmlns:pc="http://schemas.microsoft.com/office/infopath/2007/PartnerControls">
-  <documentManagement>
-    <Status xmlns="71af3243-3dd4-4a8d-8c0d-dd76da1f02a5">Not started</Status>
-    <MediaServiceKeyPoints xmlns="71af3243-3dd4-4a8d-8c0d-dd76da1f02a5" xsi:nil="true"/>
-  </documentManagement>
-</p:properties>
-</file>
-
-<file path=customXml/item2.xml><?xml version="1.0" encoding="utf-8"?>
-<?mso-contentType ?>
-<FormTemplates xmlns="http://schemas.microsoft.com/sharepoint/v3/contenttype/forms">
-  <Display>DocumentLibraryForm</Display>
-  <Edit>DocumentLibraryForm</Edit>
-  <New>DocumentLibraryForm</New>
-</FormTemplates>
-</file>
-
-<file path=customXml/item3.xml><?xml version="1.0" encoding="utf-8"?>
 <ct:contentTypeSchema xmlns:ct="http://schemas.microsoft.com/office/2006/metadata/contentType" xmlns:ma="http://schemas.microsoft.com/office/2006/metadata/properties/metaAttributes" ct:_="" ma:_="" ma:contentTypeName="Document" ma:contentTypeID="0x01010079F111ED35F8CC479449609E8A0923A6" ma:contentTypeVersion="12" ma:contentTypeDescription="Create a new document." ma:contentTypeScope="" ma:versionID="a410dd7f93c95333ffa1b60ed6adedd1">
   <xsd:schema xmlns:xsd="http://www.w3.org/2001/XMLSchema" xmlns:xs="http://www.w3.org/2001/XMLSchema" xmlns:p="http://schemas.microsoft.com/office/2006/metadata/properties" xmlns:ns2="71af3243-3dd4-4a8d-8c0d-dd76da1f02a5" xmlns:ns3="16c05727-aa75-4e4a-9b5f-8a80a1165891" targetNamespace="http://schemas.microsoft.com/office/2006/metadata/properties" ma:root="true" ma:fieldsID="a936d9baba76aa3866493feff160faab" ns2:_="" ns3:_="">
     <xsd:import namespace="71af3243-3dd4-4a8d-8c0d-dd76da1f02a5"/>
@@ -14955,25 +14970,25 @@
 </ct:contentTypeSchema>
 </file>
 
-<file path=customXml/itemProps1.xml><?xml version="1.0" encoding="utf-8"?>
-<ds:datastoreItem xmlns:ds="http://schemas.openxmlformats.org/officeDocument/2006/customXml" ds:itemID="{8D289AE2-D2AE-49D1-AFAC-3A79F6794255}">
-  <ds:schemaRefs>
-    <ds:schemaRef ds:uri="http://schemas.microsoft.com/office/2006/metadata/properties"/>
-    <ds:schemaRef ds:uri="http://schemas.microsoft.com/office/infopath/2007/PartnerControls"/>
-    <ds:schemaRef ds:uri="71af3243-3dd4-4a8d-8c0d-dd76da1f02a5"/>
-  </ds:schemaRefs>
-</ds:datastoreItem>
+<file path=customXml/item2.xml><?xml version="1.0" encoding="utf-8"?>
+<?mso-contentType ?>
+<FormTemplates xmlns="http://schemas.microsoft.com/sharepoint/v3/contenttype/forms">
+  <Display>DocumentLibraryForm</Display>
+  <Edit>DocumentLibraryForm</Edit>
+  <New>DocumentLibraryForm</New>
+</FormTemplates>
 </file>
 
-<file path=customXml/itemProps2.xml><?xml version="1.0" encoding="utf-8"?>
-<ds:datastoreItem xmlns:ds="http://schemas.openxmlformats.org/officeDocument/2006/customXml" ds:itemID="{927BD4C1-B6B1-4715-ABF9-E660A51A4EA0}">
-  <ds:schemaRefs>
-    <ds:schemaRef ds:uri="http://schemas.microsoft.com/sharepoint/v3/contenttype/forms"/>
-  </ds:schemaRefs>
-</ds:datastoreItem>
+<file path=customXml/item3.xml><?xml version="1.0" encoding="utf-8"?>
+<p:properties xmlns:p="http://schemas.microsoft.com/office/2006/metadata/properties" xmlns:xsi="http://www.w3.org/2001/XMLSchema-instance" xmlns:pc="http://schemas.microsoft.com/office/infopath/2007/PartnerControls">
+  <documentManagement>
+    <Status xmlns="71af3243-3dd4-4a8d-8c0d-dd76da1f02a5">Not started</Status>
+    <MediaServiceKeyPoints xmlns="71af3243-3dd4-4a8d-8c0d-dd76da1f02a5" xsi:nil="true"/>
+  </documentManagement>
+</p:properties>
 </file>
 
-<file path=customXml/itemProps3.xml><?xml version="1.0" encoding="utf-8"?>
+<file path=customXml/itemProps1.xml><?xml version="1.0" encoding="utf-8"?>
 <ds:datastoreItem xmlns:ds="http://schemas.openxmlformats.org/officeDocument/2006/customXml" ds:itemID="{41E7CA09-9778-4414-AE97-8064B12DA30E}">
   <ds:schemaRefs>
     <ds:schemaRef ds:uri="http://schemas.microsoft.com/office/2006/metadata/contentType"/>
@@ -14990,4 +15005,22 @@
     <ds:schemaRef ds:uri="http://schemas.microsoft.com/internal/obd"/>
   </ds:schemaRefs>
 </ds:datastoreItem>
+</file>
+
+<file path=customXml/itemProps2.xml><?xml version="1.0" encoding="utf-8"?>
+<ds:datastoreItem xmlns:ds="http://schemas.openxmlformats.org/officeDocument/2006/customXml" ds:itemID="{927BD4C1-B6B1-4715-ABF9-E660A51A4EA0}">
+  <ds:schemaRefs>
+    <ds:schemaRef ds:uri="http://schemas.microsoft.com/sharepoint/v3/contenttype/forms"/>
+  </ds:schemaRefs>
+</ds:datastoreItem>
+</file>
+
+<file path=customXml/itemProps3.xml><?xml version="1.0" encoding="utf-8"?>
+<ds:datastoreItem xmlns:ds="http://schemas.openxmlformats.org/officeDocument/2006/customXml" ds:itemID="{8D289AE2-D2AE-49D1-AFAC-3A79F6794255}">
+  <ds:schemaRefs>
+    <ds:schemaRef ds:uri="http://schemas.microsoft.com/office/2006/metadata/properties"/>
+    <ds:schemaRef ds:uri="http://schemas.microsoft.com/office/infopath/2007/PartnerControls"/>
+    <ds:schemaRef ds:uri="71af3243-3dd4-4a8d-8c0d-dd76da1f02a5"/>
+  </ds:schemaRefs>
+</ds:datastoreItem>
 </file>